--- a/decks/Typesafe Config on Steroids.pptx
+++ b/decks/Typesafe Config on Steroids.pptx
@@ -215,7 +215,7 @@
           <a:p>
             <a:fld id="{230D40DE-2A38-4345-85A0-DEF4D198A674}" type="datetimeFigureOut">
               <a:rPr lang="en-US" smtClean="0"/>
-              <a:t>5/24/15</a:t>
+              <a:t>5/28/15</a:t>
             </a:fld>
             <a:endParaRPr lang="en-US"/>
           </a:p>
@@ -380,7 +380,7 @@
           <a:p>
             <a:fld id="{33A80CE6-5865-7C41-B5E0-9667B26466E9}" type="datetimeFigureOut">
               <a:rPr lang="en-US" smtClean="0"/>
-              <a:t>5/24/15</a:t>
+              <a:t>5/28/15</a:t>
             </a:fld>
             <a:endParaRPr lang="en-US"/>
           </a:p>
@@ -776,6 +776,26 @@
           <a:bodyPr/>
           <a:lstStyle/>
           <a:p>
+            <a:r>
+              <a:rPr lang="en-US" dirty="0" smtClean="0"/>
+              <a:t>The triple-quote</a:t>
+            </a:r>
+            <a:r>
+              <a:rPr lang="en-US" baseline="0" dirty="0" smtClean="0"/>
+              <a:t>s is </a:t>
+            </a:r>
+            <a:r>
+              <a:rPr lang="en-US" baseline="0" dirty="0" err="1" smtClean="0"/>
+              <a:t>Scala</a:t>
+            </a:r>
+            <a:r>
+              <a:rPr lang="en-US" baseline="0" dirty="0" smtClean="0"/>
+              <a:t> syntax for multi-line string literal.  It is also supported in HOCON – great </a:t>
+            </a:r>
+            <a:r>
+              <a:rPr lang="en-US" baseline="0" smtClean="0"/>
+              <a:t>for queries.</a:t>
+            </a:r>
             <a:endParaRPr lang="en-US"/>
           </a:p>
         </p:txBody>
@@ -2129,11 +2149,7 @@
             </a:r>
             <a:r>
               <a:rPr lang="en-US" baseline="0" dirty="0" smtClean="0"/>
-              <a:t> is important when dealing with multiple configurations.  You want to work with </a:t>
-            </a:r>
-            <a:r>
-              <a:rPr lang="en-US" baseline="0" dirty="0" smtClean="0"/>
-              <a:t>configurations as values.</a:t>
+              <a:t> is important when dealing with multiple configurations.  You want to work with configurations as values.</a:t>
             </a:r>
             <a:endParaRPr lang="en-US" dirty="0"/>
           </a:p>
@@ -2232,11 +2248,7 @@
           <a:p>
             <a:r>
               <a:rPr lang="en-US" dirty="0" smtClean="0"/>
-              <a:t>This is a configuration </a:t>
-            </a:r>
-            <a:r>
-              <a:rPr lang="en-US" dirty="0" smtClean="0"/>
-              <a:t>file</a:t>
+              <a:t>This is a configuration file</a:t>
             </a:r>
           </a:p>
           <a:p>
@@ -2257,17 +2269,8 @@
           <a:p>
             <a:r>
               <a:rPr lang="en-US" baseline="0" dirty="0" smtClean="0"/>
-              <a:t>Lists </a:t>
-            </a:r>
-            <a:r>
-              <a:rPr lang="en-US" baseline="0" dirty="0" smtClean="0"/>
-              <a:t>of </a:t>
-            </a:r>
-            <a:r>
-              <a:rPr lang="en-US" baseline="0" dirty="0" smtClean="0"/>
-              <a:t>values</a:t>
-            </a:r>
-            <a:endParaRPr lang="en-US" baseline="0" dirty="0" smtClean="0"/>
+              <a:t>Lists of values</a:t>
+            </a:r>
           </a:p>
         </p:txBody>
       </p:sp>
@@ -2760,7 +2763,7 @@
           <a:p>
             <a:fld id="{09040BB3-2D97-234A-AF6E-BADAEF17F905}" type="datetimeFigureOut">
               <a:rPr lang="en-US" smtClean="0"/>
-              <a:t>5/24/15</a:t>
+              <a:t>5/28/15</a:t>
             </a:fld>
             <a:endParaRPr lang="en-US"/>
           </a:p>
@@ -3214,7 +3217,7 @@
           <a:p>
             <a:fld id="{09040BB3-2D97-234A-AF6E-BADAEF17F905}" type="datetimeFigureOut">
               <a:rPr lang="en-US" smtClean="0"/>
-              <a:t>5/24/15</a:t>
+              <a:t>5/28/15</a:t>
             </a:fld>
             <a:endParaRPr lang="en-US"/>
           </a:p>
@@ -3757,7 +3760,7 @@
           <a:p>
             <a:fld id="{09040BB3-2D97-234A-AF6E-BADAEF17F905}" type="datetimeFigureOut">
               <a:rPr lang="en-US" smtClean="0"/>
-              <a:t>5/24/15</a:t>
+              <a:t>5/28/15</a:t>
             </a:fld>
             <a:endParaRPr lang="en-US"/>
           </a:p>
@@ -3893,7 +3896,7 @@
           <a:p>
             <a:fld id="{09040BB3-2D97-234A-AF6E-BADAEF17F905}" type="datetimeFigureOut">
               <a:rPr lang="en-US" smtClean="0"/>
-              <a:t>5/24/15</a:t>
+              <a:t>5/28/15</a:t>
             </a:fld>
             <a:endParaRPr lang="en-US"/>
           </a:p>
@@ -4231,7 +4234,7 @@
           <a:p>
             <a:fld id="{09040BB3-2D97-234A-AF6E-BADAEF17F905}" type="datetimeFigureOut">
               <a:rPr lang="en-US" smtClean="0"/>
-              <a:t>5/24/15</a:t>
+              <a:t>5/28/15</a:t>
             </a:fld>
             <a:endParaRPr lang="en-US"/>
           </a:p>
@@ -4557,7 +4560,7 @@
           <a:p>
             <a:fld id="{09040BB3-2D97-234A-AF6E-BADAEF17F905}" type="datetimeFigureOut">
               <a:rPr lang="en-US" smtClean="0"/>
-              <a:t>5/24/15</a:t>
+              <a:t>5/28/15</a:t>
             </a:fld>
             <a:endParaRPr lang="en-US"/>
           </a:p>
@@ -4855,7 +4858,7 @@
           <a:p>
             <a:fld id="{09040BB3-2D97-234A-AF6E-BADAEF17F905}" type="datetimeFigureOut">
               <a:rPr lang="en-US" smtClean="0"/>
-              <a:t>5/24/15</a:t>
+              <a:t>5/28/15</a:t>
             </a:fld>
             <a:endParaRPr lang="en-US"/>
           </a:p>
@@ -5242,7 +5245,7 @@
           <a:p>
             <a:fld id="{09040BB3-2D97-234A-AF6E-BADAEF17F905}" type="datetimeFigureOut">
               <a:rPr lang="en-US" smtClean="0"/>
-              <a:t>5/24/15</a:t>
+              <a:t>5/28/15</a:t>
             </a:fld>
             <a:endParaRPr lang="en-US"/>
           </a:p>
@@ -5662,7 +5665,7 @@
           <a:p>
             <a:fld id="{09040BB3-2D97-234A-AF6E-BADAEF17F905}" type="datetimeFigureOut">
               <a:rPr lang="en-US" smtClean="0"/>
-              <a:t>5/24/15</a:t>
+              <a:t>5/28/15</a:t>
             </a:fld>
             <a:endParaRPr lang="en-US"/>
           </a:p>
@@ -6210,7 +6213,7 @@
           <a:p>
             <a:fld id="{09040BB3-2D97-234A-AF6E-BADAEF17F905}" type="datetimeFigureOut">
               <a:rPr lang="en-US" smtClean="0"/>
-              <a:t>5/24/15</a:t>
+              <a:t>5/28/15</a:t>
             </a:fld>
             <a:endParaRPr lang="en-US"/>
           </a:p>
@@ -6568,7 +6571,7 @@
           <a:p>
             <a:fld id="{09040BB3-2D97-234A-AF6E-BADAEF17F905}" type="datetimeFigureOut">
               <a:rPr lang="en-US" smtClean="0"/>
-              <a:t>5/24/15</a:t>
+              <a:t>5/28/15</a:t>
             </a:fld>
             <a:endParaRPr lang="en-US"/>
           </a:p>
@@ -6783,7 +6786,7 @@
           <a:p>
             <a:fld id="{09040BB3-2D97-234A-AF6E-BADAEF17F905}" type="datetimeFigureOut">
               <a:rPr lang="en-US" smtClean="0"/>
-              <a:t>5/24/15</a:t>
+              <a:t>5/28/15</a:t>
             </a:fld>
             <a:endParaRPr lang="en-US"/>
           </a:p>
@@ -7090,7 +7093,7 @@
           <a:p>
             <a:fld id="{09040BB3-2D97-234A-AF6E-BADAEF17F905}" type="datetimeFigureOut">
               <a:rPr lang="en-US" smtClean="0"/>
-              <a:t>5/24/15</a:t>
+              <a:t>5/28/15</a:t>
             </a:fld>
             <a:endParaRPr lang="en-US"/>
           </a:p>
@@ -7346,7 +7349,7 @@
           <a:p>
             <a:fld id="{09040BB3-2D97-234A-AF6E-BADAEF17F905}" type="datetimeFigureOut">
               <a:rPr lang="en-US" smtClean="0"/>
-              <a:t>5/24/15</a:t>
+              <a:t>5/28/15</a:t>
             </a:fld>
             <a:endParaRPr lang="en-US"/>
           </a:p>
@@ -7735,7 +7738,7 @@
           <a:p>
             <a:fld id="{09040BB3-2D97-234A-AF6E-BADAEF17F905}" type="datetimeFigureOut">
               <a:rPr lang="en-US" smtClean="0"/>
-              <a:t>5/24/15</a:t>
+              <a:t>5/28/15</a:t>
             </a:fld>
             <a:endParaRPr lang="en-US"/>
           </a:p>
@@ -8324,7 +8327,7 @@
           <a:p>
             <a:fld id="{09040BB3-2D97-234A-AF6E-BADAEF17F905}" type="datetimeFigureOut">
               <a:rPr lang="en-US" smtClean="0"/>
-              <a:t>5/24/15</a:t>
+              <a:t>5/28/15</a:t>
             </a:fld>
             <a:endParaRPr lang="en-US"/>
           </a:p>
@@ -8839,7 +8842,7 @@
           <a:p>
             <a:fld id="{09040BB3-2D97-234A-AF6E-BADAEF17F905}" type="datetimeFigureOut">
               <a:rPr lang="en-US" smtClean="0"/>
-              <a:t>5/24/15</a:t>
+              <a:t>5/28/15</a:t>
             </a:fld>
             <a:endParaRPr lang="en-US"/>
           </a:p>
@@ -9212,7 +9215,7 @@
           <a:p>
             <a:fld id="{09040BB3-2D97-234A-AF6E-BADAEF17F905}" type="datetimeFigureOut">
               <a:rPr lang="en-US" smtClean="0"/>
-              <a:t>5/24/15</a:t>
+              <a:t>5/28/15</a:t>
             </a:fld>
             <a:endParaRPr lang="en-US"/>
           </a:p>
@@ -9611,7 +9614,7 @@
           <a:p>
             <a:fld id="{09040BB3-2D97-234A-AF6E-BADAEF17F905}" type="datetimeFigureOut">
               <a:rPr lang="en-US" smtClean="0"/>
-              <a:t>5/24/15</a:t>
+              <a:t>5/28/15</a:t>
             </a:fld>
             <a:endParaRPr lang="en-US"/>
           </a:p>
@@ -10031,7 +10034,7 @@
           <a:p>
             <a:fld id="{09040BB3-2D97-234A-AF6E-BADAEF17F905}" type="datetimeFigureOut">
               <a:rPr lang="en-US" smtClean="0"/>
-              <a:t>5/24/15</a:t>
+              <a:t>5/28/15</a:t>
             </a:fld>
             <a:endParaRPr lang="en-US"/>
           </a:p>
@@ -10414,7 +10417,7 @@
           <a:p>
             <a:fld id="{09040BB3-2D97-234A-AF6E-BADAEF17F905}" type="datetimeFigureOut">
               <a:rPr lang="en-US" smtClean="0"/>
-              <a:t>5/24/15</a:t>
+              <a:t>5/28/15</a:t>
             </a:fld>
             <a:endParaRPr lang="en-US"/>
           </a:p>
@@ -12332,28 +12335,7 @@
                 <a:latin typeface="Consolas" pitchFamily="49" charset="0"/>
                 <a:cs typeface="Consolas" pitchFamily="49" charset="0"/>
               </a:rPr>
-              <a:t>/</a:t>
-            </a:r>
-            <a:r>
-              <a:rPr lang="en-US" sz="2800" dirty="0" smtClean="0">
-                <a:latin typeface="Consolas" pitchFamily="49" charset="0"/>
-                <a:cs typeface="Consolas" pitchFamily="49" charset="0"/>
-              </a:rPr>
-              <a:t>${</a:t>
-            </a:r>
-            <a:r>
-              <a:rPr lang="en-US" sz="2800" dirty="0" smtClean="0">
-                <a:latin typeface="Consolas" pitchFamily="49" charset="0"/>
-                <a:cs typeface="Consolas" pitchFamily="49" charset="0"/>
-              </a:rPr>
-              <a:t>environ}</a:t>
-            </a:r>
-            <a:r>
-              <a:rPr lang="en-US" sz="2800" dirty="0" smtClean="0">
-                <a:latin typeface="Consolas" pitchFamily="49" charset="0"/>
-                <a:cs typeface="Consolas" pitchFamily="49" charset="0"/>
-              </a:rPr>
-              <a:t>.</a:t>
+              <a:t>/${environ}.</a:t>
             </a:r>
             <a:r>
               <a:rPr lang="en-US" sz="2800" dirty="0" err="1" smtClean="0">

--- a/decks/Typesafe Config on Steroids.pptx
+++ b/decks/Typesafe Config on Steroids.pptx
@@ -5,33 +5,34 @@
     <p:sldMasterId id="2147483781" r:id="rId1"/>
   </p:sldMasterIdLst>
   <p:notesMasterIdLst>
-    <p:notesMasterId r:id="rId23"/>
+    <p:notesMasterId r:id="rId24"/>
   </p:notesMasterIdLst>
   <p:handoutMasterIdLst>
-    <p:handoutMasterId r:id="rId24"/>
+    <p:handoutMasterId r:id="rId25"/>
   </p:handoutMasterIdLst>
   <p:sldIdLst>
     <p:sldId id="256" r:id="rId2"/>
     <p:sldId id="266" r:id="rId3"/>
     <p:sldId id="257" r:id="rId4"/>
     <p:sldId id="267" r:id="rId5"/>
-    <p:sldId id="258" r:id="rId6"/>
-    <p:sldId id="259" r:id="rId7"/>
-    <p:sldId id="269" r:id="rId8"/>
-    <p:sldId id="260" r:id="rId9"/>
-    <p:sldId id="271" r:id="rId10"/>
-    <p:sldId id="270" r:id="rId11"/>
-    <p:sldId id="272" r:id="rId12"/>
-    <p:sldId id="261" r:id="rId13"/>
-    <p:sldId id="262" r:id="rId14"/>
-    <p:sldId id="263" r:id="rId15"/>
-    <p:sldId id="275" r:id="rId16"/>
-    <p:sldId id="273" r:id="rId17"/>
-    <p:sldId id="276" r:id="rId18"/>
-    <p:sldId id="277" r:id="rId19"/>
-    <p:sldId id="265" r:id="rId20"/>
-    <p:sldId id="278" r:id="rId21"/>
-    <p:sldId id="268" r:id="rId22"/>
+    <p:sldId id="279" r:id="rId6"/>
+    <p:sldId id="258" r:id="rId7"/>
+    <p:sldId id="259" r:id="rId8"/>
+    <p:sldId id="269" r:id="rId9"/>
+    <p:sldId id="260" r:id="rId10"/>
+    <p:sldId id="271" r:id="rId11"/>
+    <p:sldId id="270" r:id="rId12"/>
+    <p:sldId id="272" r:id="rId13"/>
+    <p:sldId id="261" r:id="rId14"/>
+    <p:sldId id="262" r:id="rId15"/>
+    <p:sldId id="263" r:id="rId16"/>
+    <p:sldId id="275" r:id="rId17"/>
+    <p:sldId id="273" r:id="rId18"/>
+    <p:sldId id="276" r:id="rId19"/>
+    <p:sldId id="277" r:id="rId20"/>
+    <p:sldId id="265" r:id="rId21"/>
+    <p:sldId id="278" r:id="rId22"/>
+    <p:sldId id="268" r:id="rId23"/>
   </p:sldIdLst>
   <p:sldSz cx="9144000" cy="6858000" type="screen4x3"/>
   <p:notesSz cx="6858000" cy="9144000"/>
@@ -215,7 +216,7 @@
           <a:p>
             <a:fld id="{230D40DE-2A38-4345-85A0-DEF4D198A674}" type="datetimeFigureOut">
               <a:rPr lang="en-US" smtClean="0"/>
-              <a:t>5/28/15</a:t>
+              <a:t>6/14/15</a:t>
             </a:fld>
             <a:endParaRPr lang="en-US"/>
           </a:p>
@@ -380,7 +381,7 @@
           <a:p>
             <a:fld id="{33A80CE6-5865-7C41-B5E0-9667B26466E9}" type="datetimeFigureOut">
               <a:rPr lang="en-US" smtClean="0"/>
-              <a:t>5/28/15</a:t>
+              <a:t>6/14/15</a:t>
             </a:fld>
             <a:endParaRPr lang="en-US"/>
           </a:p>
@@ -776,26 +777,6 @@
           <a:bodyPr/>
           <a:lstStyle/>
           <a:p>
-            <a:r>
-              <a:rPr lang="en-US" dirty="0" smtClean="0"/>
-              <a:t>The triple-quote</a:t>
-            </a:r>
-            <a:r>
-              <a:rPr lang="en-US" baseline="0" dirty="0" smtClean="0"/>
-              <a:t>s is </a:t>
-            </a:r>
-            <a:r>
-              <a:rPr lang="en-US" baseline="0" dirty="0" err="1" smtClean="0"/>
-              <a:t>Scala</a:t>
-            </a:r>
-            <a:r>
-              <a:rPr lang="en-US" baseline="0" dirty="0" smtClean="0"/>
-              <a:t> syntax for multi-line string literal.  It is also supported in HOCON – great </a:t>
-            </a:r>
-            <a:r>
-              <a:rPr lang="en-US" baseline="0" smtClean="0"/>
-              <a:t>for queries.</a:t>
-            </a:r>
             <a:endParaRPr lang="en-US"/>
           </a:p>
         </p:txBody>
@@ -826,7 +807,7 @@
     </p:spTree>
     <p:extLst>
       <p:ext uri="{BB962C8B-B14F-4D97-AF65-F5344CB8AC3E}">
-        <p14:creationId xmlns:p14="http://schemas.microsoft.com/office/powerpoint/2010/main" val="1849622015"/>
+        <p14:creationId xmlns:p14="http://schemas.microsoft.com/office/powerpoint/2010/main" val="4234615012"/>
       </p:ext>
     </p:extLst>
   </p:cSld>
@@ -880,6 +861,26 @@
           <a:bodyPr/>
           <a:lstStyle/>
           <a:p>
+            <a:r>
+              <a:rPr lang="en-US" dirty="0" smtClean="0"/>
+              <a:t>The triple-quote</a:t>
+            </a:r>
+            <a:r>
+              <a:rPr lang="en-US" baseline="0" dirty="0" smtClean="0"/>
+              <a:t>s is </a:t>
+            </a:r>
+            <a:r>
+              <a:rPr lang="en-US" baseline="0" dirty="0" err="1" smtClean="0"/>
+              <a:t>Scala</a:t>
+            </a:r>
+            <a:r>
+              <a:rPr lang="en-US" baseline="0" dirty="0" smtClean="0"/>
+              <a:t> syntax for multi-line string literal.  It is also supported in HOCON – great </a:t>
+            </a:r>
+            <a:r>
+              <a:rPr lang="en-US" baseline="0" smtClean="0"/>
+              <a:t>for queries.</a:t>
+            </a:r>
             <a:endParaRPr lang="en-US"/>
           </a:p>
         </p:txBody>
@@ -910,7 +911,7 @@
     </p:spTree>
     <p:extLst>
       <p:ext uri="{BB962C8B-B14F-4D97-AF65-F5344CB8AC3E}">
-        <p14:creationId xmlns:p14="http://schemas.microsoft.com/office/powerpoint/2010/main" val="2297423170"/>
+        <p14:creationId xmlns:p14="http://schemas.microsoft.com/office/powerpoint/2010/main" val="1849622015"/>
       </p:ext>
     </p:extLst>
   </p:cSld>
@@ -964,50 +965,7 @@
           <a:bodyPr/>
           <a:lstStyle/>
           <a:p>
-            <a:r>
-              <a:rPr lang="en-US" dirty="0" smtClean="0"/>
-              <a:t>System properties is the</a:t>
-            </a:r>
-            <a:r>
-              <a:rPr lang="en-US" baseline="0" dirty="0" smtClean="0"/>
-              <a:t> main configuration, falling back to the user </a:t>
-            </a:r>
-            <a:r>
-              <a:rPr lang="en-US" baseline="0" dirty="0" err="1" smtClean="0"/>
-              <a:t>config</a:t>
-            </a:r>
-            <a:r>
-              <a:rPr lang="en-US" baseline="0" dirty="0" smtClean="0"/>
-              <a:t>, and finally the app </a:t>
-            </a:r>
-            <a:r>
-              <a:rPr lang="en-US" baseline="0" dirty="0" err="1" smtClean="0"/>
-              <a:t>config</a:t>
-            </a:r>
-            <a:endParaRPr lang="en-US" dirty="0" smtClean="0"/>
-          </a:p>
-          <a:p>
-            <a:r>
-              <a:rPr lang="en-US" dirty="0" smtClean="0"/>
-              <a:t>Base</a:t>
-            </a:r>
-            <a:r>
-              <a:rPr lang="en-US" baseline="0" dirty="0" smtClean="0"/>
-              <a:t> </a:t>
-            </a:r>
-            <a:r>
-              <a:rPr lang="en-US" baseline="0" dirty="0" err="1" smtClean="0"/>
-              <a:t>configs</a:t>
-            </a:r>
-            <a:r>
-              <a:rPr lang="en-US" baseline="0" dirty="0" smtClean="0"/>
-              <a:t> may contain substitutions that are resolved by other </a:t>
-            </a:r>
-            <a:r>
-              <a:rPr lang="en-US" baseline="0" dirty="0" err="1" smtClean="0"/>
-              <a:t>configs</a:t>
-            </a:r>
-            <a:endParaRPr lang="en-US" dirty="0"/>
+            <a:endParaRPr lang="en-US"/>
           </a:p>
         </p:txBody>
       </p:sp>
@@ -1037,7 +995,7 @@
     </p:spTree>
     <p:extLst>
       <p:ext uri="{BB962C8B-B14F-4D97-AF65-F5344CB8AC3E}">
-        <p14:creationId xmlns:p14="http://schemas.microsoft.com/office/powerpoint/2010/main" val="4182128195"/>
+        <p14:creationId xmlns:p14="http://schemas.microsoft.com/office/powerpoint/2010/main" val="2297423170"/>
       </p:ext>
     </p:extLst>
   </p:cSld>
@@ -1091,7 +1049,50 @@
           <a:bodyPr/>
           <a:lstStyle/>
           <a:p>
-            <a:endParaRPr lang="en-US"/>
+            <a:r>
+              <a:rPr lang="en-US" dirty="0" smtClean="0"/>
+              <a:t>System properties is the</a:t>
+            </a:r>
+            <a:r>
+              <a:rPr lang="en-US" baseline="0" dirty="0" smtClean="0"/>
+              <a:t> main configuration, falling back to the user </a:t>
+            </a:r>
+            <a:r>
+              <a:rPr lang="en-US" baseline="0" dirty="0" err="1" smtClean="0"/>
+              <a:t>config</a:t>
+            </a:r>
+            <a:r>
+              <a:rPr lang="en-US" baseline="0" dirty="0" smtClean="0"/>
+              <a:t>, and finally the app </a:t>
+            </a:r>
+            <a:r>
+              <a:rPr lang="en-US" baseline="0" dirty="0" err="1" smtClean="0"/>
+              <a:t>config</a:t>
+            </a:r>
+            <a:endParaRPr lang="en-US" dirty="0" smtClean="0"/>
+          </a:p>
+          <a:p>
+            <a:r>
+              <a:rPr lang="en-US" dirty="0" smtClean="0"/>
+              <a:t>Base</a:t>
+            </a:r>
+            <a:r>
+              <a:rPr lang="en-US" baseline="0" dirty="0" smtClean="0"/>
+              <a:t> </a:t>
+            </a:r>
+            <a:r>
+              <a:rPr lang="en-US" baseline="0" dirty="0" err="1" smtClean="0"/>
+              <a:t>configs</a:t>
+            </a:r>
+            <a:r>
+              <a:rPr lang="en-US" baseline="0" dirty="0" smtClean="0"/>
+              <a:t> may contain substitutions that are resolved by other </a:t>
+            </a:r>
+            <a:r>
+              <a:rPr lang="en-US" baseline="0" dirty="0" err="1" smtClean="0"/>
+              <a:t>configs</a:t>
+            </a:r>
+            <a:endParaRPr lang="en-US" dirty="0"/>
           </a:p>
         </p:txBody>
       </p:sp>
@@ -1121,7 +1122,7 @@
     </p:spTree>
     <p:extLst>
       <p:ext uri="{BB962C8B-B14F-4D97-AF65-F5344CB8AC3E}">
-        <p14:creationId xmlns:p14="http://schemas.microsoft.com/office/powerpoint/2010/main" val="3799595064"/>
+        <p14:creationId xmlns:p14="http://schemas.microsoft.com/office/powerpoint/2010/main" val="4182128195"/>
       </p:ext>
     </p:extLst>
   </p:cSld>
@@ -1175,39 +1176,7 @@
           <a:bodyPr/>
           <a:lstStyle/>
           <a:p>
-            <a:r>
-              <a:rPr lang="en-US" dirty="0" err="1" smtClean="0"/>
-              <a:t>Configs</a:t>
-            </a:r>
-            <a:r>
-              <a:rPr lang="en-US" dirty="0" smtClean="0"/>
-              <a:t> are merged</a:t>
-            </a:r>
-            <a:r>
-              <a:rPr lang="en-US" baseline="0" dirty="0" smtClean="0"/>
-              <a:t> from top to bottom</a:t>
-            </a:r>
-          </a:p>
-          <a:p>
-            <a:r>
-              <a:rPr lang="en-US" baseline="0" dirty="0" smtClean="0"/>
-              <a:t>Placeholders are substituted with system properties</a:t>
-            </a:r>
-          </a:p>
-          <a:p>
-            <a:r>
-              <a:rPr lang="en-US" baseline="0" dirty="0" smtClean="0"/>
-              <a:t>Resource locations are pluggable – here we see </a:t>
-            </a:r>
-            <a:r>
-              <a:rPr lang="en-US" baseline="0" dirty="0" err="1" smtClean="0"/>
-              <a:t>classpath</a:t>
-            </a:r>
-            <a:r>
-              <a:rPr lang="en-US" baseline="0" dirty="0" smtClean="0"/>
-              <a:t> and Zookeeper</a:t>
-            </a:r>
-            <a:endParaRPr lang="en-US" dirty="0"/>
+            <a:endParaRPr lang="en-US"/>
           </a:p>
         </p:txBody>
       </p:sp>
@@ -1237,7 +1206,7 @@
     </p:spTree>
     <p:extLst>
       <p:ext uri="{BB962C8B-B14F-4D97-AF65-F5344CB8AC3E}">
-        <p14:creationId xmlns:p14="http://schemas.microsoft.com/office/powerpoint/2010/main" val="2625454333"/>
+        <p14:creationId xmlns:p14="http://schemas.microsoft.com/office/powerpoint/2010/main" val="3799595064"/>
       </p:ext>
     </p:extLst>
   </p:cSld>
@@ -1291,7 +1260,39 @@
           <a:bodyPr/>
           <a:lstStyle/>
           <a:p>
-            <a:endParaRPr lang="en-US"/>
+            <a:r>
+              <a:rPr lang="en-US" dirty="0" err="1" smtClean="0"/>
+              <a:t>Configs</a:t>
+            </a:r>
+            <a:r>
+              <a:rPr lang="en-US" dirty="0" smtClean="0"/>
+              <a:t> are merged</a:t>
+            </a:r>
+            <a:r>
+              <a:rPr lang="en-US" baseline="0" dirty="0" smtClean="0"/>
+              <a:t> from top to bottom</a:t>
+            </a:r>
+          </a:p>
+          <a:p>
+            <a:r>
+              <a:rPr lang="en-US" baseline="0" dirty="0" smtClean="0"/>
+              <a:t>Placeholders are substituted with system properties</a:t>
+            </a:r>
+          </a:p>
+          <a:p>
+            <a:r>
+              <a:rPr lang="en-US" baseline="0" dirty="0" smtClean="0"/>
+              <a:t>Resource locations are pluggable – here we see </a:t>
+            </a:r>
+            <a:r>
+              <a:rPr lang="en-US" baseline="0" dirty="0" err="1" smtClean="0"/>
+              <a:t>classpath</a:t>
+            </a:r>
+            <a:r>
+              <a:rPr lang="en-US" baseline="0" dirty="0" smtClean="0"/>
+              <a:t> and Zookeeper</a:t>
+            </a:r>
+            <a:endParaRPr lang="en-US" dirty="0"/>
           </a:p>
         </p:txBody>
       </p:sp>
@@ -1321,7 +1322,7 @@
     </p:spTree>
     <p:extLst>
       <p:ext uri="{BB962C8B-B14F-4D97-AF65-F5344CB8AC3E}">
-        <p14:creationId xmlns:p14="http://schemas.microsoft.com/office/powerpoint/2010/main" val="1939965943"/>
+        <p14:creationId xmlns:p14="http://schemas.microsoft.com/office/powerpoint/2010/main" val="2625454333"/>
       </p:ext>
     </p:extLst>
   </p:cSld>
@@ -1375,15 +1376,7 @@
           <a:bodyPr/>
           <a:lstStyle/>
           <a:p>
-            <a:r>
-              <a:rPr lang="en-US" dirty="0" smtClean="0"/>
-              <a:t>There is a </a:t>
-            </a:r>
-            <a:r>
-              <a:rPr lang="en-US" dirty="0" err="1" smtClean="0"/>
-              <a:t>getStringListAsJava</a:t>
-            </a:r>
-            <a:endParaRPr lang="en-US" dirty="0"/>
+            <a:endParaRPr lang="en-US"/>
           </a:p>
         </p:txBody>
       </p:sp>
@@ -1413,7 +1406,7 @@
     </p:spTree>
     <p:extLst>
       <p:ext uri="{BB962C8B-B14F-4D97-AF65-F5344CB8AC3E}">
-        <p14:creationId xmlns:p14="http://schemas.microsoft.com/office/powerpoint/2010/main" val="2482324917"/>
+        <p14:creationId xmlns:p14="http://schemas.microsoft.com/office/powerpoint/2010/main" val="1939965943"/>
       </p:ext>
     </p:extLst>
   </p:cSld>
@@ -1469,7 +1462,11 @@
           <a:p>
             <a:r>
               <a:rPr lang="en-US" dirty="0" smtClean="0"/>
-              <a:t>Very handy to use options in some use cases</a:t>
+              <a:t>There is a </a:t>
+            </a:r>
+            <a:r>
+              <a:rPr lang="en-US" dirty="0" err="1" smtClean="0"/>
+              <a:t>getStringListAsJava</a:t>
             </a:r>
             <a:endParaRPr lang="en-US" dirty="0"/>
           </a:p>
@@ -1501,7 +1498,7 @@
     </p:spTree>
     <p:extLst>
       <p:ext uri="{BB962C8B-B14F-4D97-AF65-F5344CB8AC3E}">
-        <p14:creationId xmlns:p14="http://schemas.microsoft.com/office/powerpoint/2010/main" val="1049223515"/>
+        <p14:creationId xmlns:p14="http://schemas.microsoft.com/office/powerpoint/2010/main" val="2482324917"/>
       </p:ext>
     </p:extLst>
   </p:cSld>
@@ -1555,7 +1552,11 @@
           <a:bodyPr/>
           <a:lstStyle/>
           <a:p>
-            <a:endParaRPr lang="en-US"/>
+            <a:r>
+              <a:rPr lang="en-US" dirty="0" smtClean="0"/>
+              <a:t>Very handy to use options in some use cases</a:t>
+            </a:r>
+            <a:endParaRPr lang="en-US" dirty="0"/>
           </a:p>
         </p:txBody>
       </p:sp>
@@ -1585,7 +1586,7 @@
     </p:spTree>
     <p:extLst>
       <p:ext uri="{BB962C8B-B14F-4D97-AF65-F5344CB8AC3E}">
-        <p14:creationId xmlns:p14="http://schemas.microsoft.com/office/powerpoint/2010/main" val="287204932"/>
+        <p14:creationId xmlns:p14="http://schemas.microsoft.com/office/powerpoint/2010/main" val="1049223515"/>
       </p:ext>
     </p:extLst>
   </p:cSld>
@@ -1669,7 +1670,7 @@
     </p:spTree>
     <p:extLst>
       <p:ext uri="{BB962C8B-B14F-4D97-AF65-F5344CB8AC3E}">
-        <p14:creationId xmlns:p14="http://schemas.microsoft.com/office/powerpoint/2010/main" val="3250411954"/>
+        <p14:creationId xmlns:p14="http://schemas.microsoft.com/office/powerpoint/2010/main" val="287204932"/>
       </p:ext>
     </p:extLst>
   </p:cSld>
@@ -1837,7 +1838,7 @@
     </p:spTree>
     <p:extLst>
       <p:ext uri="{BB962C8B-B14F-4D97-AF65-F5344CB8AC3E}">
-        <p14:creationId xmlns:p14="http://schemas.microsoft.com/office/powerpoint/2010/main" val="742818444"/>
+        <p14:creationId xmlns:p14="http://schemas.microsoft.com/office/powerpoint/2010/main" val="3250411954"/>
       </p:ext>
     </p:extLst>
   </p:cSld>
@@ -1891,6 +1892,90 @@
           <a:bodyPr/>
           <a:lstStyle/>
           <a:p>
+            <a:endParaRPr lang="en-US"/>
+          </a:p>
+        </p:txBody>
+      </p:sp>
+      <p:sp>
+        <p:nvSpPr>
+          <p:cNvPr id="4" name="Slide Number Placeholder 3"/>
+          <p:cNvSpPr>
+            <a:spLocks noGrp="1"/>
+          </p:cNvSpPr>
+          <p:nvPr>
+            <p:ph type="sldNum" sz="quarter" idx="10"/>
+          </p:nvPr>
+        </p:nvSpPr>
+        <p:spPr/>
+        <p:txBody>
+          <a:bodyPr/>
+          <a:lstStyle/>
+          <a:p>
+            <a:fld id="{7A6515A9-837B-8745-AF52-29C1CEA3321C}" type="slidenum">
+              <a:rPr lang="en-US" smtClean="0"/>
+              <a:t>21</a:t>
+            </a:fld>
+            <a:endParaRPr lang="en-US"/>
+          </a:p>
+        </p:txBody>
+      </p:sp>
+    </p:spTree>
+    <p:extLst>
+      <p:ext uri="{BB962C8B-B14F-4D97-AF65-F5344CB8AC3E}">
+        <p14:creationId xmlns:p14="http://schemas.microsoft.com/office/powerpoint/2010/main" val="742818444"/>
+      </p:ext>
+    </p:extLst>
+  </p:cSld>
+  <p:clrMapOvr>
+    <a:masterClrMapping/>
+  </p:clrMapOvr>
+</p:notes>
+</file>
+
+<file path=ppt/notesSlides/notesSlide22.xml><?xml version="1.0" encoding="utf-8"?>
+<p:notes xmlns:a="http://schemas.openxmlformats.org/drawingml/2006/main" xmlns:r="http://schemas.openxmlformats.org/officeDocument/2006/relationships" xmlns:p="http://schemas.openxmlformats.org/presentationml/2006/main">
+  <p:cSld>
+    <p:spTree>
+      <p:nvGrpSpPr>
+        <p:cNvPr id="1" name=""/>
+        <p:cNvGrpSpPr/>
+        <p:nvPr/>
+      </p:nvGrpSpPr>
+      <p:grpSpPr>
+        <a:xfrm>
+          <a:off x="0" y="0"/>
+          <a:ext cx="0" cy="0"/>
+          <a:chOff x="0" y="0"/>
+          <a:chExt cx="0" cy="0"/>
+        </a:xfrm>
+      </p:grpSpPr>
+      <p:sp>
+        <p:nvSpPr>
+          <p:cNvPr id="2" name="Slide Image Placeholder 1"/>
+          <p:cNvSpPr>
+            <a:spLocks noGrp="1" noRot="1" noChangeAspect="1"/>
+          </p:cNvSpPr>
+          <p:nvPr>
+            <p:ph type="sldImg"/>
+          </p:nvPr>
+        </p:nvSpPr>
+        <p:spPr/>
+      </p:sp>
+      <p:sp>
+        <p:nvSpPr>
+          <p:cNvPr id="3" name="Notes Placeholder 2"/>
+          <p:cNvSpPr>
+            <a:spLocks noGrp="1"/>
+          </p:cNvSpPr>
+          <p:nvPr>
+            <p:ph type="body" idx="1"/>
+          </p:nvPr>
+        </p:nvSpPr>
+        <p:spPr/>
+        <p:txBody>
+          <a:bodyPr/>
+          <a:lstStyle/>
+          <a:p>
             <a:endParaRPr lang="en-US" dirty="0"/>
           </a:p>
         </p:txBody>
@@ -1912,7 +1997,7 @@
           <a:p>
             <a:fld id="{7A6515A9-837B-8745-AF52-29C1CEA3321C}" type="slidenum">
               <a:rPr lang="en-US" smtClean="0"/>
-              <a:t>21</a:t>
+              <a:t>22</a:t>
             </a:fld>
             <a:endParaRPr lang="en-US"/>
           </a:p>
@@ -2144,12 +2229,16 @@
           <a:lstStyle/>
           <a:p>
             <a:r>
+              <a:rPr lang="en-US" smtClean="0"/>
+              <a:t>Downside (?) </a:t>
+            </a:r>
+            <a:r>
               <a:rPr lang="en-US" dirty="0" smtClean="0"/>
-              <a:t>Immutability</a:t>
+              <a:t>– requires</a:t>
             </a:r>
             <a:r>
               <a:rPr lang="en-US" baseline="0" dirty="0" smtClean="0"/>
-              <a:t> is important when dealing with multiple configurations.  You want to work with configurations as values.</a:t>
+              <a:t> Spring</a:t>
             </a:r>
             <a:endParaRPr lang="en-US" dirty="0"/>
           </a:p>
@@ -2181,7 +2270,7 @@
     </p:spTree>
     <p:extLst>
       <p:ext uri="{BB962C8B-B14F-4D97-AF65-F5344CB8AC3E}">
-        <p14:creationId xmlns:p14="http://schemas.microsoft.com/office/powerpoint/2010/main" val="3354954298"/>
+        <p14:creationId xmlns:p14="http://schemas.microsoft.com/office/powerpoint/2010/main" val="2749547484"/>
       </p:ext>
     </p:extLst>
   </p:cSld>
@@ -2237,40 +2326,13 @@
           <a:p>
             <a:r>
               <a:rPr lang="en-US" dirty="0" smtClean="0"/>
-              <a:t>Comments</a:t>
+              <a:t>Immutability</a:t>
             </a:r>
             <a:r>
               <a:rPr lang="en-US" baseline="0" dirty="0" smtClean="0"/>
-              <a:t> are supported</a:t>
-            </a:r>
-            <a:endParaRPr lang="en-US" dirty="0" smtClean="0"/>
-          </a:p>
-          <a:p>
-            <a:r>
-              <a:rPr lang="en-US" dirty="0" smtClean="0"/>
-              <a:t>This is a configuration file</a:t>
-            </a:r>
-          </a:p>
-          <a:p>
-            <a:r>
-              <a:rPr lang="en-US" dirty="0" smtClean="0"/>
-              <a:t>Property</a:t>
-            </a:r>
-            <a:r>
-              <a:rPr lang="en-US" baseline="0" dirty="0" smtClean="0"/>
-              <a:t> referenced as </a:t>
-            </a:r>
-            <a:r>
-              <a:rPr lang="en-US" dirty="0" err="1" smtClean="0"/>
-              <a:t>database.username</a:t>
-            </a:r>
-            <a:endParaRPr lang="en-US" dirty="0" smtClean="0"/>
-          </a:p>
-          <a:p>
-            <a:r>
-              <a:rPr lang="en-US" baseline="0" dirty="0" smtClean="0"/>
-              <a:t>Lists of values</a:t>
-            </a:r>
+              <a:t> is important when dealing with multiple configurations.  You want to work with configurations as values.</a:t>
+            </a:r>
+            <a:endParaRPr lang="en-US" dirty="0"/>
           </a:p>
         </p:txBody>
       </p:sp>
@@ -2300,7 +2362,7 @@
     </p:spTree>
     <p:extLst>
       <p:ext uri="{BB962C8B-B14F-4D97-AF65-F5344CB8AC3E}">
-        <p14:creationId xmlns:p14="http://schemas.microsoft.com/office/powerpoint/2010/main" val="599497134"/>
+        <p14:creationId xmlns:p14="http://schemas.microsoft.com/office/powerpoint/2010/main" val="3354954298"/>
       </p:ext>
     </p:extLst>
   </p:cSld>
@@ -2354,7 +2416,42 @@
           <a:bodyPr/>
           <a:lstStyle/>
           <a:p>
-            <a:endParaRPr lang="en-US"/>
+            <a:r>
+              <a:rPr lang="en-US" dirty="0" smtClean="0"/>
+              <a:t>Comments</a:t>
+            </a:r>
+            <a:r>
+              <a:rPr lang="en-US" baseline="0" dirty="0" smtClean="0"/>
+              <a:t> are supported</a:t>
+            </a:r>
+            <a:endParaRPr lang="en-US" dirty="0" smtClean="0"/>
+          </a:p>
+          <a:p>
+            <a:r>
+              <a:rPr lang="en-US" dirty="0" smtClean="0"/>
+              <a:t>This is a configuration file</a:t>
+            </a:r>
+          </a:p>
+          <a:p>
+            <a:r>
+              <a:rPr lang="en-US" dirty="0" smtClean="0"/>
+              <a:t>Property</a:t>
+            </a:r>
+            <a:r>
+              <a:rPr lang="en-US" baseline="0" dirty="0" smtClean="0"/>
+              <a:t> referenced as </a:t>
+            </a:r>
+            <a:r>
+              <a:rPr lang="en-US" dirty="0" err="1" smtClean="0"/>
+              <a:t>database.username</a:t>
+            </a:r>
+            <a:endParaRPr lang="en-US" dirty="0" smtClean="0"/>
+          </a:p>
+          <a:p>
+            <a:r>
+              <a:rPr lang="en-US" baseline="0" dirty="0" smtClean="0"/>
+              <a:t>Lists of values</a:t>
+            </a:r>
           </a:p>
         </p:txBody>
       </p:sp>
@@ -2384,7 +2481,7 @@
     </p:spTree>
     <p:extLst>
       <p:ext uri="{BB962C8B-B14F-4D97-AF65-F5344CB8AC3E}">
-        <p14:creationId xmlns:p14="http://schemas.microsoft.com/office/powerpoint/2010/main" val="37455753"/>
+        <p14:creationId xmlns:p14="http://schemas.microsoft.com/office/powerpoint/2010/main" val="599497134"/>
       </p:ext>
     </p:extLst>
   </p:cSld>
@@ -2468,7 +2565,7 @@
     </p:spTree>
     <p:extLst>
       <p:ext uri="{BB962C8B-B14F-4D97-AF65-F5344CB8AC3E}">
-        <p14:creationId xmlns:p14="http://schemas.microsoft.com/office/powerpoint/2010/main" val="1060342881"/>
+        <p14:creationId xmlns:p14="http://schemas.microsoft.com/office/powerpoint/2010/main" val="37455753"/>
       </p:ext>
     </p:extLst>
   </p:cSld>
@@ -2552,7 +2649,7 @@
     </p:spTree>
     <p:extLst>
       <p:ext uri="{BB962C8B-B14F-4D97-AF65-F5344CB8AC3E}">
-        <p14:creationId xmlns:p14="http://schemas.microsoft.com/office/powerpoint/2010/main" val="4234615012"/>
+        <p14:creationId xmlns:p14="http://schemas.microsoft.com/office/powerpoint/2010/main" val="1060342881"/>
       </p:ext>
     </p:extLst>
   </p:cSld>
@@ -2763,7 +2860,7 @@
           <a:p>
             <a:fld id="{09040BB3-2D97-234A-AF6E-BADAEF17F905}" type="datetimeFigureOut">
               <a:rPr lang="en-US" smtClean="0"/>
-              <a:t>5/28/15</a:t>
+              <a:t>6/14/15</a:t>
             </a:fld>
             <a:endParaRPr lang="en-US"/>
           </a:p>
@@ -3217,7 +3314,7 @@
           <a:p>
             <a:fld id="{09040BB3-2D97-234A-AF6E-BADAEF17F905}" type="datetimeFigureOut">
               <a:rPr lang="en-US" smtClean="0"/>
-              <a:t>5/28/15</a:t>
+              <a:t>6/14/15</a:t>
             </a:fld>
             <a:endParaRPr lang="en-US"/>
           </a:p>
@@ -3760,7 +3857,7 @@
           <a:p>
             <a:fld id="{09040BB3-2D97-234A-AF6E-BADAEF17F905}" type="datetimeFigureOut">
               <a:rPr lang="en-US" smtClean="0"/>
-              <a:t>5/28/15</a:t>
+              <a:t>6/14/15</a:t>
             </a:fld>
             <a:endParaRPr lang="en-US"/>
           </a:p>
@@ -3896,7 +3993,7 @@
           <a:p>
             <a:fld id="{09040BB3-2D97-234A-AF6E-BADAEF17F905}" type="datetimeFigureOut">
               <a:rPr lang="en-US" smtClean="0"/>
-              <a:t>5/28/15</a:t>
+              <a:t>6/14/15</a:t>
             </a:fld>
             <a:endParaRPr lang="en-US"/>
           </a:p>
@@ -4234,7 +4331,7 @@
           <a:p>
             <a:fld id="{09040BB3-2D97-234A-AF6E-BADAEF17F905}" type="datetimeFigureOut">
               <a:rPr lang="en-US" smtClean="0"/>
-              <a:t>5/28/15</a:t>
+              <a:t>6/14/15</a:t>
             </a:fld>
             <a:endParaRPr lang="en-US"/>
           </a:p>
@@ -4560,7 +4657,7 @@
           <a:p>
             <a:fld id="{09040BB3-2D97-234A-AF6E-BADAEF17F905}" type="datetimeFigureOut">
               <a:rPr lang="en-US" smtClean="0"/>
-              <a:t>5/28/15</a:t>
+              <a:t>6/14/15</a:t>
             </a:fld>
             <a:endParaRPr lang="en-US"/>
           </a:p>
@@ -4858,7 +4955,7 @@
           <a:p>
             <a:fld id="{09040BB3-2D97-234A-AF6E-BADAEF17F905}" type="datetimeFigureOut">
               <a:rPr lang="en-US" smtClean="0"/>
-              <a:t>5/28/15</a:t>
+              <a:t>6/14/15</a:t>
             </a:fld>
             <a:endParaRPr lang="en-US"/>
           </a:p>
@@ -5245,7 +5342,7 @@
           <a:p>
             <a:fld id="{09040BB3-2D97-234A-AF6E-BADAEF17F905}" type="datetimeFigureOut">
               <a:rPr lang="en-US" smtClean="0"/>
-              <a:t>5/28/15</a:t>
+              <a:t>6/14/15</a:t>
             </a:fld>
             <a:endParaRPr lang="en-US"/>
           </a:p>
@@ -5665,7 +5762,7 @@
           <a:p>
             <a:fld id="{09040BB3-2D97-234A-AF6E-BADAEF17F905}" type="datetimeFigureOut">
               <a:rPr lang="en-US" smtClean="0"/>
-              <a:t>5/28/15</a:t>
+              <a:t>6/14/15</a:t>
             </a:fld>
             <a:endParaRPr lang="en-US"/>
           </a:p>
@@ -6213,7 +6310,7 @@
           <a:p>
             <a:fld id="{09040BB3-2D97-234A-AF6E-BADAEF17F905}" type="datetimeFigureOut">
               <a:rPr lang="en-US" smtClean="0"/>
-              <a:t>5/28/15</a:t>
+              <a:t>6/14/15</a:t>
             </a:fld>
             <a:endParaRPr lang="en-US"/>
           </a:p>
@@ -6571,7 +6668,7 @@
           <a:p>
             <a:fld id="{09040BB3-2D97-234A-AF6E-BADAEF17F905}" type="datetimeFigureOut">
               <a:rPr lang="en-US" smtClean="0"/>
-              <a:t>5/28/15</a:t>
+              <a:t>6/14/15</a:t>
             </a:fld>
             <a:endParaRPr lang="en-US"/>
           </a:p>
@@ -6786,7 +6883,7 @@
           <a:p>
             <a:fld id="{09040BB3-2D97-234A-AF6E-BADAEF17F905}" type="datetimeFigureOut">
               <a:rPr lang="en-US" smtClean="0"/>
-              <a:t>5/28/15</a:t>
+              <a:t>6/14/15</a:t>
             </a:fld>
             <a:endParaRPr lang="en-US"/>
           </a:p>
@@ -7093,7 +7190,7 @@
           <a:p>
             <a:fld id="{09040BB3-2D97-234A-AF6E-BADAEF17F905}" type="datetimeFigureOut">
               <a:rPr lang="en-US" smtClean="0"/>
-              <a:t>5/28/15</a:t>
+              <a:t>6/14/15</a:t>
             </a:fld>
             <a:endParaRPr lang="en-US"/>
           </a:p>
@@ -7349,7 +7446,7 @@
           <a:p>
             <a:fld id="{09040BB3-2D97-234A-AF6E-BADAEF17F905}" type="datetimeFigureOut">
               <a:rPr lang="en-US" smtClean="0"/>
-              <a:t>5/28/15</a:t>
+              <a:t>6/14/15</a:t>
             </a:fld>
             <a:endParaRPr lang="en-US"/>
           </a:p>
@@ -7738,7 +7835,7 @@
           <a:p>
             <a:fld id="{09040BB3-2D97-234A-AF6E-BADAEF17F905}" type="datetimeFigureOut">
               <a:rPr lang="en-US" smtClean="0"/>
-              <a:t>5/28/15</a:t>
+              <a:t>6/14/15</a:t>
             </a:fld>
             <a:endParaRPr lang="en-US"/>
           </a:p>
@@ -8327,7 +8424,7 @@
           <a:p>
             <a:fld id="{09040BB3-2D97-234A-AF6E-BADAEF17F905}" type="datetimeFigureOut">
               <a:rPr lang="en-US" smtClean="0"/>
-              <a:t>5/28/15</a:t>
+              <a:t>6/14/15</a:t>
             </a:fld>
             <a:endParaRPr lang="en-US"/>
           </a:p>
@@ -8842,7 +8939,7 @@
           <a:p>
             <a:fld id="{09040BB3-2D97-234A-AF6E-BADAEF17F905}" type="datetimeFigureOut">
               <a:rPr lang="en-US" smtClean="0"/>
-              <a:t>5/28/15</a:t>
+              <a:t>6/14/15</a:t>
             </a:fld>
             <a:endParaRPr lang="en-US"/>
           </a:p>
@@ -9215,7 +9312,7 @@
           <a:p>
             <a:fld id="{09040BB3-2D97-234A-AF6E-BADAEF17F905}" type="datetimeFigureOut">
               <a:rPr lang="en-US" smtClean="0"/>
-              <a:t>5/28/15</a:t>
+              <a:t>6/14/15</a:t>
             </a:fld>
             <a:endParaRPr lang="en-US"/>
           </a:p>
@@ -9614,7 +9711,7 @@
           <a:p>
             <a:fld id="{09040BB3-2D97-234A-AF6E-BADAEF17F905}" type="datetimeFigureOut">
               <a:rPr lang="en-US" smtClean="0"/>
-              <a:t>5/28/15</a:t>
+              <a:t>6/14/15</a:t>
             </a:fld>
             <a:endParaRPr lang="en-US"/>
           </a:p>
@@ -10034,7 +10131,7 @@
           <a:p>
             <a:fld id="{09040BB3-2D97-234A-AF6E-BADAEF17F905}" type="datetimeFigureOut">
               <a:rPr lang="en-US" smtClean="0"/>
-              <a:t>5/28/15</a:t>
+              <a:t>6/14/15</a:t>
             </a:fld>
             <a:endParaRPr lang="en-US"/>
           </a:p>
@@ -10417,7 +10514,7 @@
           <a:p>
             <a:fld id="{09040BB3-2D97-234A-AF6E-BADAEF17F905}" type="datetimeFigureOut">
               <a:rPr lang="en-US" smtClean="0"/>
-              <a:t>5/28/15</a:t>
+              <a:t>6/14/15</a:t>
             </a:fld>
             <a:endParaRPr lang="en-US"/>
           </a:p>
@@ -10986,15 +11083,7 @@
           <a:p>
             <a:r>
               <a:rPr lang="en-US" dirty="0" smtClean="0"/>
-              <a:t>Create </a:t>
-            </a:r>
-            <a:r>
-              <a:rPr lang="en-US" dirty="0" err="1" smtClean="0"/>
-              <a:t>Configs</a:t>
-            </a:r>
-            <a:r>
-              <a:rPr lang="en-US" dirty="0" smtClean="0"/>
-              <a:t> at Runtime</a:t>
+              <a:t>API Examples</a:t>
             </a:r>
             <a:endParaRPr lang="en-US" dirty="0"/>
           </a:p>
@@ -11002,14 +11091,14 @@
       </p:sp>
       <p:sp>
         <p:nvSpPr>
-          <p:cNvPr id="4" name="TextBox 3"/>
+          <p:cNvPr id="6" name="TextBox 5"/>
           <p:cNvSpPr txBox="1"/>
           <p:nvPr/>
         </p:nvSpPr>
         <p:spPr>
           <a:xfrm>
-            <a:off x="344603" y="1214184"/>
-            <a:ext cx="8033920" cy="5262980"/>
+            <a:off x="498474" y="1272757"/>
+            <a:ext cx="8145298" cy="4832093"/>
           </a:xfrm>
           <a:prstGeom prst="rect">
             <a:avLst/>
@@ -11023,295 +11112,264 @@
           <a:lstStyle/>
           <a:p>
             <a:r>
-              <a:rPr lang="fi-FI" sz="2800" dirty="0">
-                <a:latin typeface="Consolas"/>
-                <a:cs typeface="Consolas"/>
-              </a:rPr>
-              <a:t> </a:t>
-            </a:r>
-            <a:r>
-              <a:rPr lang="fi-FI" sz="2800" dirty="0" err="1" smtClean="0">
-                <a:latin typeface="Consolas"/>
-                <a:cs typeface="Consolas"/>
-              </a:rPr>
-              <a:t>val</a:t>
-            </a:r>
-            <a:r>
-              <a:rPr lang="fi-FI" sz="2800" dirty="0" smtClean="0">
-                <a:latin typeface="Consolas"/>
-                <a:cs typeface="Consolas"/>
-              </a:rPr>
-              <a:t> </a:t>
-            </a:r>
-            <a:r>
-              <a:rPr lang="fi-FI" sz="2800" dirty="0" err="1" smtClean="0">
-                <a:latin typeface="Consolas"/>
-                <a:cs typeface="Consolas"/>
-              </a:rPr>
-              <a:t>config</a:t>
-            </a:r>
-            <a:r>
-              <a:rPr lang="fi-FI" sz="2800" dirty="0" smtClean="0">
-                <a:latin typeface="Consolas"/>
-                <a:cs typeface="Consolas"/>
-              </a:rPr>
-              <a:t> = </a:t>
-            </a:r>
-          </a:p>
-          <a:p>
-            <a:r>
-              <a:rPr lang="fi-FI" sz="2800" dirty="0">
-                <a:latin typeface="Consolas"/>
-                <a:cs typeface="Consolas"/>
-              </a:rPr>
-              <a:t>  </a:t>
-            </a:r>
-            <a:r>
-              <a:rPr lang="fi-FI" sz="2800" dirty="0" smtClean="0">
-                <a:latin typeface="Consolas"/>
-                <a:cs typeface="Consolas"/>
-              </a:rPr>
-              <a:t> </a:t>
-            </a:r>
-            <a:r>
-              <a:rPr lang="fi-FI" sz="2800" dirty="0" err="1" smtClean="0">
-                <a:latin typeface="Consolas"/>
-                <a:cs typeface="Consolas"/>
-              </a:rPr>
-              <a:t>ConfigFactory.parseString</a:t>
-            </a:r>
-            <a:r>
-              <a:rPr lang="fi-FI" sz="2800" dirty="0" smtClean="0">
-                <a:latin typeface="Consolas"/>
-                <a:cs typeface="Consolas"/>
-              </a:rPr>
-              <a:t>(</a:t>
-            </a:r>
-            <a:endParaRPr lang="fi-FI" sz="2800" dirty="0">
+              <a:rPr lang="en-US" sz="2800" dirty="0">
+                <a:latin typeface="Consolas"/>
+                <a:cs typeface="Consolas"/>
+              </a:rPr>
+              <a:t># </a:t>
+            </a:r>
+            <a:r>
+              <a:rPr lang="en-US" sz="2800" dirty="0" smtClean="0">
+                <a:latin typeface="Consolas"/>
+                <a:cs typeface="Consolas"/>
+              </a:rPr>
+              <a:t>Values are </a:t>
+            </a:r>
+            <a:r>
+              <a:rPr lang="en-US" sz="2800" dirty="0">
+                <a:latin typeface="Consolas"/>
+                <a:cs typeface="Consolas"/>
+              </a:rPr>
+              <a:t>like </a:t>
+            </a:r>
+            <a:r>
+              <a:rPr lang="en-US" sz="2800" dirty="0" smtClean="0">
+                <a:latin typeface="Consolas"/>
+                <a:cs typeface="Consolas"/>
+              </a:rPr>
+              <a:t>"15s", "5 minutes"</a:t>
+            </a:r>
+            <a:endParaRPr lang="en-US" sz="2800" dirty="0">
               <a:latin typeface="Consolas"/>
               <a:cs typeface="Consolas"/>
             </a:endParaRPr>
           </a:p>
           <a:p>
             <a:r>
-              <a:rPr lang="fi-FI" sz="2800" dirty="0">
-                <a:latin typeface="Consolas"/>
-                <a:cs typeface="Consolas"/>
-              </a:rPr>
-              <a:t>      </a:t>
-            </a:r>
-            <a:r>
-              <a:rPr lang="fi-FI" sz="2800" dirty="0" smtClean="0">
-                <a:latin typeface="Consolas"/>
-                <a:cs typeface="Consolas"/>
-              </a:rPr>
-              <a:t>s"""</a:t>
-            </a:r>
-            <a:endParaRPr lang="fi-FI" sz="2800" dirty="0">
+              <a:rPr lang="en-US" sz="2800" dirty="0">
+                <a:latin typeface="Consolas"/>
+                <a:cs typeface="Consolas"/>
+              </a:rPr>
+              <a:t>Duration timeout = </a:t>
+            </a:r>
+          </a:p>
+          <a:p>
+            <a:r>
+              <a:rPr lang="en-US" sz="2800" dirty="0" smtClean="0">
+                <a:latin typeface="Consolas"/>
+                <a:cs typeface="Consolas"/>
+              </a:rPr>
+              <a:t>  </a:t>
+            </a:r>
+            <a:r>
+              <a:rPr lang="en-US" sz="2800" dirty="0" err="1" smtClean="0">
+                <a:latin typeface="Consolas"/>
+                <a:cs typeface="Consolas"/>
+              </a:rPr>
+              <a:t>config.getDuration</a:t>
+            </a:r>
+            <a:r>
+              <a:rPr lang="en-US" sz="2800" dirty="0" smtClean="0">
+                <a:latin typeface="Consolas"/>
+                <a:cs typeface="Consolas"/>
+              </a:rPr>
+              <a:t>("</a:t>
+            </a:r>
+            <a:r>
+              <a:rPr lang="en-US" sz="2800" dirty="0" err="1" smtClean="0">
+                <a:latin typeface="Consolas"/>
+                <a:cs typeface="Consolas"/>
+              </a:rPr>
+              <a:t>database.timeout</a:t>
+            </a:r>
+            <a:r>
+              <a:rPr lang="en-US" sz="2800" dirty="0" smtClean="0">
+                <a:latin typeface="Consolas"/>
+                <a:cs typeface="Consolas"/>
+              </a:rPr>
+              <a:t>")</a:t>
+            </a:r>
+            <a:endParaRPr lang="en-US" sz="2800" dirty="0">
               <a:latin typeface="Consolas"/>
               <a:cs typeface="Consolas"/>
             </a:endParaRPr>
           </a:p>
           <a:p>
-            <a:r>
-              <a:rPr lang="fi-FI" sz="2800" dirty="0" smtClean="0">
-                <a:latin typeface="Consolas"/>
-                <a:cs typeface="Consolas"/>
-              </a:rPr>
-              <a:t>        |akka {</a:t>
-            </a:r>
-          </a:p>
-          <a:p>
-            <a:r>
-              <a:rPr lang="fi-FI" sz="2800" dirty="0" smtClean="0">
-                <a:latin typeface="Consolas"/>
-                <a:cs typeface="Consolas"/>
-              </a:rPr>
-              <a:t>        |  </a:t>
-            </a:r>
-            <a:r>
-              <a:rPr lang="fi-FI" sz="2800" dirty="0" err="1" smtClean="0">
-                <a:latin typeface="Consolas"/>
-                <a:cs typeface="Consolas"/>
-              </a:rPr>
-              <a:t>remote</a:t>
-            </a:r>
-            <a:r>
-              <a:rPr lang="fi-FI" sz="2800" dirty="0" smtClean="0">
-                <a:latin typeface="Consolas"/>
-                <a:cs typeface="Consolas"/>
-              </a:rPr>
-              <a:t> {</a:t>
-            </a:r>
-          </a:p>
-          <a:p>
-            <a:r>
-              <a:rPr lang="fi-FI" sz="2800" dirty="0" smtClean="0">
-                <a:latin typeface="Consolas"/>
-                <a:cs typeface="Consolas"/>
-              </a:rPr>
-              <a:t>        |    </a:t>
-            </a:r>
-            <a:r>
-              <a:rPr lang="fi-FI" sz="2800" dirty="0" err="1">
-                <a:latin typeface="Consolas"/>
-                <a:cs typeface="Consolas"/>
-              </a:rPr>
-              <a:t>netty.tcp</a:t>
-            </a:r>
-            <a:r>
-              <a:rPr lang="fi-FI" sz="2800" dirty="0">
-                <a:latin typeface="Consolas"/>
-                <a:cs typeface="Consolas"/>
-              </a:rPr>
-              <a:t> {</a:t>
-            </a:r>
-          </a:p>
-          <a:p>
-            <a:r>
-              <a:rPr lang="fi-FI" sz="2800" dirty="0">
-                <a:latin typeface="Consolas"/>
-                <a:cs typeface="Consolas"/>
-              </a:rPr>
-              <a:t>        |      </a:t>
-            </a:r>
-            <a:r>
-              <a:rPr lang="fi-FI" sz="2800" dirty="0" err="1">
-                <a:latin typeface="Consolas"/>
-                <a:cs typeface="Consolas"/>
-              </a:rPr>
-              <a:t>hostname</a:t>
-            </a:r>
-            <a:r>
-              <a:rPr lang="fi-FI" sz="2800" dirty="0">
-                <a:latin typeface="Consolas"/>
-                <a:cs typeface="Consolas"/>
-              </a:rPr>
-              <a:t> = </a:t>
-            </a:r>
-            <a:r>
-              <a:rPr lang="fi-FI" sz="2800" dirty="0" smtClean="0">
-                <a:latin typeface="Consolas"/>
-                <a:cs typeface="Consolas"/>
-              </a:rPr>
-              <a:t>"$</a:t>
-            </a:r>
-            <a:r>
-              <a:rPr lang="fi-FI" sz="2800" dirty="0" err="1" smtClean="0">
-                <a:latin typeface="Consolas"/>
-                <a:cs typeface="Consolas"/>
-              </a:rPr>
-              <a:t>hostname</a:t>
-            </a:r>
-            <a:r>
-              <a:rPr lang="fi-FI" sz="2800" dirty="0" smtClean="0">
-                <a:latin typeface="Consolas"/>
-                <a:cs typeface="Consolas"/>
-              </a:rPr>
-              <a:t>"</a:t>
-            </a:r>
-            <a:endParaRPr lang="fi-FI" sz="2800" dirty="0">
+            <a:endParaRPr lang="en-US" sz="2800" dirty="0">
               <a:latin typeface="Consolas"/>
               <a:cs typeface="Consolas"/>
             </a:endParaRPr>
           </a:p>
           <a:p>
             <a:r>
-              <a:rPr lang="fi-FI" sz="2800" dirty="0">
-                <a:latin typeface="Consolas"/>
-                <a:cs typeface="Consolas"/>
-              </a:rPr>
-              <a:t>        |      </a:t>
-            </a:r>
-            <a:r>
-              <a:rPr lang="fi-FI" sz="2800" dirty="0" err="1">
-                <a:latin typeface="Consolas"/>
-                <a:cs typeface="Consolas"/>
-              </a:rPr>
-              <a:t>port</a:t>
-            </a:r>
-            <a:r>
-              <a:rPr lang="fi-FI" sz="2800" dirty="0">
-                <a:latin typeface="Consolas"/>
-                <a:cs typeface="Consolas"/>
-              </a:rPr>
-              <a:t> = $</a:t>
-            </a:r>
-            <a:r>
-              <a:rPr lang="fi-FI" sz="2800" dirty="0" err="1">
-                <a:latin typeface="Consolas"/>
-                <a:cs typeface="Consolas"/>
-              </a:rPr>
-              <a:t>port</a:t>
-            </a:r>
-            <a:endParaRPr lang="fi-FI" sz="2800" dirty="0">
+              <a:rPr lang="en-US" sz="2800" dirty="0">
+                <a:latin typeface="Consolas"/>
+                <a:cs typeface="Consolas"/>
+              </a:rPr>
+              <a:t># </a:t>
+            </a:r>
+            <a:r>
+              <a:rPr lang="en-US" sz="2800" dirty="0" smtClean="0">
+                <a:latin typeface="Consolas"/>
+                <a:cs typeface="Consolas"/>
+              </a:rPr>
+              <a:t>Values are </a:t>
+            </a:r>
+            <a:r>
+              <a:rPr lang="en-US" sz="2800" dirty="0">
+                <a:latin typeface="Consolas"/>
+                <a:cs typeface="Consolas"/>
+              </a:rPr>
+              <a:t>like </a:t>
+            </a:r>
+            <a:r>
+              <a:rPr lang="en-US" sz="2800" dirty="0" smtClean="0">
+                <a:latin typeface="Consolas"/>
+                <a:cs typeface="Consolas"/>
+              </a:rPr>
+              <a:t>"100m", "2 gigs"</a:t>
+            </a:r>
+            <a:endParaRPr lang="en-US" sz="2800" dirty="0">
               <a:latin typeface="Consolas"/>
               <a:cs typeface="Consolas"/>
             </a:endParaRPr>
           </a:p>
           <a:p>
             <a:r>
-              <a:rPr lang="fi-FI" sz="2800" dirty="0">
-                <a:latin typeface="Consolas"/>
-                <a:cs typeface="Consolas"/>
-              </a:rPr>
-              <a:t>        |    }</a:t>
-            </a:r>
-          </a:p>
-          <a:p>
-            <a:r>
-              <a:rPr lang="fi-FI" sz="2800" dirty="0">
-                <a:latin typeface="Consolas"/>
-                <a:cs typeface="Consolas"/>
-              </a:rPr>
-              <a:t>        |  }</a:t>
-            </a:r>
-          </a:p>
-          <a:p>
-            <a:r>
-              <a:rPr lang="fi-FI" sz="2800" dirty="0">
-                <a:latin typeface="Consolas"/>
-                <a:cs typeface="Consolas"/>
-              </a:rPr>
-              <a:t>        |}</a:t>
-            </a:r>
-          </a:p>
-          <a:p>
-            <a:r>
-              <a:rPr lang="fi-FI" sz="2800" dirty="0">
-                <a:latin typeface="Consolas"/>
-                <a:cs typeface="Consolas"/>
-              </a:rPr>
-              <a:t>      </a:t>
-            </a:r>
-            <a:r>
-              <a:rPr lang="fi-FI" sz="2800" dirty="0" smtClean="0">
-                <a:latin typeface="Consolas"/>
-                <a:cs typeface="Consolas"/>
-              </a:rPr>
-              <a:t>""".</a:t>
-            </a:r>
-            <a:r>
-              <a:rPr lang="fi-FI" sz="2800" dirty="0" err="1" smtClean="0">
-                <a:latin typeface="Consolas"/>
-                <a:cs typeface="Consolas"/>
-              </a:rPr>
-              <a:t>stripMargin</a:t>
-            </a:r>
-            <a:r>
-              <a:rPr lang="fi-FI" sz="2800" dirty="0" smtClean="0">
-                <a:latin typeface="Consolas"/>
-                <a:cs typeface="Consolas"/>
-              </a:rPr>
-              <a:t>)</a:t>
-            </a:r>
+              <a:rPr lang="en-US" sz="2800" dirty="0">
+                <a:latin typeface="Consolas"/>
+                <a:cs typeface="Consolas"/>
+              </a:rPr>
+              <a:t>long size = </a:t>
+            </a:r>
+            <a:endParaRPr lang="en-US" sz="2800" dirty="0" smtClean="0">
+              <a:latin typeface="Consolas"/>
+              <a:cs typeface="Consolas"/>
+            </a:endParaRPr>
+          </a:p>
+          <a:p>
+            <a:r>
+              <a:rPr lang="en-US" sz="2800" dirty="0">
+                <a:latin typeface="Consolas"/>
+                <a:cs typeface="Consolas"/>
+              </a:rPr>
+              <a:t> </a:t>
+            </a:r>
+            <a:r>
+              <a:rPr lang="en-US" sz="2800" dirty="0" smtClean="0">
+                <a:latin typeface="Consolas"/>
+                <a:cs typeface="Consolas"/>
+              </a:rPr>
+              <a:t> </a:t>
+            </a:r>
+            <a:r>
+              <a:rPr lang="en-US" sz="2800" dirty="0" err="1" smtClean="0">
+                <a:latin typeface="Consolas"/>
+                <a:cs typeface="Consolas"/>
+              </a:rPr>
+              <a:t>config.getBytes</a:t>
+            </a:r>
+            <a:r>
+              <a:rPr lang="en-US" sz="2800" dirty="0" smtClean="0">
+                <a:latin typeface="Consolas"/>
+                <a:cs typeface="Consolas"/>
+              </a:rPr>
+              <a:t>("</a:t>
+            </a:r>
+            <a:r>
+              <a:rPr lang="en-US" sz="2800" dirty="0" err="1" smtClean="0">
+                <a:latin typeface="Consolas"/>
+                <a:cs typeface="Consolas"/>
+              </a:rPr>
+              <a:t>cache.size</a:t>
+            </a:r>
+            <a:r>
+              <a:rPr lang="en-US" sz="2800" dirty="0" smtClean="0">
+                <a:latin typeface="Consolas"/>
+                <a:cs typeface="Consolas"/>
+              </a:rPr>
+              <a:t>")</a:t>
+            </a:r>
+            <a:endParaRPr lang="en-US" sz="2800" dirty="0"/>
+          </a:p>
+          <a:p>
+            <a:endParaRPr lang="en-US" sz="2800" dirty="0" smtClean="0">
+              <a:latin typeface="Consolas"/>
+              <a:cs typeface="Consolas"/>
+            </a:endParaRPr>
+          </a:p>
+          <a:p>
+            <a:r>
+              <a:rPr lang="en-US" sz="2800" dirty="0" smtClean="0">
+                <a:latin typeface="Consolas"/>
+                <a:cs typeface="Consolas"/>
+              </a:rPr>
+              <a:t># A list of values</a:t>
+            </a:r>
+          </a:p>
+          <a:p>
+            <a:r>
+              <a:rPr lang="en-US" sz="2800" dirty="0" smtClean="0">
+                <a:latin typeface="Consolas"/>
+                <a:cs typeface="Consolas"/>
+              </a:rPr>
+              <a:t>List&lt;String&gt; brokers =  </a:t>
+            </a:r>
+          </a:p>
+          <a:p>
+            <a:r>
+              <a:rPr lang="en-US" sz="2800" dirty="0">
+                <a:latin typeface="Consolas"/>
+                <a:cs typeface="Consolas"/>
+              </a:rPr>
+              <a:t> </a:t>
+            </a:r>
+            <a:r>
+              <a:rPr lang="en-US" sz="2800" dirty="0" smtClean="0">
+                <a:latin typeface="Consolas"/>
+                <a:cs typeface="Consolas"/>
+              </a:rPr>
+              <a:t> </a:t>
+            </a:r>
+            <a:r>
+              <a:rPr lang="en-US" sz="2800" dirty="0" err="1" smtClean="0">
+                <a:latin typeface="Consolas"/>
+                <a:cs typeface="Consolas"/>
+              </a:rPr>
+              <a:t>config.getStringList</a:t>
+            </a:r>
+            <a:r>
+              <a:rPr lang="en-US" sz="2800" dirty="0" smtClean="0">
+                <a:latin typeface="Consolas"/>
+                <a:cs typeface="Consolas"/>
+              </a:rPr>
+              <a:t>("</a:t>
+            </a:r>
+            <a:r>
+              <a:rPr lang="en-US" sz="2800" dirty="0" err="1" smtClean="0">
+                <a:latin typeface="Consolas"/>
+                <a:cs typeface="Consolas"/>
+              </a:rPr>
+              <a:t>jms.brokers</a:t>
+            </a:r>
+            <a:r>
+              <a:rPr lang="en-US" sz="2800" dirty="0" smtClean="0">
+                <a:latin typeface="Consolas"/>
+                <a:cs typeface="Consolas"/>
+              </a:rPr>
+              <a:t>")</a:t>
+            </a:r>
+            <a:endParaRPr lang="en-US" sz="2800" dirty="0">
+              <a:latin typeface="Consolas"/>
+              <a:cs typeface="Consolas"/>
+            </a:endParaRPr>
           </a:p>
         </p:txBody>
       </p:sp>
     </p:spTree>
     <p:extLst>
       <p:ext uri="{BB962C8B-B14F-4D97-AF65-F5344CB8AC3E}">
-        <p14:creationId xmlns:p14="http://schemas.microsoft.com/office/powerpoint/2010/main" val="3461115715"/>
+        <p14:creationId xmlns:p14="http://schemas.microsoft.com/office/powerpoint/2010/main" val="2140859450"/>
       </p:ext>
     </p:extLst>
   </p:cSld>
@@ -11361,12 +11419,16 @@
           <a:lstStyle/>
           <a:p>
             <a:r>
+              <a:rPr lang="en-US" dirty="0" smtClean="0"/>
+              <a:t>Create </a:t>
+            </a:r>
+            <a:r>
               <a:rPr lang="en-US" dirty="0" err="1" smtClean="0"/>
-              <a:t>Config</a:t>
+              <a:t>Configs</a:t>
             </a:r>
             <a:r>
               <a:rPr lang="en-US" dirty="0" smtClean="0"/>
-              <a:t> Objects</a:t>
+              <a:t> at Runtime</a:t>
             </a:r>
             <a:endParaRPr lang="en-US" dirty="0"/>
           </a:p>
@@ -11380,8 +11442,8 @@
         </p:nvSpPr>
         <p:spPr>
           <a:xfrm>
-            <a:off x="457200" y="1417638"/>
-            <a:ext cx="8128068" cy="5539979"/>
+            <a:off x="344603" y="1214184"/>
+            <a:ext cx="8033920" cy="5262980"/>
           </a:xfrm>
           <a:prstGeom prst="rect">
             <a:avLst/>
@@ -11395,237 +11457,295 @@
           <a:lstStyle/>
           <a:p>
             <a:r>
-              <a:rPr lang="en-US" sz="2800" dirty="0">
-                <a:latin typeface="Consolas"/>
-                <a:cs typeface="Consolas"/>
-              </a:rPr>
-              <a:t>d</a:t>
-            </a:r>
-            <a:r>
-              <a:rPr lang="en-US" sz="2800" dirty="0" smtClean="0">
-                <a:latin typeface="Consolas"/>
-                <a:cs typeface="Consolas"/>
-              </a:rPr>
-              <a:t>emo {</a:t>
-            </a:r>
-          </a:p>
-          <a:p>
-            <a:r>
-              <a:rPr lang="en-US" sz="2800" dirty="0">
+              <a:rPr lang="fi-FI" sz="2800" dirty="0">
                 <a:latin typeface="Consolas"/>
                 <a:cs typeface="Consolas"/>
               </a:rPr>
               <a:t> </a:t>
             </a:r>
             <a:r>
-              <a:rPr lang="en-US" sz="2800" dirty="0" smtClean="0">
-                <a:latin typeface="Consolas"/>
-                <a:cs typeface="Consolas"/>
-              </a:rPr>
-              <a:t> services = [</a:t>
-            </a:r>
-          </a:p>
-          <a:p>
-            <a:r>
-              <a:rPr lang="en-US" sz="2800" dirty="0">
+              <a:rPr lang="fi-FI" sz="2800" dirty="0" err="1" smtClean="0">
+                <a:latin typeface="Consolas"/>
+                <a:cs typeface="Consolas"/>
+              </a:rPr>
+              <a:t>val</a:t>
+            </a:r>
+            <a:r>
+              <a:rPr lang="fi-FI" sz="2800" dirty="0" smtClean="0">
                 <a:latin typeface="Consolas"/>
                 <a:cs typeface="Consolas"/>
               </a:rPr>
               <a:t> </a:t>
             </a:r>
             <a:r>
-              <a:rPr lang="en-US" sz="2800" dirty="0" smtClean="0">
-                <a:latin typeface="Consolas"/>
-                <a:cs typeface="Consolas"/>
-              </a:rPr>
-              <a:t>   { name = "user", </a:t>
-            </a:r>
-          </a:p>
-          <a:p>
-            <a:r>
-              <a:rPr lang="en-US" sz="2800" dirty="0">
+              <a:rPr lang="fi-FI" sz="2800" dirty="0" err="1" smtClean="0">
+                <a:latin typeface="Consolas"/>
+                <a:cs typeface="Consolas"/>
+              </a:rPr>
+              <a:t>config</a:t>
+            </a:r>
+            <a:r>
+              <a:rPr lang="fi-FI" sz="2800" dirty="0" smtClean="0">
+                <a:latin typeface="Consolas"/>
+                <a:cs typeface="Consolas"/>
+              </a:rPr>
+              <a:t> = </a:t>
+            </a:r>
+          </a:p>
+          <a:p>
+            <a:r>
+              <a:rPr lang="fi-FI" sz="2800" dirty="0">
+                <a:latin typeface="Consolas"/>
+                <a:cs typeface="Consolas"/>
+              </a:rPr>
+              <a:t>  </a:t>
+            </a:r>
+            <a:r>
+              <a:rPr lang="fi-FI" sz="2800" dirty="0" smtClean="0">
                 <a:latin typeface="Consolas"/>
                 <a:cs typeface="Consolas"/>
               </a:rPr>
               <a:t> </a:t>
             </a:r>
             <a:r>
-              <a:rPr lang="en-US" sz="2800" dirty="0" smtClean="0">
-                <a:latin typeface="Consolas"/>
-                <a:cs typeface="Consolas"/>
-              </a:rPr>
-              <a:t>     host = "nycdev101", port = 8080 </a:t>
-            </a:r>
-          </a:p>
-          <a:p>
-            <a:r>
-              <a:rPr lang="en-US" sz="2800" dirty="0">
-                <a:latin typeface="Consolas"/>
-                <a:cs typeface="Consolas"/>
-              </a:rPr>
-              <a:t> </a:t>
-            </a:r>
-            <a:r>
-              <a:rPr lang="en-US" sz="2800" dirty="0" smtClean="0">
-                <a:latin typeface="Consolas"/>
-                <a:cs typeface="Consolas"/>
-              </a:rPr>
-              <a:t>   }</a:t>
-            </a:r>
-          </a:p>
-          <a:p>
-            <a:r>
-              <a:rPr lang="en-US" sz="2800" dirty="0">
-                <a:latin typeface="Consolas"/>
-                <a:cs typeface="Consolas"/>
-              </a:rPr>
-              <a:t> </a:t>
-            </a:r>
-            <a:r>
-              <a:rPr lang="en-US" sz="2800" dirty="0" smtClean="0">
-                <a:latin typeface="Consolas"/>
-                <a:cs typeface="Consolas"/>
-              </a:rPr>
-              <a:t>   { name = "search", </a:t>
-            </a:r>
-          </a:p>
-          <a:p>
-            <a:r>
-              <a:rPr lang="en-US" sz="2800" dirty="0">
-                <a:latin typeface="Consolas"/>
-                <a:cs typeface="Consolas"/>
-              </a:rPr>
-              <a:t> </a:t>
-            </a:r>
-            <a:r>
-              <a:rPr lang="en-US" sz="2800" dirty="0" smtClean="0">
-                <a:latin typeface="Consolas"/>
-                <a:cs typeface="Consolas"/>
-              </a:rPr>
-              <a:t>     host = "nycdev102", port = 9201 }</a:t>
-            </a:r>
-          </a:p>
-          <a:p>
-            <a:r>
-              <a:rPr lang="en-US" sz="2800" dirty="0">
-                <a:latin typeface="Consolas"/>
-                <a:cs typeface="Consolas"/>
-              </a:rPr>
-              <a:t> </a:t>
-            </a:r>
-            <a:r>
-              <a:rPr lang="en-US" sz="2800" dirty="0" smtClean="0">
-                <a:latin typeface="Consolas"/>
-                <a:cs typeface="Consolas"/>
-              </a:rPr>
-              <a:t> ] </a:t>
-            </a:r>
-          </a:p>
-          <a:p>
-            <a:r>
-              <a:rPr lang="en-US" sz="2800" dirty="0" smtClean="0">
-                <a:latin typeface="Consolas"/>
-                <a:cs typeface="Consolas"/>
-              </a:rPr>
-              <a:t>}</a:t>
-            </a:r>
-          </a:p>
-          <a:p>
-            <a:endParaRPr lang="en-US" sz="2800" dirty="0" smtClean="0">
+              <a:rPr lang="fi-FI" sz="2800" dirty="0" err="1" smtClean="0">
+                <a:latin typeface="Consolas"/>
+                <a:cs typeface="Consolas"/>
+              </a:rPr>
+              <a:t>ConfigFactory.parseString</a:t>
+            </a:r>
+            <a:r>
+              <a:rPr lang="fi-FI" sz="2800" dirty="0" smtClean="0">
+                <a:latin typeface="Consolas"/>
+                <a:cs typeface="Consolas"/>
+              </a:rPr>
+              <a:t>(</a:t>
+            </a:r>
+            <a:endParaRPr lang="fi-FI" sz="2800" dirty="0">
               <a:latin typeface="Consolas"/>
               <a:cs typeface="Consolas"/>
             </a:endParaRPr>
           </a:p>
           <a:p>
             <a:r>
-              <a:rPr lang="en-US" sz="2800" dirty="0" smtClean="0">
-                <a:latin typeface="Consolas"/>
-                <a:cs typeface="Consolas"/>
-              </a:rPr>
-              <a:t>List&lt;</a:t>
-            </a:r>
-            <a:r>
-              <a:rPr lang="en-US" sz="2800" dirty="0" err="1" smtClean="0">
-                <a:latin typeface="Consolas"/>
-                <a:cs typeface="Consolas"/>
-              </a:rPr>
-              <a:t>Config</a:t>
-            </a:r>
-            <a:r>
-              <a:rPr lang="en-US" sz="2800" dirty="0" smtClean="0">
-                <a:latin typeface="Consolas"/>
-                <a:cs typeface="Consolas"/>
-              </a:rPr>
-              <a:t>&gt; </a:t>
-            </a:r>
-            <a:r>
-              <a:rPr lang="en-US" sz="2800" dirty="0" err="1" smtClean="0">
-                <a:latin typeface="Consolas"/>
-                <a:cs typeface="Consolas"/>
-              </a:rPr>
-              <a:t>configList</a:t>
-            </a:r>
-            <a:r>
-              <a:rPr lang="en-US" sz="2800" dirty="0" smtClean="0">
+              <a:rPr lang="fi-FI" sz="2800" dirty="0">
+                <a:latin typeface="Consolas"/>
+                <a:cs typeface="Consolas"/>
+              </a:rPr>
+              <a:t>      </a:t>
+            </a:r>
+            <a:r>
+              <a:rPr lang="fi-FI" sz="2800" dirty="0" smtClean="0">
+                <a:latin typeface="Consolas"/>
+                <a:cs typeface="Consolas"/>
+              </a:rPr>
+              <a:t>s"""</a:t>
+            </a:r>
+            <a:endParaRPr lang="fi-FI" sz="2800" dirty="0">
+              <a:latin typeface="Consolas"/>
+              <a:cs typeface="Consolas"/>
+            </a:endParaRPr>
+          </a:p>
+          <a:p>
+            <a:r>
+              <a:rPr lang="fi-FI" sz="2800" dirty="0" smtClean="0">
+                <a:latin typeface="Consolas"/>
+                <a:cs typeface="Consolas"/>
+              </a:rPr>
+              <a:t>        |akka {</a:t>
+            </a:r>
+          </a:p>
+          <a:p>
+            <a:r>
+              <a:rPr lang="fi-FI" sz="2800" dirty="0" smtClean="0">
+                <a:latin typeface="Consolas"/>
+                <a:cs typeface="Consolas"/>
+              </a:rPr>
+              <a:t>        |  </a:t>
+            </a:r>
+            <a:r>
+              <a:rPr lang="fi-FI" sz="2800" dirty="0" err="1" smtClean="0">
+                <a:latin typeface="Consolas"/>
+                <a:cs typeface="Consolas"/>
+              </a:rPr>
+              <a:t>remote</a:t>
+            </a:r>
+            <a:r>
+              <a:rPr lang="fi-FI" sz="2800" dirty="0" smtClean="0">
+                <a:latin typeface="Consolas"/>
+                <a:cs typeface="Consolas"/>
+              </a:rPr>
+              <a:t> {</a:t>
+            </a:r>
+          </a:p>
+          <a:p>
+            <a:r>
+              <a:rPr lang="fi-FI" sz="2800" dirty="0" smtClean="0">
+                <a:latin typeface="Consolas"/>
+                <a:cs typeface="Consolas"/>
+              </a:rPr>
+              <a:t>        |    </a:t>
+            </a:r>
+            <a:r>
+              <a:rPr lang="fi-FI" sz="2800" dirty="0" err="1">
+                <a:latin typeface="Consolas"/>
+                <a:cs typeface="Consolas"/>
+              </a:rPr>
+              <a:t>netty.tcp</a:t>
+            </a:r>
+            <a:r>
+              <a:rPr lang="fi-FI" sz="2800" dirty="0">
+                <a:latin typeface="Consolas"/>
+                <a:cs typeface="Consolas"/>
+              </a:rPr>
+              <a:t> {</a:t>
+            </a:r>
+          </a:p>
+          <a:p>
+            <a:r>
+              <a:rPr lang="fi-FI" sz="2800" dirty="0">
+                <a:latin typeface="Consolas"/>
+                <a:cs typeface="Consolas"/>
+              </a:rPr>
+              <a:t>        |      </a:t>
+            </a:r>
+            <a:r>
+              <a:rPr lang="fi-FI" sz="2800" dirty="0" err="1">
+                <a:latin typeface="Consolas"/>
+                <a:cs typeface="Consolas"/>
+              </a:rPr>
+              <a:t>hostname</a:t>
+            </a:r>
+            <a:r>
+              <a:rPr lang="fi-FI" sz="2800" dirty="0">
                 <a:latin typeface="Consolas"/>
                 <a:cs typeface="Consolas"/>
               </a:rPr>
               <a:t> = </a:t>
             </a:r>
-          </a:p>
-          <a:p>
-            <a:r>
-              <a:rPr lang="en-US" sz="2800" dirty="0">
-                <a:latin typeface="Consolas"/>
-                <a:cs typeface="Consolas"/>
-              </a:rPr>
-              <a:t> </a:t>
-            </a:r>
-            <a:r>
-              <a:rPr lang="en-US" sz="2800" dirty="0" smtClean="0">
-                <a:latin typeface="Consolas"/>
-                <a:cs typeface="Consolas"/>
-              </a:rPr>
-              <a:t> </a:t>
-            </a:r>
-            <a:r>
-              <a:rPr lang="en-US" sz="2800" dirty="0" err="1" smtClean="0">
-                <a:latin typeface="Consolas"/>
-                <a:cs typeface="Consolas"/>
-              </a:rPr>
-              <a:t>config.getConfigList</a:t>
-            </a:r>
-            <a:r>
-              <a:rPr lang="en-US" sz="2800" dirty="0" smtClean="0">
-                <a:latin typeface="Consolas"/>
-                <a:cs typeface="Consolas"/>
-              </a:rPr>
-              <a:t>("</a:t>
-            </a:r>
-            <a:r>
-              <a:rPr lang="en-US" sz="2800" dirty="0" err="1" smtClean="0">
-                <a:latin typeface="Consolas"/>
-                <a:cs typeface="Consolas"/>
-              </a:rPr>
-              <a:t>demo.services</a:t>
-            </a:r>
-            <a:r>
-              <a:rPr lang="en-US" sz="2800" dirty="0" smtClean="0">
-                <a:latin typeface="Consolas"/>
-                <a:cs typeface="Consolas"/>
-              </a:rPr>
-              <a:t>")</a:t>
-            </a:r>
-          </a:p>
-          <a:p>
-            <a:endParaRPr lang="en-US" dirty="0"/>
+            <a:r>
+              <a:rPr lang="fi-FI" sz="2800" dirty="0" smtClean="0">
+                <a:latin typeface="Consolas"/>
+                <a:cs typeface="Consolas"/>
+              </a:rPr>
+              <a:t>"$</a:t>
+            </a:r>
+            <a:r>
+              <a:rPr lang="fi-FI" sz="2800" dirty="0" err="1" smtClean="0">
+                <a:latin typeface="Consolas"/>
+                <a:cs typeface="Consolas"/>
+              </a:rPr>
+              <a:t>hostname</a:t>
+            </a:r>
+            <a:r>
+              <a:rPr lang="fi-FI" sz="2800" dirty="0" smtClean="0">
+                <a:latin typeface="Consolas"/>
+                <a:cs typeface="Consolas"/>
+              </a:rPr>
+              <a:t>"</a:t>
+            </a:r>
+            <a:endParaRPr lang="fi-FI" sz="2800" dirty="0">
+              <a:latin typeface="Consolas"/>
+              <a:cs typeface="Consolas"/>
+            </a:endParaRPr>
+          </a:p>
+          <a:p>
+            <a:r>
+              <a:rPr lang="fi-FI" sz="2800" dirty="0">
+                <a:latin typeface="Consolas"/>
+                <a:cs typeface="Consolas"/>
+              </a:rPr>
+              <a:t>        |      </a:t>
+            </a:r>
+            <a:r>
+              <a:rPr lang="fi-FI" sz="2800" dirty="0" err="1">
+                <a:latin typeface="Consolas"/>
+                <a:cs typeface="Consolas"/>
+              </a:rPr>
+              <a:t>port</a:t>
+            </a:r>
+            <a:r>
+              <a:rPr lang="fi-FI" sz="2800" dirty="0">
+                <a:latin typeface="Consolas"/>
+                <a:cs typeface="Consolas"/>
+              </a:rPr>
+              <a:t> = $</a:t>
+            </a:r>
+            <a:r>
+              <a:rPr lang="fi-FI" sz="2800" dirty="0" err="1">
+                <a:latin typeface="Consolas"/>
+                <a:cs typeface="Consolas"/>
+              </a:rPr>
+              <a:t>port</a:t>
+            </a:r>
+            <a:endParaRPr lang="fi-FI" sz="2800" dirty="0">
+              <a:latin typeface="Consolas"/>
+              <a:cs typeface="Consolas"/>
+            </a:endParaRPr>
+          </a:p>
+          <a:p>
+            <a:r>
+              <a:rPr lang="fi-FI" sz="2800" dirty="0">
+                <a:latin typeface="Consolas"/>
+                <a:cs typeface="Consolas"/>
+              </a:rPr>
+              <a:t>        |    }</a:t>
+            </a:r>
+          </a:p>
+          <a:p>
+            <a:r>
+              <a:rPr lang="fi-FI" sz="2800" dirty="0">
+                <a:latin typeface="Consolas"/>
+                <a:cs typeface="Consolas"/>
+              </a:rPr>
+              <a:t>        |  }</a:t>
+            </a:r>
+          </a:p>
+          <a:p>
+            <a:r>
+              <a:rPr lang="fi-FI" sz="2800" dirty="0">
+                <a:latin typeface="Consolas"/>
+                <a:cs typeface="Consolas"/>
+              </a:rPr>
+              <a:t>        |}</a:t>
+            </a:r>
+          </a:p>
+          <a:p>
+            <a:r>
+              <a:rPr lang="fi-FI" sz="2800" dirty="0">
+                <a:latin typeface="Consolas"/>
+                <a:cs typeface="Consolas"/>
+              </a:rPr>
+              <a:t>      </a:t>
+            </a:r>
+            <a:r>
+              <a:rPr lang="fi-FI" sz="2800" dirty="0" smtClean="0">
+                <a:latin typeface="Consolas"/>
+                <a:cs typeface="Consolas"/>
+              </a:rPr>
+              <a:t>""".</a:t>
+            </a:r>
+            <a:r>
+              <a:rPr lang="fi-FI" sz="2800" dirty="0" err="1" smtClean="0">
+                <a:latin typeface="Consolas"/>
+                <a:cs typeface="Consolas"/>
+              </a:rPr>
+              <a:t>stripMargin</a:t>
+            </a:r>
+            <a:r>
+              <a:rPr lang="fi-FI" sz="2800" dirty="0" smtClean="0">
+                <a:latin typeface="Consolas"/>
+                <a:cs typeface="Consolas"/>
+              </a:rPr>
+              <a:t>)</a:t>
+            </a:r>
           </a:p>
         </p:txBody>
       </p:sp>
     </p:spTree>
     <p:extLst>
       <p:ext uri="{BB962C8B-B14F-4D97-AF65-F5344CB8AC3E}">
-        <p14:creationId xmlns:p14="http://schemas.microsoft.com/office/powerpoint/2010/main" val="3882393638"/>
+        <p14:creationId xmlns:p14="http://schemas.microsoft.com/office/powerpoint/2010/main" val="3461115715"/>
       </p:ext>
     </p:extLst>
   </p:cSld>
@@ -11675,12 +11795,12 @@
           <a:lstStyle/>
           <a:p>
             <a:r>
+              <a:rPr lang="en-US" dirty="0" err="1" smtClean="0"/>
+              <a:t>Config</a:t>
+            </a:r>
+            <a:r>
               <a:rPr lang="en-US" dirty="0" smtClean="0"/>
-              <a:t>Merging </a:t>
-            </a:r>
-            <a:r>
-              <a:rPr lang="en-US" dirty="0" err="1" smtClean="0"/>
-              <a:t>Configs</a:t>
+              <a:t> Objects</a:t>
             </a:r>
             <a:endParaRPr lang="en-US" dirty="0"/>
           </a:p>
@@ -11688,14 +11808,14 @@
       </p:sp>
       <p:sp>
         <p:nvSpPr>
-          <p:cNvPr id="6" name="TextBox 5"/>
+          <p:cNvPr id="4" name="TextBox 3"/>
           <p:cNvSpPr txBox="1"/>
           <p:nvPr/>
         </p:nvSpPr>
         <p:spPr>
           <a:xfrm>
-            <a:off x="498474" y="1510489"/>
-            <a:ext cx="8229600" cy="3970318"/>
+            <a:off x="457200" y="1417638"/>
+            <a:ext cx="8128068" cy="5539979"/>
           </a:xfrm>
           <a:prstGeom prst="rect">
             <a:avLst/>
@@ -11709,29 +11829,139 @@
           <a:lstStyle/>
           <a:p>
             <a:r>
+              <a:rPr lang="en-US" sz="2800" dirty="0">
+                <a:latin typeface="Consolas"/>
+                <a:cs typeface="Consolas"/>
+              </a:rPr>
+              <a:t>d</a:t>
+            </a:r>
+            <a:r>
               <a:rPr lang="en-US" sz="2800" dirty="0" smtClean="0">
                 <a:latin typeface="Consolas"/>
                 <a:cs typeface="Consolas"/>
               </a:rPr>
-              <a:t># System properties falling back to</a:t>
-            </a:r>
-          </a:p>
-          <a:p>
+              <a:t>emo {</a:t>
+            </a:r>
+          </a:p>
+          <a:p>
+            <a:r>
+              <a:rPr lang="en-US" sz="2800" dirty="0">
+                <a:latin typeface="Consolas"/>
+                <a:cs typeface="Consolas"/>
+              </a:rPr>
+              <a:t> </a:t>
+            </a:r>
             <a:r>
               <a:rPr lang="en-US" sz="2800" dirty="0" smtClean="0">
                 <a:latin typeface="Consolas"/>
                 <a:cs typeface="Consolas"/>
               </a:rPr>
-              <a:t># user configuration falling back to</a:t>
-            </a:r>
-          </a:p>
-          <a:p>
+              <a:t> services = [</a:t>
+            </a:r>
+          </a:p>
+          <a:p>
+            <a:r>
+              <a:rPr lang="en-US" sz="2800" dirty="0">
+                <a:latin typeface="Consolas"/>
+                <a:cs typeface="Consolas"/>
+              </a:rPr>
+              <a:t> </a:t>
+            </a:r>
             <a:r>
               <a:rPr lang="en-US" sz="2800" dirty="0" smtClean="0">
                 <a:latin typeface="Consolas"/>
                 <a:cs typeface="Consolas"/>
               </a:rPr>
-              <a:t># application configuration</a:t>
+              <a:t>   { name = "user", </a:t>
+            </a:r>
+          </a:p>
+          <a:p>
+            <a:r>
+              <a:rPr lang="en-US" sz="2800" dirty="0">
+                <a:latin typeface="Consolas"/>
+                <a:cs typeface="Consolas"/>
+              </a:rPr>
+              <a:t> </a:t>
+            </a:r>
+            <a:r>
+              <a:rPr lang="en-US" sz="2800" dirty="0" smtClean="0">
+                <a:latin typeface="Consolas"/>
+                <a:cs typeface="Consolas"/>
+              </a:rPr>
+              <a:t>     host = "nycdev101", port = 8080 </a:t>
+            </a:r>
+          </a:p>
+          <a:p>
+            <a:r>
+              <a:rPr lang="en-US" sz="2800" dirty="0">
+                <a:latin typeface="Consolas"/>
+                <a:cs typeface="Consolas"/>
+              </a:rPr>
+              <a:t> </a:t>
+            </a:r>
+            <a:r>
+              <a:rPr lang="en-US" sz="2800" dirty="0" smtClean="0">
+                <a:latin typeface="Consolas"/>
+                <a:cs typeface="Consolas"/>
+              </a:rPr>
+              <a:t>   }</a:t>
+            </a:r>
+          </a:p>
+          <a:p>
+            <a:r>
+              <a:rPr lang="en-US" sz="2800" dirty="0">
+                <a:latin typeface="Consolas"/>
+                <a:cs typeface="Consolas"/>
+              </a:rPr>
+              <a:t> </a:t>
+            </a:r>
+            <a:r>
+              <a:rPr lang="en-US" sz="2800" dirty="0" smtClean="0">
+                <a:latin typeface="Consolas"/>
+                <a:cs typeface="Consolas"/>
+              </a:rPr>
+              <a:t>   { name = "search", </a:t>
+            </a:r>
+          </a:p>
+          <a:p>
+            <a:r>
+              <a:rPr lang="en-US" sz="2800" dirty="0">
+                <a:latin typeface="Consolas"/>
+                <a:cs typeface="Consolas"/>
+              </a:rPr>
+              <a:t> </a:t>
+            </a:r>
+            <a:r>
+              <a:rPr lang="en-US" sz="2800" dirty="0" smtClean="0">
+                <a:latin typeface="Consolas"/>
+                <a:cs typeface="Consolas"/>
+              </a:rPr>
+              <a:t>     host = "nycdev102", port = 9201 }</a:t>
+            </a:r>
+          </a:p>
+          <a:p>
+            <a:r>
+              <a:rPr lang="en-US" sz="2800" dirty="0">
+                <a:latin typeface="Consolas"/>
+                <a:cs typeface="Consolas"/>
+              </a:rPr>
+              <a:t> </a:t>
+            </a:r>
+            <a:r>
+              <a:rPr lang="en-US" sz="2800" dirty="0" smtClean="0">
+                <a:latin typeface="Consolas"/>
+                <a:cs typeface="Consolas"/>
+              </a:rPr>
+              <a:t> ] </a:t>
+            </a:r>
+          </a:p>
+          <a:p>
+            <a:r>
+              <a:rPr lang="en-US" sz="2800" dirty="0" smtClean="0">
+                <a:latin typeface="Consolas"/>
+                <a:cs typeface="Consolas"/>
+              </a:rPr>
+              <a:t>}</a:t>
             </a:r>
           </a:p>
           <a:p>
@@ -11742,6 +11972,13 @@
           </a:p>
           <a:p>
             <a:r>
+              <a:rPr lang="en-US" sz="2800" dirty="0" smtClean="0">
+                <a:latin typeface="Consolas"/>
+                <a:cs typeface="Consolas"/>
+              </a:rPr>
+              <a:t>List&lt;</a:t>
+            </a:r>
+            <a:r>
               <a:rPr lang="en-US" sz="2800" dirty="0" err="1" smtClean="0">
                 <a:latin typeface="Consolas"/>
                 <a:cs typeface="Consolas"/>
@@ -11753,149 +11990,76 @@
                 <a:latin typeface="Consolas"/>
                 <a:cs typeface="Consolas"/>
               </a:rPr>
+              <a:t>&gt; </a:t>
+            </a:r>
+            <a:r>
+              <a:rPr lang="en-US" sz="2800" dirty="0" err="1" smtClean="0">
+                <a:latin typeface="Consolas"/>
+                <a:cs typeface="Consolas"/>
+              </a:rPr>
+              <a:t>configList</a:t>
+            </a:r>
+            <a:r>
+              <a:rPr lang="en-US" sz="2800" dirty="0" smtClean="0">
+                <a:latin typeface="Consolas"/>
+                <a:cs typeface="Consolas"/>
+              </a:rPr>
+              <a:t> = </a:t>
+            </a:r>
+          </a:p>
+          <a:p>
+            <a:r>
+              <a:rPr lang="en-US" sz="2800" dirty="0">
+                <a:latin typeface="Consolas"/>
+                <a:cs typeface="Consolas"/>
+              </a:rPr>
               <a:t> </a:t>
             </a:r>
             <a:r>
+              <a:rPr lang="en-US" sz="2800" dirty="0" smtClean="0">
+                <a:latin typeface="Consolas"/>
+                <a:cs typeface="Consolas"/>
+              </a:rPr>
+              <a:t> </a:t>
+            </a:r>
+            <a:r>
               <a:rPr lang="en-US" sz="2800" dirty="0" err="1" smtClean="0">
                 <a:latin typeface="Consolas"/>
                 <a:cs typeface="Consolas"/>
               </a:rPr>
-              <a:t>finalConfig</a:t>
+              <a:t>config.getConfigList</a:t>
             </a:r>
             <a:r>
               <a:rPr lang="en-US" sz="2800" dirty="0" smtClean="0">
                 <a:latin typeface="Consolas"/>
                 <a:cs typeface="Consolas"/>
               </a:rPr>
-              <a:t> = </a:t>
-            </a:r>
-          </a:p>
-          <a:p>
-            <a:r>
-              <a:rPr lang="en-US" sz="2800" dirty="0">
-                <a:latin typeface="Consolas"/>
-                <a:cs typeface="Consolas"/>
-              </a:rPr>
-              <a:t> </a:t>
+              <a:t>("</a:t>
+            </a:r>
+            <a:r>
+              <a:rPr lang="en-US" sz="2800" dirty="0" err="1" smtClean="0">
+                <a:latin typeface="Consolas"/>
+                <a:cs typeface="Consolas"/>
+              </a:rPr>
+              <a:t>demo.services</a:t>
             </a:r>
             <a:r>
               <a:rPr lang="en-US" sz="2800" dirty="0" smtClean="0">
                 <a:latin typeface="Consolas"/>
                 <a:cs typeface="Consolas"/>
               </a:rPr>
-              <a:t> </a:t>
-            </a:r>
-            <a:r>
-              <a:rPr lang="en-US" sz="2800" dirty="0" err="1" smtClean="0">
-                <a:latin typeface="Consolas"/>
-                <a:cs typeface="Consolas"/>
-              </a:rPr>
-              <a:t>ConfigFactory.systemProperties</a:t>
-            </a:r>
-            <a:r>
-              <a:rPr lang="en-US" sz="2800" dirty="0" smtClean="0">
-                <a:latin typeface="Consolas"/>
-                <a:cs typeface="Consolas"/>
-              </a:rPr>
-              <a:t>().</a:t>
-            </a:r>
-          </a:p>
-          <a:p>
-            <a:r>
-              <a:rPr lang="en-US" sz="2800" dirty="0" smtClean="0">
-                <a:latin typeface="Consolas"/>
-                <a:cs typeface="Consolas"/>
-              </a:rPr>
-              <a:t>    </a:t>
-            </a:r>
-            <a:r>
-              <a:rPr lang="en-US" sz="2800" dirty="0" err="1" smtClean="0">
-                <a:latin typeface="Consolas"/>
-                <a:cs typeface="Consolas"/>
-              </a:rPr>
-              <a:t>withFallback</a:t>
-            </a:r>
-            <a:r>
-              <a:rPr lang="en-US" sz="2800" dirty="0" smtClean="0">
-                <a:latin typeface="Consolas"/>
-                <a:cs typeface="Consolas"/>
-              </a:rPr>
-              <a:t>(</a:t>
-            </a:r>
-            <a:r>
-              <a:rPr lang="en-US" sz="2800" dirty="0" err="1" smtClean="0">
-                <a:latin typeface="Consolas"/>
-                <a:cs typeface="Consolas"/>
-              </a:rPr>
-              <a:t>userConfig</a:t>
-            </a:r>
-            <a:r>
-              <a:rPr lang="en-US" sz="2800" dirty="0" smtClean="0">
-                <a:latin typeface="Consolas"/>
-                <a:cs typeface="Consolas"/>
-              </a:rPr>
-              <a:t>).</a:t>
-            </a:r>
-          </a:p>
-          <a:p>
-            <a:r>
-              <a:rPr lang="en-US" sz="2800" dirty="0" smtClean="0">
-                <a:latin typeface="Consolas"/>
-                <a:cs typeface="Consolas"/>
-              </a:rPr>
-              <a:t>    </a:t>
-            </a:r>
-            <a:r>
-              <a:rPr lang="en-US" sz="2800" dirty="0" err="1" smtClean="0">
-                <a:latin typeface="Consolas"/>
-                <a:cs typeface="Consolas"/>
-              </a:rPr>
-              <a:t>withFallback</a:t>
-            </a:r>
-            <a:r>
-              <a:rPr lang="en-US" sz="2800" dirty="0" smtClean="0">
-                <a:latin typeface="Consolas"/>
-                <a:cs typeface="Consolas"/>
-              </a:rPr>
-              <a:t>(</a:t>
-            </a:r>
-            <a:r>
-              <a:rPr lang="en-US" sz="2800" dirty="0" err="1" smtClean="0">
-                <a:latin typeface="Consolas"/>
-                <a:cs typeface="Consolas"/>
-              </a:rPr>
-              <a:t>appConfig</a:t>
-            </a:r>
-            <a:r>
-              <a:rPr lang="en-US" sz="2800" dirty="0" smtClean="0">
-                <a:latin typeface="Consolas"/>
-                <a:cs typeface="Consolas"/>
-              </a:rPr>
-              <a:t>).</a:t>
-            </a:r>
-          </a:p>
-          <a:p>
-            <a:r>
-              <a:rPr lang="en-US" sz="2800" dirty="0">
-                <a:latin typeface="Consolas"/>
-                <a:cs typeface="Consolas"/>
-              </a:rPr>
-              <a:t> </a:t>
-            </a:r>
-            <a:r>
-              <a:rPr lang="en-US" sz="2800" dirty="0" smtClean="0">
-                <a:latin typeface="Consolas"/>
-                <a:cs typeface="Consolas"/>
-              </a:rPr>
-              <a:t>   resolve()</a:t>
-            </a:r>
+              <a:t>")</a:t>
+            </a:r>
+          </a:p>
+          <a:p>
+            <a:endParaRPr lang="en-US" dirty="0"/>
           </a:p>
         </p:txBody>
       </p:sp>
     </p:spTree>
     <p:extLst>
       <p:ext uri="{BB962C8B-B14F-4D97-AF65-F5344CB8AC3E}">
-        <p14:creationId xmlns:p14="http://schemas.microsoft.com/office/powerpoint/2010/main" val="2919658217"/>
+        <p14:creationId xmlns:p14="http://schemas.microsoft.com/office/powerpoint/2010/main" val="3882393638"/>
       </p:ext>
     </p:extLst>
   </p:cSld>
@@ -11946,7 +12110,11 @@
           <a:p>
             <a:r>
               <a:rPr lang="en-US" dirty="0" smtClean="0"/>
-              <a:t>Scopes Library</a:t>
+              <a:t>Merging </a:t>
+            </a:r>
+            <a:r>
+              <a:rPr lang="en-US" dirty="0" err="1" smtClean="0"/>
+              <a:t>Configs</a:t>
             </a:r>
             <a:endParaRPr lang="en-US" dirty="0"/>
           </a:p>
@@ -11954,92 +12122,214 @@
       </p:sp>
       <p:sp>
         <p:nvSpPr>
-          <p:cNvPr id="3" name="Content Placeholder 2"/>
-          <p:cNvSpPr>
-            <a:spLocks noGrp="1"/>
-          </p:cNvSpPr>
-          <p:nvPr>
-            <p:ph idx="1"/>
-          </p:nvPr>
-        </p:nvSpPr>
-        <p:spPr/>
-        <p:txBody>
-          <a:bodyPr>
-            <a:normAutofit/>
+          <p:cNvPr id="6" name="TextBox 5"/>
+          <p:cNvSpPr txBox="1"/>
+          <p:nvPr/>
+        </p:nvSpPr>
+        <p:spPr>
+          <a:xfrm>
+            <a:off x="498474" y="1510489"/>
+            <a:ext cx="8229600" cy="3970318"/>
+          </a:xfrm>
+          <a:prstGeom prst="rect">
+            <a:avLst/>
+          </a:prstGeom>
+          <a:noFill/>
+        </p:spPr>
+        <p:txBody>
+          <a:bodyPr wrap="square" rtlCol="0">
+            <a:spAutoFit/>
           </a:bodyPr>
           <a:lstStyle/>
           <a:p>
             <a:r>
-              <a:rPr lang="en-US" sz="2800" dirty="0" smtClean="0"/>
-              <a:t>A library built on top of </a:t>
-            </a:r>
-            <a:r>
-              <a:rPr lang="en-US" sz="2800" dirty="0" err="1" smtClean="0"/>
-              <a:t>Typesafe</a:t>
-            </a:r>
-            <a:r>
-              <a:rPr lang="en-US" sz="2800" dirty="0" smtClean="0"/>
+              <a:rPr lang="en-US" sz="2800" dirty="0" smtClean="0">
+                <a:latin typeface="Consolas"/>
+                <a:cs typeface="Consolas"/>
+              </a:rPr>
+              <a:t># System properties falling back to</a:t>
+            </a:r>
+          </a:p>
+          <a:p>
+            <a:r>
+              <a:rPr lang="en-US" sz="2800" dirty="0" smtClean="0">
+                <a:latin typeface="Consolas"/>
+                <a:cs typeface="Consolas"/>
+              </a:rPr>
+              <a:t># user configuration falling back to</a:t>
+            </a:r>
+          </a:p>
+          <a:p>
+            <a:r>
+              <a:rPr lang="en-US" sz="2800" dirty="0" smtClean="0">
+                <a:latin typeface="Consolas"/>
+                <a:cs typeface="Consolas"/>
+              </a:rPr>
+              <a:t># application configuration</a:t>
+            </a:r>
+          </a:p>
+          <a:p>
+            <a:endParaRPr lang="en-US" sz="2800" dirty="0" smtClean="0">
+              <a:latin typeface="Consolas"/>
+              <a:cs typeface="Consolas"/>
+            </a:endParaRPr>
+          </a:p>
+          <a:p>
+            <a:r>
+              <a:rPr lang="en-US" sz="2800" dirty="0" err="1" smtClean="0">
+                <a:latin typeface="Consolas"/>
+                <a:cs typeface="Consolas"/>
+              </a:rPr>
+              <a:t>Config</a:t>
+            </a:r>
+            <a:r>
+              <a:rPr lang="en-US" sz="2800" dirty="0" smtClean="0">
+                <a:latin typeface="Consolas"/>
+                <a:cs typeface="Consolas"/>
+              </a:rPr>
               <a:t> </a:t>
             </a:r>
             <a:r>
-              <a:rPr lang="en-US" sz="2800" dirty="0" err="1" smtClean="0"/>
-              <a:t>Config</a:t>
-            </a:r>
-            <a:endParaRPr lang="en-US" sz="2800" dirty="0" smtClean="0"/>
-          </a:p>
-          <a:p>
-            <a:r>
-              <a:rPr lang="en-US" sz="2800" dirty="0" smtClean="0"/>
-              <a:t>Adds</a:t>
-            </a:r>
-          </a:p>
-          <a:p>
-            <a:pPr lvl="1"/>
-            <a:r>
-              <a:rPr lang="en-US" sz="2800" dirty="0" smtClean="0"/>
-              <a:t>Multiple scopes of configuration</a:t>
-            </a:r>
-          </a:p>
-          <a:p>
-            <a:pPr lvl="2"/>
-            <a:r>
-              <a:rPr lang="en-US" sz="2800" dirty="0" smtClean="0"/>
-              <a:t>aka Configurable </a:t>
-            </a:r>
-            <a:r>
-              <a:rPr lang="en-US" sz="2800" dirty="0" err="1" smtClean="0"/>
-              <a:t>config</a:t>
-            </a:r>
-            <a:r>
-              <a:rPr lang="en-US" sz="2800" dirty="0" smtClean="0"/>
-              <a:t> merging</a:t>
-            </a:r>
-          </a:p>
-          <a:p>
-            <a:pPr lvl="1"/>
-            <a:r>
-              <a:rPr lang="en-US" sz="2800" dirty="0" smtClean="0"/>
-              <a:t>Pluggable resource handling</a:t>
-            </a:r>
-          </a:p>
-          <a:p>
-            <a:pPr lvl="1"/>
-            <a:r>
-              <a:rPr lang="en-US" sz="2800" dirty="0"/>
-              <a:t>a</a:t>
-            </a:r>
-            <a:r>
-              <a:rPr lang="en-US" sz="2800" dirty="0" smtClean="0"/>
-              <a:t>nd more</a:t>
-            </a:r>
-            <a:endParaRPr lang="en-US" sz="2800" dirty="0"/>
+              <a:rPr lang="en-US" sz="2800" dirty="0" err="1" smtClean="0">
+                <a:latin typeface="Consolas"/>
+                <a:cs typeface="Consolas"/>
+              </a:rPr>
+              <a:t>finalConfig</a:t>
+            </a:r>
+            <a:r>
+              <a:rPr lang="en-US" sz="2800" dirty="0" smtClean="0">
+                <a:latin typeface="Consolas"/>
+                <a:cs typeface="Consolas"/>
+              </a:rPr>
+              <a:t> = </a:t>
+            </a:r>
+          </a:p>
+          <a:p>
+            <a:r>
+              <a:rPr lang="en-US" sz="2800" dirty="0">
+                <a:latin typeface="Consolas"/>
+                <a:cs typeface="Consolas"/>
+              </a:rPr>
+              <a:t> </a:t>
+            </a:r>
+            <a:r>
+              <a:rPr lang="en-US" sz="2800" dirty="0" smtClean="0">
+                <a:latin typeface="Consolas"/>
+                <a:cs typeface="Consolas"/>
+              </a:rPr>
+              <a:t> </a:t>
+            </a:r>
+            <a:r>
+              <a:rPr lang="en-US" sz="2800" dirty="0" err="1" smtClean="0">
+                <a:latin typeface="Consolas"/>
+                <a:cs typeface="Consolas"/>
+              </a:rPr>
+              <a:t>ConfigFactory.systemProperties</a:t>
+            </a:r>
+            <a:r>
+              <a:rPr lang="en-US" sz="2800" dirty="0" smtClean="0">
+                <a:latin typeface="Consolas"/>
+                <a:cs typeface="Consolas"/>
+              </a:rPr>
+              <a:t>().</a:t>
+            </a:r>
+          </a:p>
+          <a:p>
+            <a:r>
+              <a:rPr lang="en-US" sz="2800" dirty="0" smtClean="0">
+                <a:latin typeface="Consolas"/>
+                <a:cs typeface="Consolas"/>
+              </a:rPr>
+              <a:t>    </a:t>
+            </a:r>
+            <a:r>
+              <a:rPr lang="en-US" sz="2800" dirty="0" err="1" smtClean="0">
+                <a:latin typeface="Consolas"/>
+                <a:cs typeface="Consolas"/>
+              </a:rPr>
+              <a:t>withFallback</a:t>
+            </a:r>
+            <a:r>
+              <a:rPr lang="en-US" sz="2800" dirty="0" smtClean="0">
+                <a:latin typeface="Consolas"/>
+                <a:cs typeface="Consolas"/>
+              </a:rPr>
+              <a:t>(</a:t>
+            </a:r>
+            <a:r>
+              <a:rPr lang="en-US" sz="2800" dirty="0" err="1" smtClean="0">
+                <a:latin typeface="Consolas"/>
+                <a:cs typeface="Consolas"/>
+              </a:rPr>
+              <a:t>userConfig</a:t>
+            </a:r>
+            <a:r>
+              <a:rPr lang="en-US" sz="2800" dirty="0" smtClean="0">
+                <a:latin typeface="Consolas"/>
+                <a:cs typeface="Consolas"/>
+              </a:rPr>
+              <a:t>).</a:t>
+            </a:r>
+          </a:p>
+          <a:p>
+            <a:r>
+              <a:rPr lang="en-US" sz="2800" dirty="0" smtClean="0">
+                <a:latin typeface="Consolas"/>
+                <a:cs typeface="Consolas"/>
+              </a:rPr>
+              <a:t>    </a:t>
+            </a:r>
+            <a:r>
+              <a:rPr lang="en-US" sz="2800" dirty="0" err="1" smtClean="0">
+                <a:latin typeface="Consolas"/>
+                <a:cs typeface="Consolas"/>
+              </a:rPr>
+              <a:t>withFallback</a:t>
+            </a:r>
+            <a:r>
+              <a:rPr lang="en-US" sz="2800" dirty="0" smtClean="0">
+                <a:latin typeface="Consolas"/>
+                <a:cs typeface="Consolas"/>
+              </a:rPr>
+              <a:t>(</a:t>
+            </a:r>
+            <a:r>
+              <a:rPr lang="en-US" sz="2800" dirty="0" err="1" smtClean="0">
+                <a:latin typeface="Consolas"/>
+                <a:cs typeface="Consolas"/>
+              </a:rPr>
+              <a:t>appConfig</a:t>
+            </a:r>
+            <a:r>
+              <a:rPr lang="en-US" sz="2800" dirty="0" smtClean="0">
+                <a:latin typeface="Consolas"/>
+                <a:cs typeface="Consolas"/>
+              </a:rPr>
+              <a:t>).</a:t>
+            </a:r>
+          </a:p>
+          <a:p>
+            <a:r>
+              <a:rPr lang="en-US" sz="2800" dirty="0">
+                <a:latin typeface="Consolas"/>
+                <a:cs typeface="Consolas"/>
+              </a:rPr>
+              <a:t> </a:t>
+            </a:r>
+            <a:r>
+              <a:rPr lang="en-US" sz="2800" dirty="0" smtClean="0">
+                <a:latin typeface="Consolas"/>
+                <a:cs typeface="Consolas"/>
+              </a:rPr>
+              <a:t>   resolve()</a:t>
+            </a:r>
           </a:p>
         </p:txBody>
       </p:sp>
     </p:spTree>
     <p:extLst>
       <p:ext uri="{BB962C8B-B14F-4D97-AF65-F5344CB8AC3E}">
-        <p14:creationId xmlns:p14="http://schemas.microsoft.com/office/powerpoint/2010/main" val="2005606044"/>
+        <p14:creationId xmlns:p14="http://schemas.microsoft.com/office/powerpoint/2010/main" val="2919658217"/>
       </p:ext>
     </p:extLst>
   </p:cSld>
@@ -12090,7 +12380,7 @@
           <a:p>
             <a:r>
               <a:rPr lang="en-US" dirty="0" smtClean="0"/>
-              <a:t>Scopes Configuration</a:t>
+              <a:t>Scopes Library</a:t>
             </a:r>
             <a:endParaRPr lang="en-US" dirty="0"/>
           </a:p>
@@ -12098,294 +12388,92 @@
       </p:sp>
       <p:sp>
         <p:nvSpPr>
-          <p:cNvPr id="5" name="TextBox 4"/>
-          <p:cNvSpPr txBox="1"/>
-          <p:nvPr/>
-        </p:nvSpPr>
-        <p:spPr>
-          <a:xfrm>
-            <a:off x="498474" y="1196903"/>
-            <a:ext cx="8740467" cy="6863418"/>
-          </a:xfrm>
-          <a:prstGeom prst="rect">
-            <a:avLst/>
-          </a:prstGeom>
-          <a:noFill/>
-        </p:spPr>
-        <p:txBody>
-          <a:bodyPr wrap="square" rtlCol="0">
-            <a:spAutoFit/>
+          <p:cNvPr id="3" name="Content Placeholder 2"/>
+          <p:cNvSpPr>
+            <a:spLocks noGrp="1"/>
+          </p:cNvSpPr>
+          <p:nvPr>
+            <p:ph idx="1"/>
+          </p:nvPr>
+        </p:nvSpPr>
+        <p:spPr/>
+        <p:txBody>
+          <a:bodyPr>
+            <a:normAutofit/>
           </a:bodyPr>
           <a:lstStyle/>
           <a:p>
             <a:r>
-              <a:rPr lang="en-US" sz="2800" dirty="0" smtClean="0">
-                <a:latin typeface="Consolas" pitchFamily="49" charset="0"/>
-                <a:cs typeface="Consolas" pitchFamily="49" charset="0"/>
-              </a:rPr>
-              <a:t>scopes = [</a:t>
-            </a:r>
-          </a:p>
-          <a:p>
-            <a:r>
-              <a:rPr lang="en-US" sz="2800" dirty="0" smtClean="0">
-                <a:latin typeface="Consolas" pitchFamily="49" charset="0"/>
-                <a:cs typeface="Consolas" pitchFamily="49" charset="0"/>
-              </a:rPr>
-              <a:t>  {</a:t>
-            </a:r>
-          </a:p>
-          <a:p>
-            <a:r>
-              <a:rPr lang="en-US" sz="2800" dirty="0" smtClean="0">
-                <a:latin typeface="Consolas" pitchFamily="49" charset="0"/>
-                <a:cs typeface="Consolas" pitchFamily="49" charset="0"/>
-              </a:rPr>
-              <a:t>    name = application</a:t>
-            </a:r>
-          </a:p>
-          <a:p>
-            <a:r>
-              <a:rPr lang="en-US" sz="2800" dirty="0" smtClean="0">
-                <a:latin typeface="Consolas" pitchFamily="49" charset="0"/>
-                <a:cs typeface="Consolas" pitchFamily="49" charset="0"/>
-              </a:rPr>
-              <a:t>    path = "</a:t>
-            </a:r>
-            <a:r>
-              <a:rPr lang="en-US" sz="2800" dirty="0" err="1" smtClean="0">
-                <a:latin typeface="Consolas" pitchFamily="49" charset="0"/>
-                <a:cs typeface="Consolas" pitchFamily="49" charset="0"/>
-              </a:rPr>
-              <a:t>classpath</a:t>
-            </a:r>
-            <a:r>
-              <a:rPr lang="en-US" sz="2800" dirty="0" smtClean="0">
-                <a:latin typeface="Consolas" pitchFamily="49" charset="0"/>
-                <a:cs typeface="Consolas" pitchFamily="49" charset="0"/>
-              </a:rPr>
-              <a:t>://</a:t>
-            </a:r>
-            <a:r>
-              <a:rPr lang="en-US" sz="2800" dirty="0" err="1" smtClean="0">
-                <a:latin typeface="Consolas" pitchFamily="49" charset="0"/>
-                <a:cs typeface="Consolas" pitchFamily="49" charset="0"/>
-              </a:rPr>
-              <a:t>config.conf</a:t>
-            </a:r>
-            <a:r>
-              <a:rPr lang="en-US" sz="2800" dirty="0" smtClean="0">
-                <a:latin typeface="Consolas" pitchFamily="49" charset="0"/>
-                <a:cs typeface="Consolas" pitchFamily="49" charset="0"/>
-              </a:rPr>
-              <a:t>"</a:t>
-            </a:r>
-          </a:p>
-          <a:p>
-            <a:r>
-              <a:rPr lang="en-US" sz="2800" dirty="0" smtClean="0">
-                <a:latin typeface="Consolas" pitchFamily="49" charset="0"/>
-                <a:cs typeface="Consolas" pitchFamily="49" charset="0"/>
-              </a:rPr>
-              <a:t>  }</a:t>
-            </a:r>
-          </a:p>
-          <a:p>
-            <a:r>
-              <a:rPr lang="en-US" sz="2800" dirty="0">
-                <a:latin typeface="Consolas" pitchFamily="49" charset="0"/>
-                <a:cs typeface="Consolas" pitchFamily="49" charset="0"/>
-              </a:rPr>
-              <a:t> {</a:t>
-            </a:r>
-          </a:p>
-          <a:p>
-            <a:r>
-              <a:rPr lang="en-US" sz="2800" dirty="0">
-                <a:latin typeface="Consolas" pitchFamily="49" charset="0"/>
-                <a:cs typeface="Consolas" pitchFamily="49" charset="0"/>
-              </a:rPr>
-              <a:t>    name = shared</a:t>
-            </a:r>
-          </a:p>
-          <a:p>
-            <a:r>
-              <a:rPr lang="en-US" sz="2800" dirty="0">
-                <a:latin typeface="Consolas" pitchFamily="49" charset="0"/>
-                <a:cs typeface="Consolas" pitchFamily="49" charset="0"/>
-              </a:rPr>
-              <a:t>    path = </a:t>
-            </a:r>
-            <a:r>
-              <a:rPr lang="en-US" sz="2800" dirty="0" smtClean="0">
-                <a:latin typeface="Consolas" pitchFamily="49" charset="0"/>
-                <a:cs typeface="Consolas" pitchFamily="49" charset="0"/>
-              </a:rPr>
-              <a:t>"</a:t>
-            </a:r>
-            <a:r>
-              <a:rPr lang="en-US" sz="2800" dirty="0" err="1" smtClean="0">
-                <a:latin typeface="Consolas" pitchFamily="49" charset="0"/>
-                <a:cs typeface="Consolas" pitchFamily="49" charset="0"/>
-              </a:rPr>
-              <a:t>zk</a:t>
-            </a:r>
-            <a:r>
-              <a:rPr lang="en-US" sz="2800" dirty="0">
-                <a:latin typeface="Consolas" pitchFamily="49" charset="0"/>
-                <a:cs typeface="Consolas" pitchFamily="49" charset="0"/>
-              </a:rPr>
-              <a:t>://</a:t>
-            </a:r>
-            <a:r>
-              <a:rPr lang="en-US" sz="2800" dirty="0" err="1" smtClean="0">
-                <a:latin typeface="Consolas" pitchFamily="49" charset="0"/>
-                <a:cs typeface="Consolas" pitchFamily="49" charset="0"/>
-              </a:rPr>
+              <a:rPr lang="en-US" sz="2800" dirty="0" smtClean="0"/>
+              <a:t>A library built on top of </a:t>
+            </a:r>
+            <a:r>
+              <a:rPr lang="en-US" sz="2800" dirty="0" err="1" smtClean="0"/>
+              <a:t>Typesafe</a:t>
+            </a:r>
+            <a:r>
+              <a:rPr lang="en-US" sz="2800" dirty="0" smtClean="0"/>
+              <a:t> </a:t>
+            </a:r>
+            <a:r>
+              <a:rPr lang="en-US" sz="2800" dirty="0" err="1" smtClean="0"/>
+              <a:t>Config</a:t>
+            </a:r>
+            <a:endParaRPr lang="en-US" sz="2800" dirty="0" smtClean="0"/>
+          </a:p>
+          <a:p>
+            <a:r>
+              <a:rPr lang="en-US" sz="2800" dirty="0" smtClean="0"/>
+              <a:t>Adds</a:t>
+            </a:r>
+          </a:p>
+          <a:p>
+            <a:pPr lvl="1"/>
+            <a:r>
+              <a:rPr lang="en-US" sz="2800" dirty="0" smtClean="0"/>
+              <a:t>Multiple scopes of configuration</a:t>
+            </a:r>
+          </a:p>
+          <a:p>
+            <a:pPr lvl="2"/>
+            <a:r>
+              <a:rPr lang="en-US" sz="2800" dirty="0" smtClean="0"/>
+              <a:t>aka Configurable </a:t>
+            </a:r>
+            <a:r>
+              <a:rPr lang="en-US" sz="2800" dirty="0" err="1" smtClean="0"/>
               <a:t>config</a:t>
             </a:r>
             <a:r>
-              <a:rPr lang="en-US" sz="2800" dirty="0" smtClean="0">
-                <a:latin typeface="Consolas" pitchFamily="49" charset="0"/>
-                <a:cs typeface="Consolas" pitchFamily="49" charset="0"/>
-              </a:rPr>
-              <a:t>/</a:t>
-            </a:r>
-            <a:r>
-              <a:rPr lang="en-US" sz="2800" dirty="0" err="1" smtClean="0">
-                <a:latin typeface="Consolas" pitchFamily="49" charset="0"/>
-                <a:cs typeface="Consolas" pitchFamily="49" charset="0"/>
-              </a:rPr>
-              <a:t>config.conf</a:t>
-            </a:r>
-            <a:r>
-              <a:rPr lang="en-US" sz="2800" dirty="0" smtClean="0">
-                <a:latin typeface="Consolas" pitchFamily="49" charset="0"/>
-                <a:cs typeface="Consolas" pitchFamily="49" charset="0"/>
-              </a:rPr>
-              <a:t>"</a:t>
-            </a:r>
-            <a:endParaRPr lang="en-US" sz="2800" dirty="0">
-              <a:latin typeface="Consolas" pitchFamily="49" charset="0"/>
-              <a:cs typeface="Consolas" pitchFamily="49" charset="0"/>
-            </a:endParaRPr>
-          </a:p>
-          <a:p>
-            <a:r>
-              <a:rPr lang="en-US" sz="2800" dirty="0">
-                <a:latin typeface="Consolas" pitchFamily="49" charset="0"/>
-                <a:cs typeface="Consolas" pitchFamily="49" charset="0"/>
-              </a:rPr>
-              <a:t>  }</a:t>
-            </a:r>
-            <a:endParaRPr lang="en-US" sz="2800" dirty="0" smtClean="0">
-              <a:latin typeface="Consolas" pitchFamily="49" charset="0"/>
-              <a:cs typeface="Consolas" pitchFamily="49" charset="0"/>
-            </a:endParaRPr>
-          </a:p>
-          <a:p>
-            <a:r>
-              <a:rPr lang="en-US" sz="2800" dirty="0" smtClean="0">
-                <a:latin typeface="Consolas" pitchFamily="49" charset="0"/>
-                <a:cs typeface="Consolas" pitchFamily="49" charset="0"/>
-              </a:rPr>
-              <a:t>  {</a:t>
-            </a:r>
-          </a:p>
-          <a:p>
-            <a:r>
-              <a:rPr lang="en-US" sz="2800" dirty="0" smtClean="0">
-                <a:latin typeface="Consolas" pitchFamily="49" charset="0"/>
-                <a:cs typeface="Consolas" pitchFamily="49" charset="0"/>
-              </a:rPr>
-              <a:t>    name = shared</a:t>
-            </a:r>
-          </a:p>
-          <a:p>
-            <a:r>
-              <a:rPr lang="en-US" sz="2800" dirty="0" smtClean="0">
-                <a:latin typeface="Consolas" pitchFamily="49" charset="0"/>
-                <a:cs typeface="Consolas" pitchFamily="49" charset="0"/>
-              </a:rPr>
-              <a:t>    path = "</a:t>
-            </a:r>
-            <a:r>
-              <a:rPr lang="en-US" sz="2800" dirty="0" err="1" smtClean="0">
-                <a:latin typeface="Consolas" pitchFamily="49" charset="0"/>
-                <a:cs typeface="Consolas" pitchFamily="49" charset="0"/>
-              </a:rPr>
-              <a:t>zk</a:t>
-            </a:r>
-            <a:r>
-              <a:rPr lang="en-US" sz="2800" dirty="0" smtClean="0">
-                <a:latin typeface="Consolas" pitchFamily="49" charset="0"/>
-                <a:cs typeface="Consolas" pitchFamily="49" charset="0"/>
-              </a:rPr>
-              <a:t>://</a:t>
-            </a:r>
-            <a:r>
-              <a:rPr lang="en-US" sz="2800" dirty="0" err="1" smtClean="0">
-                <a:latin typeface="Consolas" pitchFamily="49" charset="0"/>
-                <a:cs typeface="Consolas" pitchFamily="49" charset="0"/>
-              </a:rPr>
-              <a:t>config</a:t>
-            </a:r>
-            <a:r>
-              <a:rPr lang="en-US" sz="2800" dirty="0" smtClean="0">
-                <a:latin typeface="Consolas" pitchFamily="49" charset="0"/>
-                <a:cs typeface="Consolas" pitchFamily="49" charset="0"/>
-              </a:rPr>
-              <a:t>/${environ}.</a:t>
-            </a:r>
-            <a:r>
-              <a:rPr lang="en-US" sz="2800" dirty="0" err="1" smtClean="0">
-                <a:latin typeface="Consolas" pitchFamily="49" charset="0"/>
-                <a:cs typeface="Consolas" pitchFamily="49" charset="0"/>
-              </a:rPr>
-              <a:t>conf</a:t>
-            </a:r>
-            <a:r>
-              <a:rPr lang="en-US" sz="2800" dirty="0" smtClean="0">
-                <a:latin typeface="Consolas" pitchFamily="49" charset="0"/>
-                <a:cs typeface="Consolas" pitchFamily="49" charset="0"/>
-              </a:rPr>
-              <a:t>"</a:t>
-            </a:r>
-          </a:p>
-          <a:p>
-            <a:r>
-              <a:rPr lang="en-US" sz="2800" dirty="0" smtClean="0">
-                <a:latin typeface="Consolas" pitchFamily="49" charset="0"/>
-                <a:cs typeface="Consolas" pitchFamily="49" charset="0"/>
-              </a:rPr>
-              <a:t>  }</a:t>
-            </a:r>
-          </a:p>
-          <a:p>
-            <a:r>
-              <a:rPr lang="en-US" sz="2800" dirty="0" smtClean="0">
-                <a:latin typeface="Consolas" pitchFamily="49" charset="0"/>
-                <a:cs typeface="Consolas" pitchFamily="49" charset="0"/>
-              </a:rPr>
-              <a:t>]</a:t>
-            </a:r>
-          </a:p>
-          <a:p>
-            <a:endParaRPr lang="en-US" sz="2400" dirty="0" smtClean="0"/>
-          </a:p>
-          <a:p>
-            <a:r>
-              <a:rPr lang="en-US" sz="2400" dirty="0" smtClean="0"/>
-              <a:t>  </a:t>
-            </a:r>
-            <a:endParaRPr lang="en-US" sz="2400" dirty="0"/>
+              <a:rPr lang="en-US" sz="2800" dirty="0" smtClean="0"/>
+              <a:t> merging</a:t>
+            </a:r>
+          </a:p>
+          <a:p>
+            <a:pPr lvl="1"/>
+            <a:r>
+              <a:rPr lang="en-US" sz="2800" dirty="0" smtClean="0"/>
+              <a:t>Pluggable resource handling</a:t>
+            </a:r>
+          </a:p>
+          <a:p>
+            <a:pPr lvl="1"/>
+            <a:r>
+              <a:rPr lang="en-US" sz="2800" dirty="0"/>
+              <a:t>a</a:t>
+            </a:r>
+            <a:r>
+              <a:rPr lang="en-US" sz="2800" dirty="0" smtClean="0"/>
+              <a:t>nd more</a:t>
+            </a:r>
+            <a:endParaRPr lang="en-US" sz="2800" dirty="0"/>
           </a:p>
         </p:txBody>
       </p:sp>
     </p:spTree>
     <p:extLst>
       <p:ext uri="{BB962C8B-B14F-4D97-AF65-F5344CB8AC3E}">
-        <p14:creationId xmlns:p14="http://schemas.microsoft.com/office/powerpoint/2010/main" val="2559350435"/>
+        <p14:creationId xmlns:p14="http://schemas.microsoft.com/office/powerpoint/2010/main" val="2005606044"/>
       </p:ext>
     </p:extLst>
   </p:cSld>
@@ -12436,7 +12524,7 @@
           <a:p>
             <a:r>
               <a:rPr lang="en-US" dirty="0" smtClean="0"/>
-              <a:t>Scopes API</a:t>
+              <a:t>Scopes Configuration</a:t>
             </a:r>
             <a:endParaRPr lang="en-US" dirty="0"/>
           </a:p>
@@ -12444,94 +12532,305 @@
       </p:sp>
       <p:sp>
         <p:nvSpPr>
-          <p:cNvPr id="3" name="Content Placeholder 2"/>
-          <p:cNvSpPr>
-            <a:spLocks noGrp="1"/>
-          </p:cNvSpPr>
-          <p:nvPr>
-            <p:ph idx="1"/>
-          </p:nvPr>
-        </p:nvSpPr>
-        <p:spPr/>
-        <p:txBody>
-          <a:bodyPr>
-            <a:normAutofit/>
+          <p:cNvPr id="5" name="TextBox 4"/>
+          <p:cNvSpPr txBox="1"/>
+          <p:nvPr/>
+        </p:nvSpPr>
+        <p:spPr>
+          <a:xfrm>
+            <a:off x="498474" y="1196903"/>
+            <a:ext cx="8740467" cy="6863418"/>
+          </a:xfrm>
+          <a:prstGeom prst="rect">
+            <a:avLst/>
+          </a:prstGeom>
+          <a:noFill/>
+        </p:spPr>
+        <p:txBody>
+          <a:bodyPr wrap="square" rtlCol="0">
+            <a:spAutoFit/>
           </a:bodyPr>
           <a:lstStyle/>
           <a:p>
             <a:r>
-              <a:rPr lang="en-US" sz="2800" dirty="0" smtClean="0"/>
-              <a:t>Superset of </a:t>
-            </a:r>
-            <a:r>
-              <a:rPr lang="en-US" sz="2800" dirty="0" err="1" smtClean="0"/>
-              <a:t>Typesafe</a:t>
-            </a:r>
-            <a:r>
-              <a:rPr lang="en-US" sz="2800" dirty="0" smtClean="0"/>
-              <a:t> </a:t>
-            </a:r>
-            <a:r>
-              <a:rPr lang="en-US" sz="2800" dirty="0" err="1" smtClean="0"/>
-              <a:t>Config</a:t>
-            </a:r>
-            <a:r>
-              <a:rPr lang="en-US" sz="2800" dirty="0" smtClean="0"/>
-              <a:t> API</a:t>
-            </a:r>
-          </a:p>
-          <a:p>
-            <a:r>
-              <a:rPr lang="en-US" sz="2800" dirty="0" smtClean="0"/>
-              <a:t>Adds</a:t>
-            </a:r>
-          </a:p>
-          <a:p>
-            <a:pPr lvl="1"/>
-            <a:r>
-              <a:rPr lang="en-US" sz="2800" dirty="0" smtClean="0"/>
-              <a:t>Scala API</a:t>
-            </a:r>
-          </a:p>
-          <a:p>
-            <a:pPr lvl="1"/>
-            <a:r>
-              <a:rPr lang="en-US" sz="2800" dirty="0" smtClean="0"/>
-              <a:t>Resource values</a:t>
-            </a:r>
-          </a:p>
-          <a:p>
-            <a:pPr lvl="1"/>
-            <a:r>
-              <a:rPr lang="en-US" sz="2800" dirty="0" smtClean="0"/>
-              <a:t>Defaults</a:t>
-            </a:r>
-          </a:p>
-          <a:p>
-            <a:pPr lvl="1"/>
-            <a:r>
-              <a:rPr lang="en-US" sz="2800" dirty="0" smtClean="0"/>
-              <a:t>Dynamic updates</a:t>
-            </a:r>
-          </a:p>
-          <a:p>
-            <a:pPr lvl="1"/>
-            <a:r>
-              <a:rPr lang="en-US" sz="2800" dirty="0"/>
-              <a:t>a</a:t>
-            </a:r>
-            <a:r>
-              <a:rPr lang="en-US" sz="2800" dirty="0" smtClean="0"/>
-              <a:t>nd more</a:t>
-            </a:r>
-            <a:endParaRPr lang="en-US" sz="2800" dirty="0"/>
+              <a:rPr lang="en-US" sz="2800" dirty="0" smtClean="0">
+                <a:latin typeface="Consolas" pitchFamily="49" charset="0"/>
+                <a:cs typeface="Consolas" pitchFamily="49" charset="0"/>
+              </a:rPr>
+              <a:t>scopes = [</a:t>
+            </a:r>
+          </a:p>
+          <a:p>
+            <a:r>
+              <a:rPr lang="en-US" sz="2800" dirty="0" smtClean="0">
+                <a:latin typeface="Consolas" pitchFamily="49" charset="0"/>
+                <a:cs typeface="Consolas" pitchFamily="49" charset="0"/>
+              </a:rPr>
+              <a:t>  {</a:t>
+            </a:r>
+          </a:p>
+          <a:p>
+            <a:r>
+              <a:rPr lang="en-US" sz="2800" dirty="0" smtClean="0">
+                <a:latin typeface="Consolas" pitchFamily="49" charset="0"/>
+                <a:cs typeface="Consolas" pitchFamily="49" charset="0"/>
+              </a:rPr>
+              <a:t>    name = application</a:t>
+            </a:r>
+          </a:p>
+          <a:p>
+            <a:r>
+              <a:rPr lang="en-US" sz="2800" dirty="0" smtClean="0">
+                <a:latin typeface="Consolas" pitchFamily="49" charset="0"/>
+                <a:cs typeface="Consolas" pitchFamily="49" charset="0"/>
+              </a:rPr>
+              <a:t>    path = "</a:t>
+            </a:r>
+            <a:r>
+              <a:rPr lang="en-US" sz="2800" dirty="0" err="1" smtClean="0">
+                <a:latin typeface="Consolas" pitchFamily="49" charset="0"/>
+                <a:cs typeface="Consolas" pitchFamily="49" charset="0"/>
+              </a:rPr>
+              <a:t>classpath</a:t>
+            </a:r>
+            <a:r>
+              <a:rPr lang="en-US" sz="2800" dirty="0" smtClean="0">
+                <a:latin typeface="Consolas" pitchFamily="49" charset="0"/>
+                <a:cs typeface="Consolas" pitchFamily="49" charset="0"/>
+              </a:rPr>
+              <a:t>://</a:t>
+            </a:r>
+            <a:r>
+              <a:rPr lang="en-US" sz="2800" dirty="0" err="1" smtClean="0">
+                <a:latin typeface="Consolas" pitchFamily="49" charset="0"/>
+                <a:cs typeface="Consolas" pitchFamily="49" charset="0"/>
+              </a:rPr>
+              <a:t>config.conf</a:t>
+            </a:r>
+            <a:r>
+              <a:rPr lang="en-US" sz="2800" dirty="0" smtClean="0">
+                <a:latin typeface="Consolas" pitchFamily="49" charset="0"/>
+                <a:cs typeface="Consolas" pitchFamily="49" charset="0"/>
+              </a:rPr>
+              <a:t>"</a:t>
+            </a:r>
+          </a:p>
+          <a:p>
+            <a:r>
+              <a:rPr lang="en-US" sz="2800" dirty="0" smtClean="0">
+                <a:latin typeface="Consolas" pitchFamily="49" charset="0"/>
+                <a:cs typeface="Consolas" pitchFamily="49" charset="0"/>
+              </a:rPr>
+              <a:t>  }</a:t>
+            </a:r>
+          </a:p>
+          <a:p>
+            <a:r>
+              <a:rPr lang="en-US" sz="2800" dirty="0">
+                <a:latin typeface="Consolas" pitchFamily="49" charset="0"/>
+                <a:cs typeface="Consolas" pitchFamily="49" charset="0"/>
+              </a:rPr>
+              <a:t> {</a:t>
+            </a:r>
+          </a:p>
+          <a:p>
+            <a:r>
+              <a:rPr lang="en-US" sz="2800" dirty="0">
+                <a:latin typeface="Consolas" pitchFamily="49" charset="0"/>
+                <a:cs typeface="Consolas" pitchFamily="49" charset="0"/>
+              </a:rPr>
+              <a:t>    name = shared</a:t>
+            </a:r>
+          </a:p>
+          <a:p>
+            <a:r>
+              <a:rPr lang="en-US" sz="2800" dirty="0">
+                <a:latin typeface="Consolas" pitchFamily="49" charset="0"/>
+                <a:cs typeface="Consolas" pitchFamily="49" charset="0"/>
+              </a:rPr>
+              <a:t>    path = </a:t>
+            </a:r>
+            <a:r>
+              <a:rPr lang="en-US" sz="2800" dirty="0" smtClean="0">
+                <a:latin typeface="Consolas" pitchFamily="49" charset="0"/>
+                <a:cs typeface="Consolas" pitchFamily="49" charset="0"/>
+              </a:rPr>
+              <a:t>"</a:t>
+            </a:r>
+            <a:r>
+              <a:rPr lang="en-US" sz="2800" dirty="0" err="1" smtClean="0">
+                <a:latin typeface="Consolas" pitchFamily="49" charset="0"/>
+                <a:cs typeface="Consolas" pitchFamily="49" charset="0"/>
+              </a:rPr>
+              <a:t>zk</a:t>
+            </a:r>
+            <a:r>
+              <a:rPr lang="en-US" sz="2800" dirty="0">
+                <a:latin typeface="Consolas" pitchFamily="49" charset="0"/>
+                <a:cs typeface="Consolas" pitchFamily="49" charset="0"/>
+              </a:rPr>
+              <a:t>://</a:t>
+            </a:r>
+            <a:r>
+              <a:rPr lang="en-US" sz="2800" dirty="0" err="1" smtClean="0">
+                <a:latin typeface="Consolas" pitchFamily="49" charset="0"/>
+                <a:cs typeface="Consolas" pitchFamily="49" charset="0"/>
+              </a:rPr>
+              <a:t>config</a:t>
+            </a:r>
+            <a:r>
+              <a:rPr lang="en-US" sz="2800" dirty="0" smtClean="0">
+                <a:latin typeface="Consolas" pitchFamily="49" charset="0"/>
+                <a:cs typeface="Consolas" pitchFamily="49" charset="0"/>
+              </a:rPr>
+              <a:t>/</a:t>
+            </a:r>
+            <a:r>
+              <a:rPr lang="en-US" sz="2800" dirty="0" err="1" smtClean="0">
+                <a:latin typeface="Consolas" pitchFamily="49" charset="0"/>
+                <a:cs typeface="Consolas" pitchFamily="49" charset="0"/>
+              </a:rPr>
+              <a:t>config.conf</a:t>
+            </a:r>
+            <a:r>
+              <a:rPr lang="en-US" sz="2800" dirty="0" smtClean="0">
+                <a:latin typeface="Consolas" pitchFamily="49" charset="0"/>
+                <a:cs typeface="Consolas" pitchFamily="49" charset="0"/>
+              </a:rPr>
+              <a:t>"</a:t>
+            </a:r>
+            <a:endParaRPr lang="en-US" sz="2800" dirty="0">
+              <a:latin typeface="Consolas" pitchFamily="49" charset="0"/>
+              <a:cs typeface="Consolas" pitchFamily="49" charset="0"/>
+            </a:endParaRPr>
+          </a:p>
+          <a:p>
+            <a:r>
+              <a:rPr lang="en-US" sz="2800" dirty="0">
+                <a:latin typeface="Consolas" pitchFamily="49" charset="0"/>
+                <a:cs typeface="Consolas" pitchFamily="49" charset="0"/>
+              </a:rPr>
+              <a:t>  }</a:t>
+            </a:r>
+            <a:endParaRPr lang="en-US" sz="2800" dirty="0" smtClean="0">
+              <a:latin typeface="Consolas" pitchFamily="49" charset="0"/>
+              <a:cs typeface="Consolas" pitchFamily="49" charset="0"/>
+            </a:endParaRPr>
+          </a:p>
+          <a:p>
+            <a:r>
+              <a:rPr lang="en-US" sz="2800" dirty="0" smtClean="0">
+                <a:latin typeface="Consolas" pitchFamily="49" charset="0"/>
+                <a:cs typeface="Consolas" pitchFamily="49" charset="0"/>
+              </a:rPr>
+              <a:t>  {</a:t>
+            </a:r>
+          </a:p>
+          <a:p>
+            <a:r>
+              <a:rPr lang="en-US" sz="2800" dirty="0" smtClean="0">
+                <a:latin typeface="Consolas" pitchFamily="49" charset="0"/>
+                <a:cs typeface="Consolas" pitchFamily="49" charset="0"/>
+              </a:rPr>
+              <a:t>    name = </a:t>
+            </a:r>
+            <a:r>
+              <a:rPr lang="en-US" sz="2800" dirty="0" smtClean="0">
+                <a:latin typeface="Consolas" pitchFamily="49" charset="0"/>
+                <a:cs typeface="Consolas" pitchFamily="49" charset="0"/>
+              </a:rPr>
+              <a:t>environment</a:t>
+            </a:r>
+            <a:endParaRPr lang="en-US" sz="2800" dirty="0" smtClean="0">
+              <a:latin typeface="Consolas" pitchFamily="49" charset="0"/>
+              <a:cs typeface="Consolas" pitchFamily="49" charset="0"/>
+            </a:endParaRPr>
+          </a:p>
+          <a:p>
+            <a:r>
+              <a:rPr lang="en-US" sz="2800" dirty="0" smtClean="0">
+                <a:latin typeface="Consolas" pitchFamily="49" charset="0"/>
+                <a:cs typeface="Consolas" pitchFamily="49" charset="0"/>
+              </a:rPr>
+              <a:t>    path = "</a:t>
+            </a:r>
+            <a:r>
+              <a:rPr lang="en-US" sz="2800" dirty="0" err="1" smtClean="0">
+                <a:latin typeface="Consolas" pitchFamily="49" charset="0"/>
+                <a:cs typeface="Consolas" pitchFamily="49" charset="0"/>
+              </a:rPr>
+              <a:t>zk</a:t>
+            </a:r>
+            <a:r>
+              <a:rPr lang="en-US" sz="2800" dirty="0" smtClean="0">
+                <a:latin typeface="Consolas" pitchFamily="49" charset="0"/>
+                <a:cs typeface="Consolas" pitchFamily="49" charset="0"/>
+              </a:rPr>
+              <a:t>://</a:t>
+            </a:r>
+            <a:r>
+              <a:rPr lang="en-US" sz="2800" dirty="0" err="1" smtClean="0">
+                <a:latin typeface="Consolas" pitchFamily="49" charset="0"/>
+                <a:cs typeface="Consolas" pitchFamily="49" charset="0"/>
+              </a:rPr>
+              <a:t>config</a:t>
+            </a:r>
+            <a:r>
+              <a:rPr lang="en-US" sz="2800" dirty="0" smtClean="0">
+                <a:latin typeface="Consolas" pitchFamily="49" charset="0"/>
+                <a:cs typeface="Consolas" pitchFamily="49" charset="0"/>
+              </a:rPr>
+              <a:t>/${environ}.</a:t>
+            </a:r>
+            <a:r>
+              <a:rPr lang="en-US" sz="2800" dirty="0" err="1" smtClean="0">
+                <a:latin typeface="Consolas" pitchFamily="49" charset="0"/>
+                <a:cs typeface="Consolas" pitchFamily="49" charset="0"/>
+              </a:rPr>
+              <a:t>conf</a:t>
+            </a:r>
+            <a:r>
+              <a:rPr lang="en-US" sz="2800" dirty="0" smtClean="0">
+                <a:latin typeface="Consolas" pitchFamily="49" charset="0"/>
+                <a:cs typeface="Consolas" pitchFamily="49" charset="0"/>
+              </a:rPr>
+              <a:t>"</a:t>
+            </a:r>
+          </a:p>
+          <a:p>
+            <a:r>
+              <a:rPr lang="en-US" sz="2800" dirty="0" smtClean="0">
+                <a:latin typeface="Consolas" pitchFamily="49" charset="0"/>
+                <a:cs typeface="Consolas" pitchFamily="49" charset="0"/>
+              </a:rPr>
+              <a:t>  }</a:t>
+            </a:r>
+          </a:p>
+          <a:p>
+            <a:r>
+              <a:rPr lang="en-US" sz="2800" dirty="0" smtClean="0">
+                <a:latin typeface="Consolas" pitchFamily="49" charset="0"/>
+                <a:cs typeface="Consolas" pitchFamily="49" charset="0"/>
+              </a:rPr>
+              <a:t>]</a:t>
+            </a:r>
+          </a:p>
+          <a:p>
+            <a:endParaRPr lang="en-US" sz="2400" dirty="0" smtClean="0"/>
+          </a:p>
+          <a:p>
+            <a:r>
+              <a:rPr lang="en-US" sz="2400" dirty="0" smtClean="0"/>
+              <a:t>  </a:t>
+            </a:r>
+            <a:endParaRPr lang="en-US" sz="2400" dirty="0"/>
           </a:p>
         </p:txBody>
       </p:sp>
     </p:spTree>
     <p:extLst>
       <p:ext uri="{BB962C8B-B14F-4D97-AF65-F5344CB8AC3E}">
-        <p14:creationId xmlns:p14="http://schemas.microsoft.com/office/powerpoint/2010/main" val="912494152"/>
+        <p14:creationId xmlns:p14="http://schemas.microsoft.com/office/powerpoint/2010/main" val="2559350435"/>
       </p:ext>
     </p:extLst>
   </p:cSld>
@@ -12582,7 +12881,7 @@
           <a:p>
             <a:r>
               <a:rPr lang="en-US" dirty="0" smtClean="0"/>
-              <a:t>Extended API</a:t>
+              <a:t>Scopes API</a:t>
             </a:r>
             <a:endParaRPr lang="en-US" dirty="0"/>
           </a:p>
@@ -12590,269 +12889,94 @@
       </p:sp>
       <p:sp>
         <p:nvSpPr>
-          <p:cNvPr id="4" name="TextBox 3"/>
-          <p:cNvSpPr txBox="1"/>
-          <p:nvPr/>
-        </p:nvSpPr>
-        <p:spPr>
-          <a:xfrm>
-            <a:off x="457200" y="1535759"/>
-            <a:ext cx="8229600" cy="5109091"/>
-          </a:xfrm>
-          <a:prstGeom prst="rect">
-            <a:avLst/>
-          </a:prstGeom>
-          <a:noFill/>
-        </p:spPr>
-        <p:txBody>
-          <a:bodyPr wrap="square" rtlCol="0">
-            <a:spAutoFit/>
+          <p:cNvPr id="3" name="Content Placeholder 2"/>
+          <p:cNvSpPr>
+            <a:spLocks noGrp="1"/>
+          </p:cNvSpPr>
+          <p:nvPr>
+            <p:ph idx="1"/>
+          </p:nvPr>
+        </p:nvSpPr>
+        <p:spPr/>
+        <p:txBody>
+          <a:bodyPr>
+            <a:normAutofit/>
           </a:bodyPr>
           <a:lstStyle/>
           <a:p>
             <a:r>
-              <a:rPr lang="en-US" sz="2800" dirty="0">
-                <a:latin typeface="Consolas"/>
-                <a:cs typeface="Consolas"/>
-              </a:rPr>
-              <a:t>demo {</a:t>
-            </a:r>
-          </a:p>
-          <a:p>
-            <a:r>
-              <a:rPr lang="en-US" sz="2800" dirty="0" smtClean="0">
-                <a:latin typeface="Consolas"/>
-                <a:cs typeface="Consolas"/>
-              </a:rPr>
-              <a:t>  </a:t>
-            </a:r>
-            <a:r>
-              <a:rPr lang="en-US" sz="2800" dirty="0" err="1" smtClean="0">
-                <a:latin typeface="Consolas"/>
-                <a:cs typeface="Consolas"/>
-              </a:rPr>
-              <a:t>jms.brokers</a:t>
-            </a:r>
-            <a:r>
-              <a:rPr lang="en-US" sz="2800" dirty="0" smtClean="0">
-                <a:latin typeface="Consolas"/>
-                <a:cs typeface="Consolas"/>
-              </a:rPr>
+              <a:rPr lang="en-US" sz="2800" dirty="0" smtClean="0"/>
+              <a:t>Superset of </a:t>
+            </a:r>
+            <a:r>
+              <a:rPr lang="en-US" sz="2800" dirty="0" err="1" smtClean="0"/>
+              <a:t>Typesafe</a:t>
+            </a:r>
+            <a:r>
+              <a:rPr lang="en-US" sz="2800" dirty="0" smtClean="0"/>
               <a:t> </a:t>
             </a:r>
             <a:r>
-              <a:rPr lang="en-US" sz="2800" dirty="0">
-                <a:latin typeface="Consolas"/>
-                <a:cs typeface="Consolas"/>
-              </a:rPr>
-              <a:t>= </a:t>
-            </a:r>
-          </a:p>
-          <a:p>
-            <a:r>
-              <a:rPr lang="en-US" sz="2800" dirty="0">
-                <a:latin typeface="Consolas"/>
-                <a:cs typeface="Consolas"/>
-              </a:rPr>
-              <a:t>    </a:t>
-            </a:r>
-            <a:r>
-              <a:rPr lang="en-US" sz="2800" dirty="0" smtClean="0">
-                <a:latin typeface="Consolas"/>
-                <a:cs typeface="Consolas"/>
-              </a:rPr>
-              <a:t>["nyamq10", "sfamq20", "jpamq54" </a:t>
-            </a:r>
-            <a:r>
-              <a:rPr lang="en-US" sz="2800" dirty="0">
-                <a:latin typeface="Consolas"/>
-                <a:cs typeface="Consolas"/>
-              </a:rPr>
-              <a:t>]</a:t>
-            </a:r>
-            <a:r>
-              <a:rPr lang="en-US" sz="2800" dirty="0" smtClean="0">
-                <a:latin typeface="Consolas"/>
-                <a:cs typeface="Consolas"/>
-              </a:rPr>
-              <a:t> </a:t>
-            </a:r>
-          </a:p>
-          <a:p>
-            <a:r>
-              <a:rPr lang="en-US" sz="2800" dirty="0" smtClean="0">
-                <a:latin typeface="Consolas"/>
-                <a:cs typeface="Consolas"/>
-              </a:rPr>
-              <a:t>} </a:t>
-            </a:r>
-          </a:p>
-          <a:p>
-            <a:endParaRPr lang="en-US" sz="2800" dirty="0">
-              <a:latin typeface="Consolas"/>
-              <a:cs typeface="Consolas"/>
-            </a:endParaRPr>
-          </a:p>
-          <a:p>
-            <a:endParaRPr lang="en-US" sz="2800" dirty="0">
-              <a:latin typeface="Consolas"/>
-              <a:cs typeface="Consolas"/>
-            </a:endParaRPr>
-          </a:p>
-          <a:p>
-            <a:r>
-              <a:rPr lang="en-US" sz="2800" dirty="0" err="1">
-                <a:latin typeface="Consolas"/>
-                <a:cs typeface="Consolas"/>
-              </a:rPr>
-              <a:t>v</a:t>
-            </a:r>
-            <a:r>
-              <a:rPr lang="en-US" sz="2800" dirty="0" err="1" smtClean="0">
-                <a:latin typeface="Consolas"/>
-                <a:cs typeface="Consolas"/>
-              </a:rPr>
-              <a:t>al</a:t>
-            </a:r>
-            <a:r>
-              <a:rPr lang="en-US" sz="2800" dirty="0" smtClean="0">
-                <a:latin typeface="Consolas"/>
-                <a:cs typeface="Consolas"/>
-              </a:rPr>
-              <a:t> </a:t>
-            </a:r>
-            <a:r>
-              <a:rPr lang="en-US" sz="2800" dirty="0" err="1" smtClean="0">
-                <a:latin typeface="Consolas"/>
-                <a:cs typeface="Consolas"/>
-              </a:rPr>
-              <a:t>config</a:t>
-            </a:r>
-            <a:r>
-              <a:rPr lang="en-US" sz="2800" dirty="0" smtClean="0">
-                <a:latin typeface="Consolas"/>
-                <a:cs typeface="Consolas"/>
-              </a:rPr>
-              <a:t> = </a:t>
-            </a:r>
-            <a:r>
-              <a:rPr lang="en-US" sz="2800" dirty="0" err="1" smtClean="0">
-                <a:latin typeface="Consolas"/>
-                <a:cs typeface="Consolas"/>
-              </a:rPr>
-              <a:t>Scopes.config</a:t>
-            </a:r>
-            <a:r>
-              <a:rPr lang="en-US" sz="2800" dirty="0" smtClean="0">
-                <a:latin typeface="Consolas"/>
-                <a:cs typeface="Consolas"/>
-              </a:rPr>
-              <a:t>()</a:t>
-            </a:r>
-          </a:p>
-          <a:p>
-            <a:endParaRPr lang="en-US" sz="2800" dirty="0" smtClean="0">
-              <a:latin typeface="Consolas"/>
-              <a:cs typeface="Consolas"/>
-            </a:endParaRPr>
-          </a:p>
-          <a:p>
-            <a:r>
-              <a:rPr lang="en-US" sz="2800" dirty="0" smtClean="0">
-                <a:latin typeface="Consolas"/>
-                <a:cs typeface="Consolas"/>
-              </a:rPr>
-              <a:t># Scala collections are used by default</a:t>
-            </a:r>
-            <a:endParaRPr lang="en-US" sz="2800" dirty="0">
-              <a:latin typeface="Consolas"/>
-              <a:cs typeface="Consolas"/>
-            </a:endParaRPr>
-          </a:p>
-          <a:p>
-            <a:r>
-              <a:rPr lang="en-US" sz="2800" dirty="0" err="1" smtClean="0">
-                <a:latin typeface="Consolas"/>
-                <a:cs typeface="Consolas"/>
-              </a:rPr>
-              <a:t>config.getStringList</a:t>
-            </a:r>
-            <a:r>
-              <a:rPr lang="en-US" sz="2800" dirty="0" smtClean="0">
-                <a:latin typeface="Consolas"/>
-                <a:cs typeface="Consolas"/>
-              </a:rPr>
-              <a:t>("</a:t>
-            </a:r>
-            <a:r>
-              <a:rPr lang="en-US" sz="2800" dirty="0" err="1" smtClean="0">
-                <a:latin typeface="Consolas"/>
-                <a:cs typeface="Consolas"/>
-              </a:rPr>
-              <a:t>demo.jms.brokers</a:t>
-            </a:r>
-            <a:r>
-              <a:rPr lang="en-US" sz="2800" dirty="0" smtClean="0">
-                <a:latin typeface="Consolas"/>
-                <a:cs typeface="Consolas"/>
-              </a:rPr>
-              <a:t>").</a:t>
-            </a:r>
-          </a:p>
-          <a:p>
-            <a:r>
-              <a:rPr lang="en-US" sz="2800" dirty="0">
-                <a:latin typeface="Consolas"/>
-                <a:cs typeface="Consolas"/>
-              </a:rPr>
-              <a:t> </a:t>
-            </a:r>
-            <a:r>
-              <a:rPr lang="en-US" sz="2800" dirty="0" smtClean="0">
-                <a:latin typeface="Consolas"/>
-                <a:cs typeface="Consolas"/>
-              </a:rPr>
-              <a:t> </a:t>
-            </a:r>
-            <a:r>
-              <a:rPr lang="en-US" sz="2800" dirty="0" err="1" smtClean="0">
-                <a:latin typeface="Consolas"/>
-                <a:cs typeface="Consolas"/>
-              </a:rPr>
-              <a:t>foreach</a:t>
-            </a:r>
-            <a:r>
-              <a:rPr lang="en-US" sz="2800" dirty="0" smtClean="0">
-                <a:latin typeface="Consolas"/>
-                <a:cs typeface="Consolas"/>
-              </a:rPr>
-              <a:t>(</a:t>
-            </a:r>
-            <a:r>
-              <a:rPr lang="en-US" sz="2800" dirty="0" err="1" smtClean="0">
-                <a:latin typeface="Consolas"/>
-                <a:cs typeface="Consolas"/>
-              </a:rPr>
-              <a:t>println</a:t>
-            </a:r>
-            <a:r>
-              <a:rPr lang="en-US" sz="2800" dirty="0" smtClean="0">
-                <a:latin typeface="Consolas"/>
-                <a:cs typeface="Consolas"/>
-              </a:rPr>
-              <a:t>)</a:t>
-            </a:r>
-            <a:endParaRPr lang="en-US" sz="2800" dirty="0" smtClean="0"/>
-          </a:p>
-          <a:p>
-            <a:endParaRPr lang="en-US" dirty="0"/>
+              <a:rPr lang="en-US" sz="2800" dirty="0" err="1" smtClean="0"/>
+              <a:t>Config</a:t>
+            </a:r>
+            <a:r>
+              <a:rPr lang="en-US" sz="2800" dirty="0" smtClean="0"/>
+              <a:t> API</a:t>
+            </a:r>
+          </a:p>
+          <a:p>
+            <a:r>
+              <a:rPr lang="en-US" sz="2800" dirty="0" smtClean="0"/>
+              <a:t>Adds</a:t>
+            </a:r>
+          </a:p>
+          <a:p>
+            <a:pPr lvl="1"/>
+            <a:r>
+              <a:rPr lang="en-US" sz="2800" dirty="0" smtClean="0"/>
+              <a:t>Scala API</a:t>
+            </a:r>
+          </a:p>
+          <a:p>
+            <a:pPr lvl="1"/>
+            <a:r>
+              <a:rPr lang="en-US" sz="2800" dirty="0" smtClean="0"/>
+              <a:t>Resource values</a:t>
+            </a:r>
+          </a:p>
+          <a:p>
+            <a:pPr lvl="1"/>
+            <a:r>
+              <a:rPr lang="en-US" sz="2800" dirty="0" smtClean="0"/>
+              <a:t>Defaults</a:t>
+            </a:r>
+          </a:p>
+          <a:p>
+            <a:pPr lvl="1"/>
+            <a:r>
+              <a:rPr lang="en-US" sz="2800" dirty="0" smtClean="0"/>
+              <a:t>Dynamic updates</a:t>
+            </a:r>
+          </a:p>
+          <a:p>
+            <a:pPr lvl="1"/>
+            <a:r>
+              <a:rPr lang="en-US" sz="2800" dirty="0"/>
+              <a:t>a</a:t>
+            </a:r>
+            <a:r>
+              <a:rPr lang="en-US" sz="2800" dirty="0" smtClean="0"/>
+              <a:t>nd more</a:t>
+            </a:r>
+            <a:endParaRPr lang="en-US" sz="2800" dirty="0"/>
           </a:p>
         </p:txBody>
       </p:sp>
     </p:spTree>
     <p:extLst>
       <p:ext uri="{BB962C8B-B14F-4D97-AF65-F5344CB8AC3E}">
-        <p14:creationId xmlns:p14="http://schemas.microsoft.com/office/powerpoint/2010/main" val="2254827166"/>
+        <p14:creationId xmlns:p14="http://schemas.microsoft.com/office/powerpoint/2010/main" val="912494152"/>
       </p:ext>
     </p:extLst>
   </p:cSld>
@@ -12917,8 +13041,8 @@
         </p:nvSpPr>
         <p:spPr>
           <a:xfrm>
-            <a:off x="457200" y="1308200"/>
-            <a:ext cx="8229600" cy="5262980"/>
+            <a:off x="457200" y="1535759"/>
+            <a:ext cx="8229600" cy="5109091"/>
           </a:xfrm>
           <a:prstGeom prst="rect">
             <a:avLst/>
@@ -12941,117 +13065,137 @@
           </a:p>
           <a:p>
             <a:r>
+              <a:rPr lang="en-US" sz="2800" dirty="0" smtClean="0">
+                <a:latin typeface="Consolas"/>
+                <a:cs typeface="Consolas"/>
+              </a:rPr>
+              <a:t>  </a:t>
+            </a:r>
+            <a:r>
+              <a:rPr lang="en-US" sz="2800" dirty="0" err="1" smtClean="0">
+                <a:latin typeface="Consolas"/>
+                <a:cs typeface="Consolas"/>
+              </a:rPr>
+              <a:t>jms.brokers</a:t>
+            </a:r>
+            <a:r>
+              <a:rPr lang="en-US" sz="2800" dirty="0" smtClean="0">
+                <a:latin typeface="Consolas"/>
+                <a:cs typeface="Consolas"/>
+              </a:rPr>
+              <a:t> </a:t>
+            </a:r>
+            <a:r>
               <a:rPr lang="en-US" sz="2800" dirty="0">
                 <a:latin typeface="Consolas"/>
                 <a:cs typeface="Consolas"/>
               </a:rPr>
-              <a:t>  </a:t>
-            </a:r>
-            <a:r>
-              <a:rPr lang="en-US" sz="2800" dirty="0" err="1" smtClean="0">
-                <a:latin typeface="Consolas"/>
-                <a:cs typeface="Consolas"/>
-              </a:rPr>
-              <a:t>database.user</a:t>
+              <a:t>= </a:t>
+            </a:r>
+          </a:p>
+          <a:p>
+            <a:r>
+              <a:rPr lang="en-US" sz="2800" dirty="0">
+                <a:latin typeface="Consolas"/>
+                <a:cs typeface="Consolas"/>
+              </a:rPr>
+              <a:t>    </a:t>
             </a:r>
             <a:r>
               <a:rPr lang="en-US" sz="2800" dirty="0" smtClean="0">
                 <a:latin typeface="Consolas"/>
                 <a:cs typeface="Consolas"/>
               </a:rPr>
+              <a:t>["nyamq10", "sfamq20", "jpamq54" </a:t>
+            </a:r>
+            <a:r>
+              <a:rPr lang="en-US" sz="2800" dirty="0">
+                <a:latin typeface="Consolas"/>
+                <a:cs typeface="Consolas"/>
+              </a:rPr>
+              <a:t>]</a:t>
+            </a:r>
+            <a:r>
+              <a:rPr lang="en-US" sz="2800" dirty="0" smtClean="0">
+                <a:latin typeface="Consolas"/>
+                <a:cs typeface="Consolas"/>
+              </a:rPr>
               <a:t> </a:t>
             </a:r>
-            <a:r>
-              <a:rPr lang="en-US" sz="2800" dirty="0">
-                <a:latin typeface="Consolas"/>
-                <a:cs typeface="Consolas"/>
-              </a:rPr>
-              <a:t>= </a:t>
-            </a:r>
+          </a:p>
+          <a:p>
             <a:r>
               <a:rPr lang="en-US" sz="2800" dirty="0" smtClean="0">
                 <a:latin typeface="Consolas"/>
                 <a:cs typeface="Consolas"/>
               </a:rPr>
-              <a:t>"</a:t>
-            </a:r>
-            <a:r>
-              <a:rPr lang="en-US" sz="2800" dirty="0" err="1" smtClean="0">
-                <a:latin typeface="Consolas"/>
-                <a:cs typeface="Consolas"/>
-              </a:rPr>
-              <a:t>scott</a:t>
-            </a:r>
-            <a:r>
-              <a:rPr lang="en-US" sz="2800" dirty="0" smtClean="0">
-                <a:latin typeface="Consolas"/>
-                <a:cs typeface="Consolas"/>
-              </a:rPr>
-              <a:t>"  </a:t>
-            </a:r>
-          </a:p>
-          <a:p>
-            <a:r>
-              <a:rPr lang="en-US" sz="2800" dirty="0">
-                <a:latin typeface="Consolas"/>
-                <a:cs typeface="Consolas"/>
-              </a:rPr>
-              <a:t> </a:t>
-            </a:r>
-            <a:r>
-              <a:rPr lang="en-US" sz="2800" dirty="0" smtClean="0">
-                <a:latin typeface="Consolas"/>
-                <a:cs typeface="Consolas"/>
-              </a:rPr>
-              <a:t> </a:t>
-            </a:r>
-            <a:r>
-              <a:rPr lang="en-US" sz="2800" dirty="0" err="1" smtClean="0">
-                <a:latin typeface="Consolas"/>
-                <a:cs typeface="Consolas"/>
-              </a:rPr>
-              <a:t>database.password</a:t>
-            </a:r>
-            <a:r>
-              <a:rPr lang="en-US" sz="2800" dirty="0" smtClean="0">
-                <a:latin typeface="Consolas"/>
-                <a:cs typeface="Consolas"/>
-              </a:rPr>
-              <a:t> </a:t>
-            </a:r>
-            <a:r>
-              <a:rPr lang="en-US" sz="2800" dirty="0">
-                <a:latin typeface="Consolas"/>
-                <a:cs typeface="Consolas"/>
-              </a:rPr>
-              <a:t>= </a:t>
-            </a:r>
-            <a:r>
-              <a:rPr lang="en-US" sz="2800" dirty="0" smtClean="0">
-                <a:latin typeface="Consolas"/>
-                <a:cs typeface="Consolas"/>
-              </a:rPr>
-              <a:t>"tiger"    </a:t>
-            </a:r>
+              <a:t>} </a:t>
+            </a:r>
+          </a:p>
+          <a:p>
             <a:endParaRPr lang="en-US" sz="2800" dirty="0">
               <a:latin typeface="Consolas"/>
               <a:cs typeface="Consolas"/>
             </a:endParaRPr>
           </a:p>
           <a:p>
-            <a:r>
-              <a:rPr lang="en-US" sz="2800" dirty="0" smtClean="0">
-                <a:latin typeface="Consolas"/>
-                <a:cs typeface="Consolas"/>
-              </a:rPr>
-              <a:t>} </a:t>
-            </a:r>
             <a:endParaRPr lang="en-US" sz="2800" dirty="0">
               <a:latin typeface="Consolas"/>
               <a:cs typeface="Consolas"/>
             </a:endParaRPr>
           </a:p>
           <a:p>
+            <a:r>
+              <a:rPr lang="en-US" sz="2800" dirty="0" err="1">
+                <a:latin typeface="Consolas"/>
+                <a:cs typeface="Consolas"/>
+              </a:rPr>
+              <a:t>v</a:t>
+            </a:r>
+            <a:r>
+              <a:rPr lang="en-US" sz="2800" dirty="0" err="1" smtClean="0">
+                <a:latin typeface="Consolas"/>
+                <a:cs typeface="Consolas"/>
+              </a:rPr>
+              <a:t>al</a:t>
+            </a:r>
+            <a:r>
+              <a:rPr lang="en-US" sz="2800" dirty="0" smtClean="0">
+                <a:latin typeface="Consolas"/>
+                <a:cs typeface="Consolas"/>
+              </a:rPr>
+              <a:t> </a:t>
+            </a:r>
+            <a:r>
+              <a:rPr lang="en-US" sz="2800" dirty="0" err="1" smtClean="0">
+                <a:latin typeface="Consolas"/>
+                <a:cs typeface="Consolas"/>
+              </a:rPr>
+              <a:t>config</a:t>
+            </a:r>
+            <a:r>
+              <a:rPr lang="en-US" sz="2800" dirty="0" smtClean="0">
+                <a:latin typeface="Consolas"/>
+                <a:cs typeface="Consolas"/>
+              </a:rPr>
+              <a:t> = </a:t>
+            </a:r>
+            <a:r>
+              <a:rPr lang="en-US" sz="2800" dirty="0" err="1" smtClean="0">
+                <a:latin typeface="Consolas"/>
+                <a:cs typeface="Consolas"/>
+              </a:rPr>
+              <a:t>Scopes.config</a:t>
+            </a:r>
+            <a:r>
+              <a:rPr lang="en-US" sz="2800" dirty="0" smtClean="0">
+                <a:latin typeface="Consolas"/>
+                <a:cs typeface="Consolas"/>
+              </a:rPr>
+              <a:t>()</a:t>
+            </a:r>
+          </a:p>
+          <a:p>
             <a:endParaRPr lang="en-US" sz="2800" dirty="0" smtClean="0">
               <a:latin typeface="Consolas"/>
               <a:cs typeface="Consolas"/>
@@ -13059,77 +13203,11 @@
           </a:p>
           <a:p>
             <a:r>
-              <a:rPr lang="en-US" sz="2800" dirty="0" err="1" smtClean="0">
-                <a:latin typeface="Consolas"/>
-                <a:cs typeface="Consolas"/>
-              </a:rPr>
-              <a:t>val</a:t>
-            </a:r>
-            <a:r>
               <a:rPr lang="en-US" sz="2800" dirty="0" smtClean="0">
                 <a:latin typeface="Consolas"/>
                 <a:cs typeface="Consolas"/>
               </a:rPr>
-              <a:t> </a:t>
-            </a:r>
-            <a:r>
-              <a:rPr lang="en-US" sz="2800" dirty="0">
-                <a:latin typeface="Consolas"/>
-                <a:cs typeface="Consolas"/>
-              </a:rPr>
-              <a:t>username = </a:t>
-            </a:r>
-          </a:p>
-          <a:p>
-            <a:r>
-              <a:rPr lang="en-US" sz="2800" dirty="0">
-                <a:latin typeface="Consolas"/>
-                <a:cs typeface="Consolas"/>
-              </a:rPr>
-              <a:t>  </a:t>
-            </a:r>
-            <a:r>
-              <a:rPr lang="en-US" sz="2800" dirty="0" err="1">
-                <a:latin typeface="Consolas"/>
-                <a:cs typeface="Consolas"/>
-              </a:rPr>
-              <a:t>config.getString</a:t>
-            </a:r>
-            <a:r>
-              <a:rPr lang="en-US" sz="2800" dirty="0" smtClean="0">
-                <a:latin typeface="Consolas"/>
-                <a:cs typeface="Consolas"/>
-              </a:rPr>
-              <a:t>("</a:t>
-            </a:r>
-            <a:r>
-              <a:rPr lang="en-US" sz="2800" dirty="0" err="1" smtClean="0">
-                <a:latin typeface="Consolas"/>
-                <a:cs typeface="Consolas"/>
-              </a:rPr>
-              <a:t>db.user</a:t>
-            </a:r>
-            <a:r>
-              <a:rPr lang="en-US" sz="2800" dirty="0" smtClean="0">
-                <a:latin typeface="Consolas"/>
-                <a:cs typeface="Consolas"/>
-              </a:rPr>
-              <a:t>", "admin")</a:t>
-            </a:r>
-          </a:p>
-          <a:p>
-            <a:endParaRPr lang="en-US" sz="2800" dirty="0" smtClean="0">
-              <a:latin typeface="Consolas"/>
-              <a:cs typeface="Consolas"/>
-            </a:endParaRPr>
-          </a:p>
-          <a:p>
-            <a:r>
-              <a:rPr lang="en-US" sz="2800" dirty="0" smtClean="0">
-                <a:latin typeface="Consolas"/>
-                <a:cs typeface="Consolas"/>
-              </a:rPr>
-              <a:t># Returns Some[String] or None if not set</a:t>
+              <a:t># Scala collections are used by default</a:t>
             </a:r>
             <a:endParaRPr lang="en-US" sz="2800" dirty="0">
               <a:latin typeface="Consolas"/>
@@ -13138,111 +13216,88 @@
           </a:p>
           <a:p>
             <a:r>
-              <a:rPr lang="en-US" sz="2800" dirty="0" err="1">
-                <a:latin typeface="Consolas"/>
-                <a:cs typeface="Consolas"/>
-              </a:rPr>
-              <a:t>val</a:t>
-            </a:r>
+              <a:rPr lang="en-US" sz="2800" dirty="0" err="1" smtClean="0">
+                <a:latin typeface="Consolas"/>
+                <a:cs typeface="Consolas"/>
+              </a:rPr>
+              <a:t>config.getStringList</a:t>
+            </a:r>
+            <a:r>
+              <a:rPr lang="en-US" sz="2800" dirty="0" smtClean="0">
+                <a:latin typeface="Consolas"/>
+                <a:cs typeface="Consolas"/>
+              </a:rPr>
+              <a:t>("</a:t>
+            </a:r>
+            <a:r>
+              <a:rPr lang="en-US" sz="2800" dirty="0" err="1" smtClean="0">
+                <a:latin typeface="Consolas"/>
+                <a:cs typeface="Consolas"/>
+              </a:rPr>
+              <a:t>demo.jms.brokers</a:t>
+            </a:r>
+            <a:r>
+              <a:rPr lang="en-US" sz="2800" dirty="0" smtClean="0">
+                <a:latin typeface="Consolas"/>
+                <a:cs typeface="Consolas"/>
+              </a:rPr>
+              <a:t>").</a:t>
+            </a:r>
+          </a:p>
+          <a:p>
             <a:r>
               <a:rPr lang="en-US" sz="2800" dirty="0">
                 <a:latin typeface="Consolas"/>
                 <a:cs typeface="Consolas"/>
               </a:rPr>
-              <a:t> password </a:t>
+              <a:t> </a:t>
             </a:r>
             <a:r>
               <a:rPr lang="en-US" sz="2800" dirty="0" smtClean="0">
                 <a:latin typeface="Consolas"/>
                 <a:cs typeface="Consolas"/>
               </a:rPr>
-              <a:t>=  </a:t>
-            </a:r>
-          </a:p>
-          <a:p>
-            <a:r>
-              <a:rPr lang="en-US" sz="2800" dirty="0">
-                <a:latin typeface="Consolas"/>
-                <a:cs typeface="Consolas"/>
-              </a:rPr>
               <a:t> </a:t>
             </a:r>
             <a:r>
+              <a:rPr lang="en-US" sz="2800" dirty="0" err="1" smtClean="0">
+                <a:latin typeface="Consolas"/>
+                <a:cs typeface="Consolas"/>
+              </a:rPr>
+              <a:t>foreach</a:t>
+            </a:r>
+            <a:r>
               <a:rPr lang="en-US" sz="2800" dirty="0" smtClean="0">
                 <a:latin typeface="Consolas"/>
                 <a:cs typeface="Consolas"/>
               </a:rPr>
-              <a:t> </a:t>
+              <a:t>(</a:t>
             </a:r>
             <a:r>
               <a:rPr lang="en-US" sz="2800" dirty="0" err="1" smtClean="0">
                 <a:latin typeface="Consolas"/>
                 <a:cs typeface="Consolas"/>
               </a:rPr>
-              <a:t>config.optString</a:t>
+              <a:t>println</a:t>
             </a:r>
             <a:r>
               <a:rPr lang="en-US" sz="2800" dirty="0" smtClean="0">
                 <a:latin typeface="Consolas"/>
                 <a:cs typeface="Consolas"/>
               </a:rPr>
-              <a:t>("</a:t>
-            </a:r>
-            <a:r>
-              <a:rPr lang="en-US" sz="2800" dirty="0" err="1" smtClean="0">
-                <a:latin typeface="Consolas"/>
-                <a:cs typeface="Consolas"/>
-              </a:rPr>
-              <a:t>db.password</a:t>
-            </a:r>
-            <a:r>
-              <a:rPr lang="en-US" sz="2800" dirty="0" smtClean="0">
-                <a:latin typeface="Consolas"/>
-                <a:cs typeface="Consolas"/>
-              </a:rPr>
-              <a:t>")</a:t>
-            </a:r>
-            <a:r>
-              <a:rPr lang="en-US" sz="2800" dirty="0">
-                <a:latin typeface="Consolas"/>
-                <a:cs typeface="Consolas"/>
-              </a:rPr>
-              <a:t>.</a:t>
-            </a:r>
-          </a:p>
-          <a:p>
-            <a:r>
-              <a:rPr lang="en-US" sz="2800" dirty="0">
-                <a:latin typeface="Consolas"/>
-                <a:cs typeface="Consolas"/>
-              </a:rPr>
-              <a:t>    </a:t>
-            </a:r>
-            <a:r>
-              <a:rPr lang="en-US" sz="2800" dirty="0" err="1">
-                <a:latin typeface="Consolas"/>
-                <a:cs typeface="Consolas"/>
-              </a:rPr>
-              <a:t>getOrElse</a:t>
-            </a:r>
-            <a:r>
-              <a:rPr lang="en-US" sz="2800" dirty="0" smtClean="0">
-                <a:latin typeface="Consolas"/>
-                <a:cs typeface="Consolas"/>
-              </a:rPr>
-              <a:t>("admin")</a:t>
-            </a:r>
-            <a:endParaRPr lang="en-US" sz="2800" dirty="0">
-              <a:latin typeface="Consolas"/>
-              <a:cs typeface="Consolas"/>
-            </a:endParaRPr>
+              <a:t>)</a:t>
+            </a:r>
+            <a:endParaRPr lang="en-US" sz="2800" dirty="0" smtClean="0"/>
+          </a:p>
+          <a:p>
+            <a:endParaRPr lang="en-US" dirty="0"/>
           </a:p>
         </p:txBody>
       </p:sp>
     </p:spTree>
     <p:extLst>
       <p:ext uri="{BB962C8B-B14F-4D97-AF65-F5344CB8AC3E}">
-        <p14:creationId xmlns:p14="http://schemas.microsoft.com/office/powerpoint/2010/main" val="1709038227"/>
+        <p14:creationId xmlns:p14="http://schemas.microsoft.com/office/powerpoint/2010/main" val="2254827166"/>
       </p:ext>
     </p:extLst>
   </p:cSld>
@@ -13293,7 +13348,7 @@
           <a:p>
             <a:r>
               <a:rPr lang="en-US" dirty="0" smtClean="0"/>
-              <a:t>Resource Properties</a:t>
+              <a:t>Extended API</a:t>
             </a:r>
             <a:endParaRPr lang="en-US" dirty="0"/>
           </a:p>
@@ -13307,7 +13362,7 @@
         </p:nvSpPr>
         <p:spPr>
           <a:xfrm>
-            <a:off x="457200" y="1461778"/>
+            <a:off x="457200" y="1308200"/>
             <a:ext cx="8229600" cy="5262980"/>
           </a:xfrm>
           <a:prstGeom prst="rect">
@@ -13326,44 +13381,102 @@
                 <a:latin typeface="Consolas"/>
                 <a:cs typeface="Consolas"/>
               </a:rPr>
-              <a:t>demo </a:t>
+              <a:t>demo {</a:t>
+            </a:r>
+          </a:p>
+          <a:p>
+            <a:r>
+              <a:rPr lang="en-US" sz="2800" dirty="0">
+                <a:latin typeface="Consolas"/>
+                <a:cs typeface="Consolas"/>
+              </a:rPr>
+              <a:t>  </a:t>
+            </a:r>
+            <a:r>
+              <a:rPr lang="en-US" sz="2800" dirty="0" err="1" smtClean="0">
+                <a:latin typeface="Consolas"/>
+                <a:cs typeface="Consolas"/>
+              </a:rPr>
+              <a:t>database.user</a:t>
             </a:r>
             <a:r>
               <a:rPr lang="en-US" sz="2800" dirty="0" smtClean="0">
                 <a:latin typeface="Consolas"/>
                 <a:cs typeface="Consolas"/>
               </a:rPr>
-              <a:t>{</a:t>
-            </a:r>
-          </a:p>
-          <a:p>
+              <a:t> </a:t>
+            </a:r>
+            <a:r>
+              <a:rPr lang="en-US" sz="2800" dirty="0">
+                <a:latin typeface="Consolas"/>
+                <a:cs typeface="Consolas"/>
+              </a:rPr>
+              <a:t>= </a:t>
+            </a:r>
             <a:r>
               <a:rPr lang="en-US" sz="2800" dirty="0" smtClean="0">
                 <a:latin typeface="Consolas"/>
                 <a:cs typeface="Consolas"/>
               </a:rPr>
-              <a:t>  # Current support: </a:t>
-            </a:r>
-            <a:r>
-              <a:rPr lang="en-US" sz="2800" dirty="0" err="1">
-                <a:latin typeface="Consolas"/>
-                <a:cs typeface="Consolas"/>
-              </a:rPr>
-              <a:t>classpath</a:t>
-            </a:r>
+              <a:t>"</a:t>
+            </a:r>
+            <a:r>
+              <a:rPr lang="en-US" sz="2800" dirty="0" err="1" smtClean="0">
+                <a:latin typeface="Consolas"/>
+                <a:cs typeface="Consolas"/>
+              </a:rPr>
+              <a:t>scott</a:t>
+            </a:r>
+            <a:r>
+              <a:rPr lang="en-US" sz="2800" dirty="0" smtClean="0">
+                <a:latin typeface="Consolas"/>
+                <a:cs typeface="Consolas"/>
+              </a:rPr>
+              <a:t>"  </a:t>
+            </a:r>
+          </a:p>
+          <a:p>
             <a:r>
               <a:rPr lang="en-US" sz="2800" dirty="0">
                 <a:latin typeface="Consolas"/>
                 <a:cs typeface="Consolas"/>
               </a:rPr>
-              <a:t>, file, </a:t>
+              <a:t> </a:t>
+            </a:r>
+            <a:r>
+              <a:rPr lang="en-US" sz="2800" dirty="0" smtClean="0">
+                <a:latin typeface="Consolas"/>
+                <a:cs typeface="Consolas"/>
+              </a:rPr>
+              <a:t> </a:t>
             </a:r>
             <a:r>
               <a:rPr lang="en-US" sz="2800" dirty="0" err="1" smtClean="0">
                 <a:latin typeface="Consolas"/>
                 <a:cs typeface="Consolas"/>
               </a:rPr>
-              <a:t>zk</a:t>
+              <a:t>database.password</a:t>
+            </a:r>
+            <a:r>
+              <a:rPr lang="en-US" sz="2800" dirty="0" smtClean="0">
+                <a:latin typeface="Consolas"/>
+                <a:cs typeface="Consolas"/>
+              </a:rPr>
+              <a:t> </a:t>
+            </a:r>
+            <a:r>
+              <a:rPr lang="en-US" sz="2800" dirty="0">
+                <a:latin typeface="Consolas"/>
+                <a:cs typeface="Consolas"/>
+              </a:rPr>
+              <a:t>= </a:t>
+            </a:r>
+            <a:r>
+              <a:rPr lang="en-US" sz="2800" dirty="0" smtClean="0">
+                <a:latin typeface="Consolas"/>
+                <a:cs typeface="Consolas"/>
+              </a:rPr>
+              <a:t>"tiger"    </a:t>
             </a:r>
             <a:endParaRPr lang="en-US" sz="2800" dirty="0">
               <a:latin typeface="Consolas"/>
@@ -13376,70 +13489,7 @@
                 <a:latin typeface="Consolas"/>
                 <a:cs typeface="Consolas"/>
               </a:rPr>
-              <a:t>  </a:t>
-            </a:r>
-            <a:r>
-              <a:rPr lang="en-US" sz="2800" dirty="0" err="1" smtClean="0">
-                <a:latin typeface="Consolas"/>
-                <a:cs typeface="Consolas"/>
-              </a:rPr>
-              <a:t>helpText</a:t>
-            </a:r>
-            <a:r>
-              <a:rPr lang="en-US" sz="2800" dirty="0" smtClean="0">
-                <a:latin typeface="Consolas"/>
-                <a:cs typeface="Consolas"/>
-              </a:rPr>
-              <a:t> </a:t>
-            </a:r>
-            <a:r>
-              <a:rPr lang="en-US" sz="2800" dirty="0">
-                <a:latin typeface="Consolas"/>
-                <a:cs typeface="Consolas"/>
-              </a:rPr>
-              <a:t>= </a:t>
-            </a:r>
-            <a:r>
-              <a:rPr lang="en-US" sz="2800" dirty="0" smtClean="0">
-                <a:latin typeface="Consolas"/>
-                <a:cs typeface="Consolas"/>
-              </a:rPr>
-              <a:t>"</a:t>
-            </a:r>
-            <a:r>
-              <a:rPr lang="en-US" sz="2800" dirty="0" err="1" smtClean="0">
-                <a:latin typeface="Consolas"/>
-                <a:cs typeface="Consolas"/>
-              </a:rPr>
-              <a:t>classpath</a:t>
-            </a:r>
-            <a:r>
-              <a:rPr lang="en-US" sz="2800" dirty="0">
-                <a:latin typeface="Consolas"/>
-                <a:cs typeface="Consolas"/>
-              </a:rPr>
-              <a:t>:</a:t>
-            </a:r>
-            <a:r>
-              <a:rPr lang="en-US" sz="2800" dirty="0" smtClean="0">
-                <a:latin typeface="Consolas"/>
-                <a:cs typeface="Consolas"/>
-              </a:rPr>
-              <a:t>//</a:t>
-            </a:r>
-            <a:r>
-              <a:rPr lang="en-US" sz="2800" dirty="0" err="1" smtClean="0">
-                <a:latin typeface="Consolas"/>
-                <a:cs typeface="Consolas"/>
-              </a:rPr>
-              <a:t>help.txt</a:t>
-            </a:r>
-            <a:r>
-              <a:rPr lang="en-US" sz="2800" dirty="0" smtClean="0">
-                <a:latin typeface="Consolas"/>
-                <a:cs typeface="Consolas"/>
-              </a:rPr>
-              <a:t>"    </a:t>
+              <a:t>} </a:t>
             </a:r>
             <a:endParaRPr lang="en-US" sz="2800" dirty="0">
               <a:latin typeface="Consolas"/>
@@ -13447,12 +13497,84 @@
             </a:endParaRPr>
           </a:p>
           <a:p>
+            <a:endParaRPr lang="en-US" sz="2800" dirty="0" smtClean="0">
+              <a:latin typeface="Consolas"/>
+              <a:cs typeface="Consolas"/>
+            </a:endParaRPr>
+          </a:p>
+          <a:p>
+            <a:r>
+              <a:rPr lang="en-US" sz="2800" dirty="0" err="1" smtClean="0">
+                <a:latin typeface="Consolas"/>
+                <a:cs typeface="Consolas"/>
+              </a:rPr>
+              <a:t>val</a:t>
+            </a:r>
             <a:r>
               <a:rPr lang="en-US" sz="2800" dirty="0" smtClean="0">
                 <a:latin typeface="Consolas"/>
                 <a:cs typeface="Consolas"/>
               </a:rPr>
-              <a:t>} </a:t>
+              <a:t> </a:t>
+            </a:r>
+            <a:r>
+              <a:rPr lang="en-US" sz="2800" dirty="0">
+                <a:latin typeface="Consolas"/>
+                <a:cs typeface="Consolas"/>
+              </a:rPr>
+              <a:t>username = </a:t>
+            </a:r>
+          </a:p>
+          <a:p>
+            <a:r>
+              <a:rPr lang="en-US" sz="2800" dirty="0">
+                <a:latin typeface="Consolas"/>
+                <a:cs typeface="Consolas"/>
+              </a:rPr>
+              <a:t>  </a:t>
+            </a:r>
+            <a:r>
+              <a:rPr lang="en-US" sz="2800" dirty="0" err="1">
+                <a:latin typeface="Consolas"/>
+                <a:cs typeface="Consolas"/>
+              </a:rPr>
+              <a:t>config.getString</a:t>
+            </a:r>
+            <a:r>
+              <a:rPr lang="en-US" sz="2800" dirty="0" smtClean="0">
+                <a:latin typeface="Consolas"/>
+                <a:cs typeface="Consolas"/>
+              </a:rPr>
+              <a:t>("</a:t>
+            </a:r>
+            <a:r>
+              <a:rPr lang="en-US" sz="2800" dirty="0" err="1" smtClean="0">
+                <a:latin typeface="Consolas"/>
+                <a:cs typeface="Consolas"/>
+              </a:rPr>
+              <a:t>db.user</a:t>
+            </a:r>
+            <a:r>
+              <a:rPr lang="en-US" sz="2800" dirty="0" smtClean="0">
+                <a:latin typeface="Consolas"/>
+                <a:cs typeface="Consolas"/>
+              </a:rPr>
+              <a:t>", "admin")</a:t>
+            </a:r>
+          </a:p>
+          <a:p>
+            <a:endParaRPr lang="en-US" sz="2800" dirty="0" smtClean="0">
+              <a:latin typeface="Consolas"/>
+              <a:cs typeface="Consolas"/>
+            </a:endParaRPr>
+          </a:p>
+          <a:p>
+            <a:r>
+              <a:rPr lang="en-US" sz="2800" dirty="0" smtClean="0">
+                <a:latin typeface="Consolas"/>
+                <a:cs typeface="Consolas"/>
+              </a:rPr>
+              <a:t># Returns Some[String] or None if not set</a:t>
             </a:r>
             <a:endParaRPr lang="en-US" sz="2800" dirty="0">
               <a:latin typeface="Consolas"/>
@@ -13460,199 +13582,112 @@
             </a:endParaRPr>
           </a:p>
           <a:p>
-            <a:endParaRPr lang="en-US" sz="2800" dirty="0" smtClean="0">
-              <a:latin typeface="Consolas"/>
-              <a:cs typeface="Consolas"/>
-            </a:endParaRPr>
-          </a:p>
-          <a:p>
+            <a:r>
+              <a:rPr lang="en-US" sz="2800" dirty="0" err="1">
+                <a:latin typeface="Consolas"/>
+                <a:cs typeface="Consolas"/>
+              </a:rPr>
+              <a:t>val</a:t>
+            </a:r>
+            <a:r>
+              <a:rPr lang="en-US" sz="2800" dirty="0">
+                <a:latin typeface="Consolas"/>
+                <a:cs typeface="Consolas"/>
+              </a:rPr>
+              <a:t> password </a:t>
+            </a:r>
+            <a:r>
+              <a:rPr lang="en-US" sz="2800" dirty="0" smtClean="0">
+                <a:latin typeface="Consolas"/>
+                <a:cs typeface="Consolas"/>
+              </a:rPr>
+              <a:t>=  </a:t>
+            </a:r>
+          </a:p>
+          <a:p>
+            <a:r>
+              <a:rPr lang="en-US" sz="2800" dirty="0">
+                <a:latin typeface="Consolas"/>
+                <a:cs typeface="Consolas"/>
+              </a:rPr>
+              <a:t> </a:t>
+            </a:r>
+            <a:r>
+              <a:rPr lang="en-US" sz="2800" dirty="0" smtClean="0">
+                <a:latin typeface="Consolas"/>
+                <a:cs typeface="Consolas"/>
+              </a:rPr>
+              <a:t> </a:t>
+            </a:r>
+            <a:r>
+              <a:rPr lang="en-US" sz="2800" dirty="0" err="1" smtClean="0">
+                <a:latin typeface="Consolas"/>
+                <a:cs typeface="Consolas"/>
+              </a:rPr>
+              <a:t>config.optString</a:t>
+            </a:r>
+            <a:r>
+              <a:rPr lang="en-US" sz="2800" dirty="0" smtClean="0">
+                <a:latin typeface="Consolas"/>
+                <a:cs typeface="Consolas"/>
+              </a:rPr>
+              <a:t>("</a:t>
+            </a:r>
+            <a:r>
+              <a:rPr lang="en-US" sz="2800" dirty="0" err="1" smtClean="0">
+                <a:latin typeface="Consolas"/>
+                <a:cs typeface="Consolas"/>
+              </a:rPr>
+              <a:t>db.password</a:t>
+            </a:r>
+            <a:r>
+              <a:rPr lang="en-US" sz="2800" dirty="0" smtClean="0">
+                <a:latin typeface="Consolas"/>
+                <a:cs typeface="Consolas"/>
+              </a:rPr>
+              <a:t>")</a:t>
+            </a:r>
+            <a:r>
+              <a:rPr lang="en-US" sz="2800" dirty="0">
+                <a:latin typeface="Consolas"/>
+                <a:cs typeface="Consolas"/>
+              </a:rPr>
+              <a:t>.</a:t>
+            </a:r>
+          </a:p>
+          <a:p>
+            <a:r>
+              <a:rPr lang="en-US" sz="2800" dirty="0">
+                <a:latin typeface="Consolas"/>
+                <a:cs typeface="Consolas"/>
+              </a:rPr>
+              <a:t>    </a:t>
+            </a:r>
+            <a:r>
+              <a:rPr lang="en-US" sz="2800" dirty="0" err="1">
+                <a:latin typeface="Consolas"/>
+                <a:cs typeface="Consolas"/>
+              </a:rPr>
+              <a:t>getOrElse</a:t>
+            </a:r>
+            <a:r>
+              <a:rPr lang="en-US" sz="2800" dirty="0" smtClean="0">
+                <a:latin typeface="Consolas"/>
+                <a:cs typeface="Consolas"/>
+              </a:rPr>
+              <a:t>("admin")</a:t>
+            </a:r>
             <a:endParaRPr lang="en-US" sz="2800" dirty="0">
               <a:latin typeface="Consolas"/>
               <a:cs typeface="Consolas"/>
             </a:endParaRPr>
           </a:p>
-          <a:p>
-            <a:r>
-              <a:rPr lang="en-US" sz="2800" dirty="0" err="1" smtClean="0">
-                <a:latin typeface="Consolas"/>
-                <a:cs typeface="Consolas"/>
-              </a:rPr>
-              <a:t>val</a:t>
-            </a:r>
-            <a:r>
-              <a:rPr lang="en-US" sz="2800" dirty="0" smtClean="0">
-                <a:latin typeface="Consolas"/>
-                <a:cs typeface="Consolas"/>
-              </a:rPr>
-              <a:t> </a:t>
-            </a:r>
-            <a:r>
-              <a:rPr lang="en-US" sz="2800" dirty="0" err="1">
-                <a:latin typeface="Consolas"/>
-                <a:cs typeface="Consolas"/>
-              </a:rPr>
-              <a:t>helpResource</a:t>
-            </a:r>
-            <a:r>
-              <a:rPr lang="en-US" sz="2800" dirty="0">
-                <a:latin typeface="Consolas"/>
-                <a:cs typeface="Consolas"/>
-              </a:rPr>
-              <a:t> = </a:t>
-            </a:r>
-            <a:endParaRPr lang="en-US" sz="2800" dirty="0" smtClean="0">
-              <a:latin typeface="Consolas"/>
-              <a:cs typeface="Consolas"/>
-            </a:endParaRPr>
-          </a:p>
-          <a:p>
-            <a:r>
-              <a:rPr lang="en-US" sz="2800" dirty="0">
-                <a:latin typeface="Consolas"/>
-                <a:cs typeface="Consolas"/>
-              </a:rPr>
-              <a:t> </a:t>
-            </a:r>
-            <a:r>
-              <a:rPr lang="en-US" sz="2800" dirty="0" smtClean="0">
-                <a:latin typeface="Consolas"/>
-                <a:cs typeface="Consolas"/>
-              </a:rPr>
-              <a:t> </a:t>
-            </a:r>
-            <a:r>
-              <a:rPr lang="en-US" sz="2800" dirty="0" err="1" smtClean="0">
-                <a:latin typeface="Consolas"/>
-                <a:cs typeface="Consolas"/>
-              </a:rPr>
-              <a:t>config.getResource</a:t>
-            </a:r>
-            <a:r>
-              <a:rPr lang="en-US" sz="2800" dirty="0" smtClean="0">
-                <a:latin typeface="Consolas"/>
-                <a:cs typeface="Consolas"/>
-              </a:rPr>
-              <a:t>("</a:t>
-            </a:r>
-            <a:r>
-              <a:rPr lang="en-US" sz="2800" dirty="0" err="1" smtClean="0">
-                <a:latin typeface="Consolas"/>
-                <a:cs typeface="Consolas"/>
-              </a:rPr>
-              <a:t>demo.helpText</a:t>
-            </a:r>
-            <a:r>
-              <a:rPr lang="en-US" sz="2800" dirty="0" smtClean="0">
-                <a:latin typeface="Consolas"/>
-                <a:cs typeface="Consolas"/>
-              </a:rPr>
-              <a:t>")</a:t>
-            </a:r>
-            <a:endParaRPr lang="en-US" sz="2800" dirty="0">
-              <a:latin typeface="Consolas"/>
-              <a:cs typeface="Consolas"/>
-            </a:endParaRPr>
-          </a:p>
-          <a:p>
-            <a:endParaRPr lang="en-US" sz="2800" dirty="0" smtClean="0">
-              <a:latin typeface="Consolas"/>
-              <a:cs typeface="Consolas"/>
-            </a:endParaRPr>
-          </a:p>
-          <a:p>
-            <a:r>
-              <a:rPr lang="en-US" sz="2800" dirty="0" err="1" smtClean="0">
-                <a:latin typeface="Consolas"/>
-                <a:cs typeface="Consolas"/>
-              </a:rPr>
-              <a:t>val</a:t>
-            </a:r>
-            <a:r>
-              <a:rPr lang="en-US" sz="2800" dirty="0" smtClean="0">
-                <a:latin typeface="Consolas"/>
-                <a:cs typeface="Consolas"/>
-              </a:rPr>
-              <a:t> </a:t>
-            </a:r>
-            <a:r>
-              <a:rPr lang="en-US" sz="2800" dirty="0" err="1">
-                <a:latin typeface="Consolas"/>
-                <a:cs typeface="Consolas"/>
-              </a:rPr>
-              <a:t>helpText</a:t>
-            </a:r>
-            <a:r>
-              <a:rPr lang="en-US" sz="2800" dirty="0">
-                <a:latin typeface="Consolas"/>
-                <a:cs typeface="Consolas"/>
-              </a:rPr>
-              <a:t> = </a:t>
-            </a:r>
-            <a:r>
-              <a:rPr lang="en-US" sz="2800" dirty="0" err="1" smtClean="0">
-                <a:latin typeface="Consolas"/>
-                <a:cs typeface="Consolas"/>
-              </a:rPr>
-              <a:t>helpResource.asString</a:t>
-            </a:r>
-            <a:endParaRPr lang="en-US" sz="2800" dirty="0" smtClean="0">
-              <a:latin typeface="Consolas"/>
-              <a:cs typeface="Consolas"/>
-            </a:endParaRPr>
-          </a:p>
-          <a:p>
-            <a:endParaRPr lang="en-US" sz="2800" dirty="0">
-              <a:latin typeface="Consolas"/>
-              <a:cs typeface="Consolas"/>
-            </a:endParaRPr>
-          </a:p>
-          <a:p>
-            <a:r>
-              <a:rPr lang="en-US" sz="2800" dirty="0" err="1" smtClean="0">
-                <a:latin typeface="Consolas"/>
-                <a:cs typeface="Consolas"/>
-              </a:rPr>
-              <a:t>val</a:t>
-            </a:r>
-            <a:r>
-              <a:rPr lang="en-US" sz="2800" dirty="0" smtClean="0">
-                <a:latin typeface="Consolas"/>
-                <a:cs typeface="Consolas"/>
-              </a:rPr>
-              <a:t> </a:t>
-            </a:r>
-            <a:r>
-              <a:rPr lang="en-US" sz="2800" dirty="0" err="1" smtClean="0">
-                <a:latin typeface="Consolas"/>
-                <a:cs typeface="Consolas"/>
-              </a:rPr>
-              <a:t>helpStream</a:t>
-            </a:r>
-            <a:r>
-              <a:rPr lang="en-US" sz="2800" dirty="0" smtClean="0">
-                <a:latin typeface="Consolas"/>
-                <a:cs typeface="Consolas"/>
-              </a:rPr>
-              <a:t> = </a:t>
-            </a:r>
-            <a:r>
-              <a:rPr lang="en-US" sz="2800" dirty="0" err="1" smtClean="0">
-                <a:latin typeface="Consolas"/>
-                <a:cs typeface="Consolas"/>
-              </a:rPr>
-              <a:t>helpResource.asStream</a:t>
-            </a:r>
-            <a:endParaRPr lang="en-US" sz="2800" dirty="0">
-              <a:latin typeface="Consolas"/>
-              <a:cs typeface="Consolas"/>
-            </a:endParaRPr>
-          </a:p>
         </p:txBody>
       </p:sp>
     </p:spTree>
     <p:extLst>
       <p:ext uri="{BB962C8B-B14F-4D97-AF65-F5344CB8AC3E}">
-        <p14:creationId xmlns:p14="http://schemas.microsoft.com/office/powerpoint/2010/main" val="2166709490"/>
+        <p14:creationId xmlns:p14="http://schemas.microsoft.com/office/powerpoint/2010/main" val="1709038227"/>
       </p:ext>
     </p:extLst>
   </p:cSld>
@@ -13703,11 +13738,7 @@
           <a:p>
             <a:r>
               <a:rPr lang="en-US" dirty="0" smtClean="0"/>
-              <a:t>Dynamic</a:t>
-            </a:r>
-            <a:r>
-              <a:rPr lang="en-US" baseline="0" dirty="0" smtClean="0"/>
-              <a:t> updates</a:t>
+              <a:t>Resource Properties</a:t>
             </a:r>
             <a:endParaRPr lang="en-US" dirty="0"/>
           </a:p>
@@ -13715,53 +13746,371 @@
       </p:sp>
       <p:sp>
         <p:nvSpPr>
-          <p:cNvPr id="3" name="Content Placeholder 2"/>
-          <p:cNvSpPr>
-            <a:spLocks noGrp="1"/>
-          </p:cNvSpPr>
-          <p:nvPr>
-            <p:ph idx="1"/>
-          </p:nvPr>
-        </p:nvSpPr>
-        <p:spPr/>
-        <p:txBody>
-          <a:bodyPr>
-            <a:normAutofit/>
+          <p:cNvPr id="4" name="TextBox 3"/>
+          <p:cNvSpPr txBox="1"/>
+          <p:nvPr/>
+        </p:nvSpPr>
+        <p:spPr>
+          <a:xfrm>
+            <a:off x="457200" y="1461778"/>
+            <a:ext cx="8229600" cy="5262980"/>
+          </a:xfrm>
+          <a:prstGeom prst="rect">
+            <a:avLst/>
+          </a:prstGeom>
+          <a:noFill/>
+        </p:spPr>
+        <p:txBody>
+          <a:bodyPr wrap="square" rtlCol="0">
+            <a:spAutoFit/>
           </a:bodyPr>
           <a:lstStyle/>
           <a:p>
             <a:r>
-              <a:rPr lang="en-US" sz="2800" dirty="0" smtClean="0"/>
-              <a:t>Watches </a:t>
-            </a:r>
-            <a:r>
-              <a:rPr lang="en-US" sz="2800" dirty="0" err="1" smtClean="0"/>
-              <a:t>config</a:t>
-            </a:r>
-            <a:r>
-              <a:rPr lang="en-US" sz="2800" dirty="0" smtClean="0"/>
-              <a:t> locations defined in scopes</a:t>
-            </a:r>
-          </a:p>
-          <a:p>
-            <a:r>
-              <a:rPr lang="en-US" sz="2800" dirty="0" smtClean="0"/>
-              <a:t>If changes are made, callbacks get new values</a:t>
-            </a:r>
-            <a:endParaRPr lang="en-US" sz="2800" dirty="0"/>
+              <a:rPr lang="en-US" sz="2800" dirty="0">
+                <a:latin typeface="Consolas"/>
+                <a:cs typeface="Consolas"/>
+              </a:rPr>
+              <a:t>demo </a:t>
+            </a:r>
+            <a:r>
+              <a:rPr lang="en-US" sz="2800" dirty="0" smtClean="0">
+                <a:latin typeface="Consolas"/>
+                <a:cs typeface="Consolas"/>
+              </a:rPr>
+              <a:t>{</a:t>
+            </a:r>
+          </a:p>
+          <a:p>
+            <a:r>
+              <a:rPr lang="en-US" sz="2800" dirty="0" smtClean="0">
+                <a:latin typeface="Consolas"/>
+                <a:cs typeface="Consolas"/>
+              </a:rPr>
+              <a:t>  # Current support: </a:t>
+            </a:r>
+            <a:r>
+              <a:rPr lang="en-US" sz="2800" dirty="0" err="1">
+                <a:latin typeface="Consolas"/>
+                <a:cs typeface="Consolas"/>
+              </a:rPr>
+              <a:t>classpath</a:t>
+            </a:r>
+            <a:r>
+              <a:rPr lang="en-US" sz="2800" dirty="0">
+                <a:latin typeface="Consolas"/>
+                <a:cs typeface="Consolas"/>
+              </a:rPr>
+              <a:t>, file, </a:t>
+            </a:r>
+            <a:r>
+              <a:rPr lang="en-US" sz="2800" dirty="0" err="1" smtClean="0">
+                <a:latin typeface="Consolas"/>
+                <a:cs typeface="Consolas"/>
+              </a:rPr>
+              <a:t>zk</a:t>
+            </a:r>
+            <a:endParaRPr lang="en-US" sz="2800" dirty="0">
+              <a:latin typeface="Consolas"/>
+              <a:cs typeface="Consolas"/>
+            </a:endParaRPr>
+          </a:p>
+          <a:p>
+            <a:r>
+              <a:rPr lang="en-US" sz="2800" dirty="0" smtClean="0">
+                <a:latin typeface="Consolas"/>
+                <a:cs typeface="Consolas"/>
+              </a:rPr>
+              <a:t>  </a:t>
+            </a:r>
+            <a:r>
+              <a:rPr lang="en-US" sz="2800" dirty="0" err="1" smtClean="0">
+                <a:latin typeface="Consolas"/>
+                <a:cs typeface="Consolas"/>
+              </a:rPr>
+              <a:t>helpText</a:t>
+            </a:r>
+            <a:r>
+              <a:rPr lang="en-US" sz="2800" dirty="0" smtClean="0">
+                <a:latin typeface="Consolas"/>
+                <a:cs typeface="Consolas"/>
+              </a:rPr>
+              <a:t> </a:t>
+            </a:r>
+            <a:r>
+              <a:rPr lang="en-US" sz="2800" dirty="0">
+                <a:latin typeface="Consolas"/>
+                <a:cs typeface="Consolas"/>
+              </a:rPr>
+              <a:t>= </a:t>
+            </a:r>
+            <a:r>
+              <a:rPr lang="en-US" sz="2800" dirty="0" smtClean="0">
+                <a:latin typeface="Consolas"/>
+                <a:cs typeface="Consolas"/>
+              </a:rPr>
+              <a:t>"</a:t>
+            </a:r>
+            <a:r>
+              <a:rPr lang="en-US" sz="2800" dirty="0" err="1" smtClean="0">
+                <a:latin typeface="Consolas"/>
+                <a:cs typeface="Consolas"/>
+              </a:rPr>
+              <a:t>classpath</a:t>
+            </a:r>
+            <a:r>
+              <a:rPr lang="en-US" sz="2800" dirty="0">
+                <a:latin typeface="Consolas"/>
+                <a:cs typeface="Consolas"/>
+              </a:rPr>
+              <a:t>:</a:t>
+            </a:r>
+            <a:r>
+              <a:rPr lang="en-US" sz="2800" dirty="0" smtClean="0">
+                <a:latin typeface="Consolas"/>
+                <a:cs typeface="Consolas"/>
+              </a:rPr>
+              <a:t>//</a:t>
+            </a:r>
+            <a:r>
+              <a:rPr lang="en-US" sz="2800" dirty="0" err="1" smtClean="0">
+                <a:latin typeface="Consolas"/>
+                <a:cs typeface="Consolas"/>
+              </a:rPr>
+              <a:t>help.txt</a:t>
+            </a:r>
+            <a:r>
+              <a:rPr lang="en-US" sz="2800" dirty="0" smtClean="0">
+                <a:latin typeface="Consolas"/>
+                <a:cs typeface="Consolas"/>
+              </a:rPr>
+              <a:t>"    </a:t>
+            </a:r>
+            <a:endParaRPr lang="en-US" sz="2800" dirty="0">
+              <a:latin typeface="Consolas"/>
+              <a:cs typeface="Consolas"/>
+            </a:endParaRPr>
+          </a:p>
+          <a:p>
+            <a:r>
+              <a:rPr lang="en-US" sz="2800" dirty="0" smtClean="0">
+                <a:latin typeface="Consolas"/>
+                <a:cs typeface="Consolas"/>
+              </a:rPr>
+              <a:t>} </a:t>
+            </a:r>
+            <a:endParaRPr lang="en-US" sz="2800" dirty="0">
+              <a:latin typeface="Consolas"/>
+              <a:cs typeface="Consolas"/>
+            </a:endParaRPr>
+          </a:p>
+          <a:p>
+            <a:endParaRPr lang="en-US" sz="2800" dirty="0" smtClean="0">
+              <a:latin typeface="Consolas"/>
+              <a:cs typeface="Consolas"/>
+            </a:endParaRPr>
+          </a:p>
+          <a:p>
+            <a:endParaRPr lang="en-US" sz="2800" dirty="0">
+              <a:latin typeface="Consolas"/>
+              <a:cs typeface="Consolas"/>
+            </a:endParaRPr>
+          </a:p>
+          <a:p>
+            <a:r>
+              <a:rPr lang="en-US" sz="2800" dirty="0" err="1" smtClean="0">
+                <a:latin typeface="Consolas"/>
+                <a:cs typeface="Consolas"/>
+              </a:rPr>
+              <a:t>val</a:t>
+            </a:r>
+            <a:r>
+              <a:rPr lang="en-US" sz="2800" dirty="0" smtClean="0">
+                <a:latin typeface="Consolas"/>
+                <a:cs typeface="Consolas"/>
+              </a:rPr>
+              <a:t> </a:t>
+            </a:r>
+            <a:r>
+              <a:rPr lang="en-US" sz="2800" dirty="0" err="1">
+                <a:latin typeface="Consolas"/>
+                <a:cs typeface="Consolas"/>
+              </a:rPr>
+              <a:t>helpResource</a:t>
+            </a:r>
+            <a:r>
+              <a:rPr lang="en-US" sz="2800" dirty="0">
+                <a:latin typeface="Consolas"/>
+                <a:cs typeface="Consolas"/>
+              </a:rPr>
+              <a:t> = </a:t>
+            </a:r>
+            <a:endParaRPr lang="en-US" sz="2800" dirty="0" smtClean="0">
+              <a:latin typeface="Consolas"/>
+              <a:cs typeface="Consolas"/>
+            </a:endParaRPr>
+          </a:p>
+          <a:p>
+            <a:r>
+              <a:rPr lang="en-US" sz="2800" dirty="0">
+                <a:latin typeface="Consolas"/>
+                <a:cs typeface="Consolas"/>
+              </a:rPr>
+              <a:t> </a:t>
+            </a:r>
+            <a:r>
+              <a:rPr lang="en-US" sz="2800" dirty="0" smtClean="0">
+                <a:latin typeface="Consolas"/>
+                <a:cs typeface="Consolas"/>
+              </a:rPr>
+              <a:t> </a:t>
+            </a:r>
+            <a:r>
+              <a:rPr lang="en-US" sz="2800" dirty="0" err="1" smtClean="0">
+                <a:latin typeface="Consolas"/>
+                <a:cs typeface="Consolas"/>
+              </a:rPr>
+              <a:t>config.getResource</a:t>
+            </a:r>
+            <a:r>
+              <a:rPr lang="en-US" sz="2800" dirty="0" smtClean="0">
+                <a:latin typeface="Consolas"/>
+                <a:cs typeface="Consolas"/>
+              </a:rPr>
+              <a:t>("</a:t>
+            </a:r>
+            <a:r>
+              <a:rPr lang="en-US" sz="2800" dirty="0" err="1" smtClean="0">
+                <a:latin typeface="Consolas"/>
+                <a:cs typeface="Consolas"/>
+              </a:rPr>
+              <a:t>demo.helpText</a:t>
+            </a:r>
+            <a:r>
+              <a:rPr lang="en-US" sz="2800" dirty="0" smtClean="0">
+                <a:latin typeface="Consolas"/>
+                <a:cs typeface="Consolas"/>
+              </a:rPr>
+              <a:t>")</a:t>
+            </a:r>
+            <a:endParaRPr lang="en-US" sz="2800" dirty="0">
+              <a:latin typeface="Consolas"/>
+              <a:cs typeface="Consolas"/>
+            </a:endParaRPr>
+          </a:p>
+          <a:p>
+            <a:endParaRPr lang="en-US" sz="2800" dirty="0" smtClean="0">
+              <a:latin typeface="Consolas"/>
+              <a:cs typeface="Consolas"/>
+            </a:endParaRPr>
+          </a:p>
+          <a:p>
+            <a:r>
+              <a:rPr lang="en-US" sz="2800" dirty="0" err="1" smtClean="0">
+                <a:latin typeface="Consolas"/>
+                <a:cs typeface="Consolas"/>
+              </a:rPr>
+              <a:t>val</a:t>
+            </a:r>
+            <a:r>
+              <a:rPr lang="en-US" sz="2800" dirty="0" smtClean="0">
+                <a:latin typeface="Consolas"/>
+                <a:cs typeface="Consolas"/>
+              </a:rPr>
+              <a:t> </a:t>
+            </a:r>
+            <a:r>
+              <a:rPr lang="en-US" sz="2800" dirty="0" err="1">
+                <a:latin typeface="Consolas"/>
+                <a:cs typeface="Consolas"/>
+              </a:rPr>
+              <a:t>helpText</a:t>
+            </a:r>
+            <a:r>
+              <a:rPr lang="en-US" sz="2800" dirty="0">
+                <a:latin typeface="Consolas"/>
+                <a:cs typeface="Consolas"/>
+              </a:rPr>
+              <a:t> = </a:t>
+            </a:r>
+            <a:r>
+              <a:rPr lang="en-US" sz="2800" dirty="0" err="1" smtClean="0">
+                <a:latin typeface="Consolas"/>
+                <a:cs typeface="Consolas"/>
+              </a:rPr>
+              <a:t>helpResource.asString</a:t>
+            </a:r>
+            <a:endParaRPr lang="en-US" sz="2800" dirty="0" smtClean="0">
+              <a:latin typeface="Consolas"/>
+              <a:cs typeface="Consolas"/>
+            </a:endParaRPr>
+          </a:p>
+          <a:p>
+            <a:endParaRPr lang="en-US" sz="2800" dirty="0">
+              <a:latin typeface="Consolas"/>
+              <a:cs typeface="Consolas"/>
+            </a:endParaRPr>
+          </a:p>
+          <a:p>
+            <a:r>
+              <a:rPr lang="en-US" sz="2800" dirty="0" err="1" smtClean="0">
+                <a:latin typeface="Consolas"/>
+                <a:cs typeface="Consolas"/>
+              </a:rPr>
+              <a:t>val</a:t>
+            </a:r>
+            <a:r>
+              <a:rPr lang="en-US" sz="2800" dirty="0" smtClean="0">
+                <a:latin typeface="Consolas"/>
+                <a:cs typeface="Consolas"/>
+              </a:rPr>
+              <a:t> </a:t>
+            </a:r>
+            <a:r>
+              <a:rPr lang="en-US" sz="2800" dirty="0" err="1" smtClean="0">
+                <a:latin typeface="Consolas"/>
+                <a:cs typeface="Consolas"/>
+              </a:rPr>
+              <a:t>helpStream</a:t>
+            </a:r>
+            <a:r>
+              <a:rPr lang="en-US" sz="2800" dirty="0" smtClean="0">
+                <a:latin typeface="Consolas"/>
+                <a:cs typeface="Consolas"/>
+              </a:rPr>
+              <a:t> = </a:t>
+            </a:r>
+            <a:r>
+              <a:rPr lang="en-US" sz="2800" dirty="0" err="1" smtClean="0">
+                <a:latin typeface="Consolas"/>
+                <a:cs typeface="Consolas"/>
+              </a:rPr>
+              <a:t>helpResource.asStream</a:t>
+            </a:r>
+            <a:endParaRPr lang="en-US" sz="2800" dirty="0">
+              <a:latin typeface="Consolas"/>
+              <a:cs typeface="Consolas"/>
+            </a:endParaRPr>
           </a:p>
         </p:txBody>
       </p:sp>
     </p:spTree>
     <p:extLst>
       <p:ext uri="{BB962C8B-B14F-4D97-AF65-F5344CB8AC3E}">
-        <p14:creationId xmlns:p14="http://schemas.microsoft.com/office/powerpoint/2010/main" val="1638663075"/>
+        <p14:creationId xmlns:p14="http://schemas.microsoft.com/office/powerpoint/2010/main" val="2166709490"/>
       </p:ext>
     </p:extLst>
   </p:cSld>
   <p:clrMapOvr>
     <a:masterClrMapping/>
   </p:clrMapOvr>
+  <p:timing>
+    <p:tnLst>
+      <p:par>
+        <p:cTn xmlns:p14="http://schemas.microsoft.com/office/powerpoint/2010/main" id="1" dur="indefinite" restart="never" nodeType="tmRoot"/>
+      </p:par>
+    </p:tnLst>
+  </p:timing>
 </p:sld>
 </file>
 
@@ -13900,6 +14249,102 @@
           <a:p>
             <a:r>
               <a:rPr lang="en-US" dirty="0" smtClean="0"/>
+              <a:t>Dynamic</a:t>
+            </a:r>
+            <a:r>
+              <a:rPr lang="en-US" baseline="0" dirty="0" smtClean="0"/>
+              <a:t> updates</a:t>
+            </a:r>
+            <a:endParaRPr lang="en-US" dirty="0"/>
+          </a:p>
+        </p:txBody>
+      </p:sp>
+      <p:sp>
+        <p:nvSpPr>
+          <p:cNvPr id="3" name="Content Placeholder 2"/>
+          <p:cNvSpPr>
+            <a:spLocks noGrp="1"/>
+          </p:cNvSpPr>
+          <p:nvPr>
+            <p:ph idx="1"/>
+          </p:nvPr>
+        </p:nvSpPr>
+        <p:spPr/>
+        <p:txBody>
+          <a:bodyPr>
+            <a:normAutofit/>
+          </a:bodyPr>
+          <a:lstStyle/>
+          <a:p>
+            <a:r>
+              <a:rPr lang="en-US" sz="2800" dirty="0" smtClean="0"/>
+              <a:t>Watches </a:t>
+            </a:r>
+            <a:r>
+              <a:rPr lang="en-US" sz="2800" dirty="0" err="1" smtClean="0"/>
+              <a:t>config</a:t>
+            </a:r>
+            <a:r>
+              <a:rPr lang="en-US" sz="2800" dirty="0" smtClean="0"/>
+              <a:t> locations defined in scopes</a:t>
+            </a:r>
+          </a:p>
+          <a:p>
+            <a:r>
+              <a:rPr lang="en-US" sz="2800" dirty="0" smtClean="0"/>
+              <a:t>If changes are made, callbacks get new values</a:t>
+            </a:r>
+            <a:endParaRPr lang="en-US" sz="2800" dirty="0"/>
+          </a:p>
+        </p:txBody>
+      </p:sp>
+    </p:spTree>
+    <p:extLst>
+      <p:ext uri="{BB962C8B-B14F-4D97-AF65-F5344CB8AC3E}">
+        <p14:creationId xmlns:p14="http://schemas.microsoft.com/office/powerpoint/2010/main" val="1638663075"/>
+      </p:ext>
+    </p:extLst>
+  </p:cSld>
+  <p:clrMapOvr>
+    <a:masterClrMapping/>
+  </p:clrMapOvr>
+</p:sld>
+</file>
+
+<file path=ppt/slides/slide21.xml><?xml version="1.0" encoding="utf-8"?>
+<p:sld xmlns:a="http://schemas.openxmlformats.org/drawingml/2006/main" xmlns:r="http://schemas.openxmlformats.org/officeDocument/2006/relationships" xmlns:p="http://schemas.openxmlformats.org/presentationml/2006/main">
+  <p:cSld>
+    <p:spTree>
+      <p:nvGrpSpPr>
+        <p:cNvPr id="1" name=""/>
+        <p:cNvGrpSpPr/>
+        <p:nvPr/>
+      </p:nvGrpSpPr>
+      <p:grpSpPr>
+        <a:xfrm>
+          <a:off x="0" y="0"/>
+          <a:ext cx="0" cy="0"/>
+          <a:chOff x="0" y="0"/>
+          <a:chExt cx="0" cy="0"/>
+        </a:xfrm>
+      </p:grpSpPr>
+      <p:sp>
+        <p:nvSpPr>
+          <p:cNvPr id="2" name="Title 1"/>
+          <p:cNvSpPr>
+            <a:spLocks noGrp="1"/>
+          </p:cNvSpPr>
+          <p:nvPr>
+            <p:ph type="title"/>
+          </p:nvPr>
+        </p:nvSpPr>
+        <p:spPr/>
+        <p:txBody>
+          <a:bodyPr/>
+          <a:lstStyle/>
+          <a:p>
+            <a:r>
+              <a:rPr lang="en-US" dirty="0" smtClean="0"/>
               <a:t>Interested?</a:t>
             </a:r>
             <a:endParaRPr lang="en-US" dirty="0"/>
@@ -13963,7 +14408,7 @@
 </p:sld>
 </file>
 
-<file path=ppt/slides/slide21.xml><?xml version="1.0" encoding="utf-8"?>
+<file path=ppt/slides/slide22.xml><?xml version="1.0" encoding="utf-8"?>
 <p:sld xmlns:a="http://schemas.openxmlformats.org/drawingml/2006/main" xmlns:r="http://schemas.openxmlformats.org/officeDocument/2006/relationships" xmlns:p="http://schemas.openxmlformats.org/presentationml/2006/main">
   <p:cSld>
     <p:spTree>
@@ -14385,16 +14830,8 @@
           <a:lstStyle/>
           <a:p>
             <a:r>
-              <a:rPr lang="en-US" dirty="0" err="1" smtClean="0"/>
-              <a:t>Typesafe</a:t>
-            </a:r>
-            <a:r>
               <a:rPr lang="en-US" dirty="0" smtClean="0"/>
-              <a:t> </a:t>
-            </a:r>
-            <a:r>
-              <a:rPr lang="en-US" dirty="0" err="1" smtClean="0"/>
-              <a:t>Config</a:t>
+              <a:t>Spring</a:t>
             </a:r>
             <a:endParaRPr lang="en-US" dirty="0"/>
           </a:p>
@@ -14412,97 +14849,95 @@
         </p:nvSpPr>
         <p:spPr>
           <a:xfrm>
-            <a:off x="498474" y="1589314"/>
-            <a:ext cx="7556313" cy="4144963"/>
+            <a:off x="498474" y="1981200"/>
+            <a:ext cx="7939970" cy="4144963"/>
           </a:xfrm>
         </p:spPr>
         <p:txBody>
           <a:bodyPr>
-            <a:noAutofit/>
+            <a:normAutofit fontScale="92500" lnSpcReduction="10000"/>
           </a:bodyPr>
           <a:lstStyle/>
           <a:p>
             <a:r>
-              <a:rPr lang="en-US" sz="2800" dirty="0" smtClean="0"/>
-              <a:t>Used</a:t>
-            </a:r>
-            <a:r>
-              <a:rPr lang="en-US" sz="2800" baseline="0" dirty="0" smtClean="0"/>
-              <a:t> </a:t>
-            </a:r>
-            <a:r>
-              <a:rPr lang="en-US" sz="2800" dirty="0" smtClean="0"/>
-              <a:t>by </a:t>
-            </a:r>
-            <a:r>
-              <a:rPr lang="en-US" sz="2800" baseline="0" dirty="0" smtClean="0"/>
-              <a:t>Play Framework and </a:t>
-            </a:r>
-            <a:r>
-              <a:rPr lang="en-US" sz="2800" baseline="0" dirty="0" err="1" smtClean="0"/>
-              <a:t>Akka</a:t>
-            </a:r>
-            <a:endParaRPr lang="en-US" sz="2800" baseline="0" dirty="0" smtClean="0"/>
+              <a:rPr lang="en-US" sz="3000" dirty="0" smtClean="0"/>
+              <a:t>Good integration of properties with DI</a:t>
+            </a:r>
+          </a:p>
+          <a:p>
+            <a:r>
+              <a:rPr lang="en-US" sz="3000" dirty="0" smtClean="0"/>
+              <a:t>Environment abstraction</a:t>
+            </a:r>
           </a:p>
           <a:p>
             <a:pPr lvl="1"/>
             <a:r>
-              <a:rPr lang="en-US" sz="2800" baseline="0" dirty="0" smtClean="0"/>
-              <a:t>But is a standalone project with no dependencies</a:t>
-            </a:r>
-          </a:p>
-          <a:p>
-            <a:r>
-              <a:rPr lang="en-US" sz="2800" baseline="0" dirty="0" smtClean="0"/>
-              <a:t>JSON-like format</a:t>
-            </a:r>
-          </a:p>
-          <a:p>
-            <a:r>
-              <a:rPr lang="en-US" sz="2800" baseline="0" dirty="0" smtClean="0"/>
-              <a:t>Java API</a:t>
+              <a:rPr lang="en-US" sz="3000" dirty="0" smtClean="0"/>
+              <a:t>Compose sets of property files</a:t>
             </a:r>
           </a:p>
           <a:p>
             <a:pPr lvl="1"/>
             <a:r>
-              <a:rPr lang="en-US" sz="2800" dirty="0" smtClean="0"/>
-              <a:t>Typed</a:t>
+              <a:rPr lang="en-US" sz="3000" dirty="0" smtClean="0"/>
+              <a:t>Separate sets for </a:t>
+            </a:r>
+            <a:r>
+              <a:rPr lang="en-US" sz="3000" dirty="0" err="1" smtClean="0"/>
+              <a:t>Dev</a:t>
+            </a:r>
+            <a:r>
+              <a:rPr lang="en-US" sz="3000" dirty="0" smtClean="0"/>
+              <a:t>, Test, Production, etc.</a:t>
             </a:r>
           </a:p>
           <a:p>
             <a:pPr lvl="1"/>
             <a:r>
-              <a:rPr lang="en-US" sz="2800" dirty="0" smtClean="0"/>
-              <a:t>Immutable</a:t>
+              <a:rPr lang="en-US" sz="3000" dirty="0"/>
+              <a:t>Override with system </a:t>
+            </a:r>
+            <a:r>
+              <a:rPr lang="en-US" sz="3000" dirty="0" smtClean="0"/>
+              <a:t>properties</a:t>
+            </a:r>
+          </a:p>
+          <a:p>
+            <a:r>
+              <a:rPr lang="en-US" sz="3000" dirty="0" smtClean="0"/>
+              <a:t>Spring Boot</a:t>
             </a:r>
           </a:p>
           <a:p>
             <a:pPr lvl="1"/>
             <a:r>
-              <a:rPr lang="en-US" sz="2800" dirty="0" smtClean="0"/>
-              <a:t>Power features</a:t>
-            </a:r>
+              <a:rPr lang="en-US" sz="3000" dirty="0" smtClean="0"/>
+              <a:t>Takes environment abstraction to next level</a:t>
+            </a:r>
+          </a:p>
+          <a:p>
+            <a:pPr lvl="1"/>
+            <a:r>
+              <a:rPr lang="en-US" sz="3000" dirty="0" smtClean="0"/>
+              <a:t>Supports YAML</a:t>
+            </a:r>
+          </a:p>
+          <a:p>
+            <a:endParaRPr lang="en-US" dirty="0"/>
           </a:p>
         </p:txBody>
       </p:sp>
     </p:spTree>
     <p:extLst>
       <p:ext uri="{BB962C8B-B14F-4D97-AF65-F5344CB8AC3E}">
-        <p14:creationId xmlns:p14="http://schemas.microsoft.com/office/powerpoint/2010/main" val="2639134751"/>
+        <p14:creationId xmlns:p14="http://schemas.microsoft.com/office/powerpoint/2010/main" val="2713717806"/>
       </p:ext>
     </p:extLst>
   </p:cSld>
   <p:clrMapOvr>
     <a:masterClrMapping/>
   </p:clrMapOvr>
-  <p:timing>
-    <p:tnLst>
-      <p:par>
-        <p:cTn xmlns:p14="http://schemas.microsoft.com/office/powerpoint/2010/main" id="1" dur="indefinite" restart="never" nodeType="tmRoot"/>
-      </p:par>
-    </p:tnLst>
-  </p:timing>
 </p:sld>
 </file>
 
@@ -14550,10 +14985,6 @@
               <a:rPr lang="en-US" dirty="0" err="1" smtClean="0"/>
               <a:t>Config</a:t>
             </a:r>
-            <a:r>
-              <a:rPr lang="en-US" baseline="0" dirty="0" smtClean="0"/>
-              <a:t> Format</a:t>
-            </a:r>
             <a:endParaRPr lang="en-US" dirty="0"/>
           </a:p>
         </p:txBody>
@@ -14570,234 +15001,76 @@
         </p:nvSpPr>
         <p:spPr>
           <a:xfrm>
-            <a:off x="457200" y="1344254"/>
-            <a:ext cx="8229600" cy="1195669"/>
+            <a:off x="498474" y="1589314"/>
+            <a:ext cx="7556313" cy="4144963"/>
           </a:xfrm>
         </p:spPr>
         <p:txBody>
           <a:bodyPr>
-            <a:normAutofit/>
+            <a:noAutofit/>
           </a:bodyPr>
           <a:lstStyle/>
           <a:p>
             <a:r>
               <a:rPr lang="en-US" sz="2800" dirty="0" smtClean="0"/>
-              <a:t>HOCON</a:t>
-            </a:r>
+              <a:t>Used</a:t>
+            </a:r>
+            <a:r>
+              <a:rPr lang="en-US" sz="2800" baseline="0" dirty="0" smtClean="0"/>
+              <a:t> </a:t>
+            </a:r>
+            <a:r>
+              <a:rPr lang="en-US" sz="2800" dirty="0" smtClean="0"/>
+              <a:t>by </a:t>
+            </a:r>
+            <a:r>
+              <a:rPr lang="en-US" sz="2800" baseline="0" dirty="0" smtClean="0"/>
+              <a:t>Play Framework and </a:t>
+            </a:r>
+            <a:r>
+              <a:rPr lang="en-US" sz="2800" baseline="0" dirty="0" err="1" smtClean="0"/>
+              <a:t>Akka</a:t>
+            </a:r>
+            <a:endParaRPr lang="en-US" sz="2800" baseline="0" dirty="0" smtClean="0"/>
           </a:p>
           <a:p>
             <a:pPr lvl="1"/>
             <a:r>
+              <a:rPr lang="en-US" sz="2800" baseline="0" dirty="0" smtClean="0"/>
+              <a:t>But is a standalone project with no dependencies</a:t>
+            </a:r>
+          </a:p>
+          <a:p>
+            <a:r>
+              <a:rPr lang="en-US" sz="2800" baseline="0" dirty="0" smtClean="0"/>
+              <a:t>JSON-like format</a:t>
+            </a:r>
+          </a:p>
+          <a:p>
+            <a:r>
+              <a:rPr lang="en-US" sz="2800" baseline="0" dirty="0" smtClean="0"/>
+              <a:t>Java API</a:t>
+            </a:r>
+          </a:p>
+          <a:p>
+            <a:pPr lvl="1"/>
+            <a:r>
               <a:rPr lang="en-US" sz="2800" dirty="0" smtClean="0"/>
-              <a:t>Human-Optimized </a:t>
-            </a:r>
-            <a:r>
-              <a:rPr lang="en-US" sz="2800" dirty="0" err="1" smtClean="0"/>
-              <a:t>Config</a:t>
-            </a:r>
+              <a:t>Typed</a:t>
+            </a:r>
+          </a:p>
+          <a:p>
+            <a:pPr lvl="1"/>
             <a:r>
               <a:rPr lang="en-US" sz="2800" dirty="0" smtClean="0"/>
-              <a:t> Object Notation</a:t>
-            </a:r>
-            <a:endParaRPr lang="en-US" sz="2800" dirty="0"/>
-          </a:p>
-        </p:txBody>
-      </p:sp>
-      <p:sp>
-        <p:nvSpPr>
-          <p:cNvPr id="5" name="TextBox 4"/>
-          <p:cNvSpPr txBox="1"/>
-          <p:nvPr/>
-        </p:nvSpPr>
-        <p:spPr>
-          <a:xfrm>
-            <a:off x="752563" y="2522975"/>
-            <a:ext cx="8391437" cy="3908762"/>
-          </a:xfrm>
-          <a:prstGeom prst="rect">
-            <a:avLst/>
-          </a:prstGeom>
-          <a:noFill/>
-        </p:spPr>
-        <p:txBody>
-          <a:bodyPr wrap="square" rtlCol="0">
-            <a:spAutoFit/>
-          </a:bodyPr>
-          <a:lstStyle/>
-          <a:p>
-            <a:r>
-              <a:rPr lang="en-US" sz="2800" dirty="0" smtClean="0">
-                <a:latin typeface="Consolas"/>
-                <a:cs typeface="Consolas"/>
-              </a:rPr>
-              <a:t># This is a configuration file</a:t>
-            </a:r>
-          </a:p>
-          <a:p>
-            <a:r>
-              <a:rPr lang="en-US" sz="2800" dirty="0" smtClean="0">
-                <a:latin typeface="Consolas"/>
-                <a:cs typeface="Consolas"/>
-              </a:rPr>
-              <a:t>database {</a:t>
-            </a:r>
-          </a:p>
-          <a:p>
-            <a:r>
-              <a:rPr lang="en-US" sz="2800" dirty="0">
-                <a:latin typeface="Consolas"/>
-                <a:cs typeface="Consolas"/>
-              </a:rPr>
-              <a:t> </a:t>
-            </a:r>
-            <a:r>
-              <a:rPr lang="en-US" sz="2800" dirty="0" smtClean="0">
-                <a:latin typeface="Consolas"/>
-                <a:cs typeface="Consolas"/>
-              </a:rPr>
-              <a:t>   username = "</a:t>
-            </a:r>
-            <a:r>
-              <a:rPr lang="en-US" sz="2800" dirty="0" err="1" smtClean="0">
-                <a:latin typeface="Consolas"/>
-                <a:cs typeface="Consolas"/>
-              </a:rPr>
-              <a:t>scott</a:t>
-            </a:r>
-            <a:r>
-              <a:rPr lang="en-US" sz="2800" dirty="0" smtClean="0">
-                <a:latin typeface="Consolas"/>
-                <a:cs typeface="Consolas"/>
-              </a:rPr>
-              <a:t>"   </a:t>
-            </a:r>
-          </a:p>
-          <a:p>
-            <a:r>
-              <a:rPr lang="en-US" sz="2800" dirty="0">
-                <a:latin typeface="Consolas"/>
-                <a:cs typeface="Consolas"/>
-              </a:rPr>
-              <a:t> </a:t>
-            </a:r>
-            <a:r>
-              <a:rPr lang="en-US" sz="2800" dirty="0" smtClean="0">
-                <a:latin typeface="Consolas"/>
-                <a:cs typeface="Consolas"/>
-              </a:rPr>
-              <a:t>   connections = 20</a:t>
-            </a:r>
-          </a:p>
-          <a:p>
-            <a:r>
-              <a:rPr lang="en-US" sz="2800" dirty="0">
-                <a:latin typeface="Consolas"/>
-                <a:cs typeface="Consolas"/>
-              </a:rPr>
-              <a:t> </a:t>
-            </a:r>
-            <a:r>
-              <a:rPr lang="en-US" sz="2800" dirty="0" smtClean="0">
-                <a:latin typeface="Consolas"/>
-                <a:cs typeface="Consolas"/>
-              </a:rPr>
-              <a:t>   timeout = 5 seconds</a:t>
-            </a:r>
-          </a:p>
-          <a:p>
-            <a:r>
-              <a:rPr lang="en-US" sz="2800" dirty="0">
-                <a:latin typeface="Consolas"/>
-                <a:cs typeface="Consolas"/>
-              </a:rPr>
-              <a:t> </a:t>
-            </a:r>
-            <a:r>
-              <a:rPr lang="en-US" sz="2800" dirty="0" smtClean="0">
-                <a:latin typeface="Consolas"/>
-                <a:cs typeface="Consolas"/>
-              </a:rPr>
-              <a:t> }</a:t>
-            </a:r>
-          </a:p>
-          <a:p>
-            <a:r>
-              <a:rPr lang="en-US" sz="2800" dirty="0">
-                <a:latin typeface="Consolas"/>
-                <a:cs typeface="Consolas"/>
-              </a:rPr>
-              <a:t> </a:t>
-            </a:r>
-            <a:r>
-              <a:rPr lang="en-US" sz="2800" dirty="0" smtClean="0">
-                <a:latin typeface="Consolas"/>
-                <a:cs typeface="Consolas"/>
-              </a:rPr>
-              <a:t> </a:t>
-            </a:r>
-            <a:r>
-              <a:rPr lang="en-US" sz="2800" dirty="0" err="1" smtClean="0">
-                <a:latin typeface="Consolas"/>
-                <a:cs typeface="Consolas"/>
-              </a:rPr>
-              <a:t>jms</a:t>
-            </a:r>
-            <a:r>
-              <a:rPr lang="en-US" sz="2800" dirty="0" err="1">
-                <a:latin typeface="Consolas"/>
-                <a:cs typeface="Consolas"/>
-              </a:rPr>
-              <a:t>.</a:t>
-            </a:r>
-            <a:r>
-              <a:rPr lang="en-US" sz="2800" dirty="0" err="1" smtClean="0">
-                <a:latin typeface="Consolas"/>
-                <a:cs typeface="Consolas"/>
-              </a:rPr>
-              <a:t>brokers</a:t>
-            </a:r>
-            <a:r>
-              <a:rPr lang="en-US" sz="2800" dirty="0" smtClean="0">
-                <a:latin typeface="Consolas"/>
-                <a:cs typeface="Consolas"/>
-              </a:rPr>
-              <a:t> </a:t>
-            </a:r>
-            <a:r>
-              <a:rPr lang="en-US" sz="2800" dirty="0">
-                <a:latin typeface="Consolas"/>
-                <a:cs typeface="Consolas"/>
-              </a:rPr>
-              <a:t>= </a:t>
-            </a:r>
-            <a:endParaRPr lang="en-US" sz="2800" dirty="0" smtClean="0">
-              <a:latin typeface="Consolas"/>
-              <a:cs typeface="Consolas"/>
-            </a:endParaRPr>
-          </a:p>
-          <a:p>
-            <a:r>
-              <a:rPr lang="en-US" sz="2800" dirty="0">
-                <a:latin typeface="Consolas"/>
-                <a:cs typeface="Consolas"/>
-              </a:rPr>
-              <a:t> </a:t>
-            </a:r>
-            <a:r>
-              <a:rPr lang="en-US" sz="2800" dirty="0" smtClean="0">
-                <a:latin typeface="Consolas"/>
-                <a:cs typeface="Consolas"/>
-              </a:rPr>
-              <a:t>   ["nyamq10", "sfamq20", "jpamq54" ]</a:t>
-            </a:r>
-          </a:p>
-          <a:p>
-            <a:r>
-              <a:rPr lang="en-US" sz="2400" dirty="0">
-                <a:latin typeface="Consolas"/>
-                <a:cs typeface="Consolas"/>
-              </a:rPr>
-              <a:t> </a:t>
+              <a:t>Immutable</a:t>
+            </a:r>
+          </a:p>
+          <a:p>
+            <a:pPr lvl="1"/>
+            <a:r>
+              <a:rPr lang="en-US" sz="2800" dirty="0" smtClean="0"/>
+              <a:t>Power features</a:t>
             </a:r>
           </a:p>
         </p:txBody>
@@ -14805,7 +15078,7 @@
     </p:spTree>
     <p:extLst>
       <p:ext uri="{BB962C8B-B14F-4D97-AF65-F5344CB8AC3E}">
-        <p14:creationId xmlns:p14="http://schemas.microsoft.com/office/powerpoint/2010/main" val="3697884143"/>
+        <p14:creationId xmlns:p14="http://schemas.microsoft.com/office/powerpoint/2010/main" val="2639134751"/>
       </p:ext>
     </p:extLst>
   </p:cSld>
@@ -14855,8 +15128,20 @@
           <a:lstStyle/>
           <a:p>
             <a:r>
+              <a:rPr lang="en-US" dirty="0" err="1" smtClean="0"/>
+              <a:t>Typesafe</a:t>
+            </a:r>
+            <a:r>
               <a:rPr lang="en-US" dirty="0" smtClean="0"/>
-              <a:t>External Values</a:t>
+              <a:t> </a:t>
+            </a:r>
+            <a:r>
+              <a:rPr lang="en-US" dirty="0" err="1" smtClean="0"/>
+              <a:t>Config</a:t>
+            </a:r>
+            <a:r>
+              <a:rPr lang="en-US" baseline="0" dirty="0" smtClean="0"/>
+              <a:t> Format</a:t>
             </a:r>
             <a:endParaRPr lang="en-US" dirty="0"/>
           </a:p>
@@ -14874,8 +15159,8 @@
         </p:nvSpPr>
         <p:spPr>
           <a:xfrm>
-            <a:off x="498474" y="1634067"/>
-            <a:ext cx="7556313" cy="4144963"/>
+            <a:off x="457200" y="1344254"/>
+            <a:ext cx="8229600" cy="1195669"/>
           </a:xfrm>
         </p:spPr>
         <p:txBody>
@@ -14886,53 +15171,22 @@
           <a:p>
             <a:r>
               <a:rPr lang="en-US" sz="2800" dirty="0" smtClean="0"/>
-              <a:t>System properties are used by default</a:t>
+              <a:t>HOCON</a:t>
             </a:r>
           </a:p>
           <a:p>
             <a:pPr lvl="1"/>
             <a:r>
               <a:rPr lang="en-US" sz="2800" dirty="0" smtClean="0"/>
-              <a:t>Easy to override </a:t>
+              <a:t>Human-Optimized </a:t>
             </a:r>
             <a:r>
               <a:rPr lang="en-US" sz="2800" dirty="0" err="1" smtClean="0"/>
-              <a:t>config</a:t>
+              <a:t>Config</a:t>
             </a:r>
             <a:r>
               <a:rPr lang="en-US" sz="2800" dirty="0" smtClean="0"/>
-              <a:t> values in scripts</a:t>
-            </a:r>
-            <a:endParaRPr lang="en-US" dirty="0" smtClean="0"/>
-          </a:p>
-          <a:p>
-            <a:r>
-              <a:rPr lang="en-US" sz="2800" dirty="0" smtClean="0"/>
-              <a:t>Reference environment variables</a:t>
-            </a:r>
-          </a:p>
-          <a:p>
-            <a:endParaRPr lang="en-US" dirty="0"/>
-          </a:p>
-          <a:p>
-            <a:endParaRPr lang="en-US" dirty="0" smtClean="0"/>
-          </a:p>
-          <a:p>
-            <a:pPr lvl="1"/>
-            <a:r>
-              <a:rPr lang="en-US" sz="2800" dirty="0" smtClean="0"/>
-              <a:t>Would override </a:t>
-            </a:r>
-            <a:r>
-              <a:rPr lang="en-US" sz="2800" dirty="0" err="1" smtClean="0">
-                <a:latin typeface="Consolas"/>
-                <a:cs typeface="Consolas"/>
-              </a:rPr>
-              <a:t>basedir</a:t>
-            </a:r>
-            <a:r>
-              <a:rPr lang="en-US" sz="2800" dirty="0" smtClean="0"/>
-              <a:t> if set</a:t>
+              <a:t> Object Notation</a:t>
             </a:r>
             <a:endParaRPr lang="en-US" sz="2800" dirty="0"/>
           </a:p>
@@ -14940,14 +15194,14 @@
       </p:sp>
       <p:sp>
         <p:nvSpPr>
-          <p:cNvPr id="4" name="TextBox 3"/>
+          <p:cNvPr id="5" name="TextBox 4"/>
           <p:cNvSpPr txBox="1"/>
           <p:nvPr/>
         </p:nvSpPr>
         <p:spPr>
           <a:xfrm>
-            <a:off x="866404" y="3397606"/>
-            <a:ext cx="6163277" cy="954107"/>
+            <a:off x="752563" y="2522975"/>
+            <a:ext cx="8391437" cy="3908762"/>
           </a:xfrm>
           <a:prstGeom prst="rect">
             <a:avLst/>
@@ -14961,74 +15215,186 @@
           <a:lstStyle/>
           <a:p>
             <a:r>
+              <a:rPr lang="en-US" sz="2800" dirty="0" smtClean="0">
+                <a:latin typeface="Consolas"/>
+                <a:cs typeface="Consolas"/>
+              </a:rPr>
+              <a:t># This is a configuration file</a:t>
+            </a:r>
+          </a:p>
+          <a:p>
+            <a:r>
+              <a:rPr lang="en-US" sz="2800" dirty="0" smtClean="0">
+                <a:latin typeface="Consolas"/>
+                <a:cs typeface="Consolas"/>
+              </a:rPr>
+              <a:t>database {</a:t>
+            </a:r>
+          </a:p>
+          <a:p>
+            <a:r>
+              <a:rPr lang="en-US" sz="2800" dirty="0">
+                <a:latin typeface="Consolas"/>
+                <a:cs typeface="Consolas"/>
+              </a:rPr>
+              <a:t> </a:t>
+            </a:r>
+            <a:r>
+              <a:rPr lang="en-US" sz="2800" dirty="0" smtClean="0">
+                <a:latin typeface="Consolas"/>
+                <a:cs typeface="Consolas"/>
+              </a:rPr>
+              <a:t>   username = "</a:t>
+            </a:r>
+            <a:r>
+              <a:rPr lang="en-US" sz="2800" dirty="0" err="1" smtClean="0">
+                <a:latin typeface="Consolas"/>
+                <a:cs typeface="Consolas"/>
+              </a:rPr>
+              <a:t>scott</a:t>
+            </a:r>
+            <a:r>
+              <a:rPr lang="en-US" sz="2800" dirty="0" smtClean="0">
+                <a:latin typeface="Consolas"/>
+                <a:cs typeface="Consolas"/>
+              </a:rPr>
+              <a:t>"   </a:t>
+            </a:r>
+          </a:p>
+          <a:p>
+            <a:r>
+              <a:rPr lang="en-US" sz="2800" dirty="0">
+                <a:latin typeface="Consolas"/>
+                <a:cs typeface="Consolas"/>
+              </a:rPr>
+              <a:t> </a:t>
+            </a:r>
+            <a:r>
+              <a:rPr lang="en-US" sz="2800" dirty="0" smtClean="0">
+                <a:latin typeface="Consolas"/>
+                <a:cs typeface="Consolas"/>
+              </a:rPr>
+              <a:t>   connections = 20</a:t>
+            </a:r>
+          </a:p>
+          <a:p>
+            <a:r>
+              <a:rPr lang="en-US" sz="2800" dirty="0">
+                <a:latin typeface="Consolas"/>
+                <a:cs typeface="Consolas"/>
+              </a:rPr>
+              <a:t> </a:t>
+            </a:r>
+            <a:r>
+              <a:rPr lang="en-US" sz="2800" dirty="0" smtClean="0">
+                <a:latin typeface="Consolas"/>
+                <a:cs typeface="Consolas"/>
+              </a:rPr>
+              <a:t>   timeout = 5 seconds</a:t>
+            </a:r>
+          </a:p>
+          <a:p>
+            <a:r>
+              <a:rPr lang="en-US" sz="2800" dirty="0">
+                <a:latin typeface="Consolas"/>
+                <a:cs typeface="Consolas"/>
+              </a:rPr>
+              <a:t> </a:t>
+            </a:r>
+            <a:r>
+              <a:rPr lang="en-US" sz="2800" dirty="0" smtClean="0">
+                <a:latin typeface="Consolas"/>
+                <a:cs typeface="Consolas"/>
+              </a:rPr>
+              <a:t> }</a:t>
+            </a:r>
+          </a:p>
+          <a:p>
+            <a:r>
+              <a:rPr lang="en-US" sz="2800" dirty="0">
+                <a:latin typeface="Consolas"/>
+                <a:cs typeface="Consolas"/>
+              </a:rPr>
+              <a:t> </a:t>
+            </a:r>
+            <a:r>
+              <a:rPr lang="en-US" sz="2800" dirty="0" smtClean="0">
+                <a:latin typeface="Consolas"/>
+                <a:cs typeface="Consolas"/>
+              </a:rPr>
+              <a:t> </a:t>
+            </a:r>
+            <a:r>
+              <a:rPr lang="en-US" sz="2800" dirty="0" err="1" smtClean="0">
+                <a:latin typeface="Consolas"/>
+                <a:cs typeface="Consolas"/>
+              </a:rPr>
+              <a:t>jms</a:t>
+            </a:r>
+            <a:r>
               <a:rPr lang="en-US" sz="2800" dirty="0" err="1">
                 <a:latin typeface="Consolas"/>
                 <a:cs typeface="Consolas"/>
               </a:rPr>
-              <a:t>b</a:t>
+              <a:t>.</a:t>
             </a:r>
             <a:r>
               <a:rPr lang="en-US" sz="2800" dirty="0" err="1" smtClean="0">
                 <a:latin typeface="Consolas"/>
                 <a:cs typeface="Consolas"/>
               </a:rPr>
-              <a:t>asedir</a:t>
+              <a:t>brokers</a:t>
             </a:r>
             <a:r>
               <a:rPr lang="en-US" sz="2800" dirty="0" smtClean="0">
                 <a:latin typeface="Consolas"/>
                 <a:cs typeface="Consolas"/>
               </a:rPr>
-              <a:t> = "/foo/bar/</a:t>
-            </a:r>
-            <a:r>
-              <a:rPr lang="en-US" sz="2800" dirty="0" err="1" smtClean="0">
-                <a:latin typeface="Consolas"/>
-                <a:cs typeface="Consolas"/>
-              </a:rPr>
-              <a:t>baz</a:t>
-            </a:r>
-            <a:r>
-              <a:rPr lang="en-US" sz="2800" dirty="0" smtClean="0">
-                <a:latin typeface="Consolas"/>
-                <a:cs typeface="Consolas"/>
-              </a:rPr>
-              <a:t>"</a:t>
-            </a:r>
-          </a:p>
-          <a:p>
-            <a:r>
-              <a:rPr lang="en-US" sz="2800" dirty="0" err="1">
-                <a:latin typeface="Consolas"/>
-                <a:cs typeface="Consolas"/>
-              </a:rPr>
-              <a:t>b</a:t>
-            </a:r>
-            <a:r>
-              <a:rPr lang="en-US" sz="2800" dirty="0" err="1" smtClean="0">
-                <a:latin typeface="Consolas"/>
-                <a:cs typeface="Consolas"/>
-              </a:rPr>
-              <a:t>asedir</a:t>
-            </a:r>
-            <a:r>
-              <a:rPr lang="en-US" sz="2800" dirty="0" smtClean="0">
-                <a:latin typeface="Consolas"/>
-                <a:cs typeface="Consolas"/>
-              </a:rPr>
-              <a:t> = ${?BASEDIR_OVERRIDE}</a:t>
-            </a:r>
-            <a:endParaRPr lang="en-US" sz="2800" dirty="0">
+              <a:t> </a:t>
+            </a:r>
+            <a:r>
+              <a:rPr lang="en-US" sz="2800" dirty="0">
+                <a:latin typeface="Consolas"/>
+                <a:cs typeface="Consolas"/>
+              </a:rPr>
+              <a:t>= </a:t>
+            </a:r>
+            <a:endParaRPr lang="en-US" sz="2800" dirty="0" smtClean="0">
               <a:latin typeface="Consolas"/>
               <a:cs typeface="Consolas"/>
             </a:endParaRPr>
           </a:p>
+          <a:p>
+            <a:r>
+              <a:rPr lang="en-US" sz="2800" dirty="0">
+                <a:latin typeface="Consolas"/>
+                <a:cs typeface="Consolas"/>
+              </a:rPr>
+              <a:t> </a:t>
+            </a:r>
+            <a:r>
+              <a:rPr lang="en-US" sz="2800" dirty="0" smtClean="0">
+                <a:latin typeface="Consolas"/>
+                <a:cs typeface="Consolas"/>
+              </a:rPr>
+              <a:t>   ["nyamq10", "sfamq20", "jpamq54" ]</a:t>
+            </a:r>
+          </a:p>
+          <a:p>
+            <a:r>
+              <a:rPr lang="en-US" sz="2400" dirty="0">
+                <a:latin typeface="Consolas"/>
+                <a:cs typeface="Consolas"/>
+              </a:rPr>
+              <a:t> </a:t>
+            </a:r>
+          </a:p>
         </p:txBody>
       </p:sp>
     </p:spTree>
     <p:extLst>
       <p:ext uri="{BB962C8B-B14F-4D97-AF65-F5344CB8AC3E}">
-        <p14:creationId xmlns:p14="http://schemas.microsoft.com/office/powerpoint/2010/main" val="3348223655"/>
+        <p14:creationId xmlns:p14="http://schemas.microsoft.com/office/powerpoint/2010/main" val="3697884143"/>
       </p:ext>
     </p:extLst>
   </p:cSld>
@@ -15079,9 +15445,85 @@
           <a:p>
             <a:r>
               <a:rPr lang="en-US" dirty="0" smtClean="0"/>
-              <a:t>API examples</a:t>
+              <a:t>External Values</a:t>
             </a:r>
             <a:endParaRPr lang="en-US" dirty="0"/>
+          </a:p>
+        </p:txBody>
+      </p:sp>
+      <p:sp>
+        <p:nvSpPr>
+          <p:cNvPr id="3" name="Content Placeholder 2"/>
+          <p:cNvSpPr>
+            <a:spLocks noGrp="1"/>
+          </p:cNvSpPr>
+          <p:nvPr>
+            <p:ph idx="1"/>
+          </p:nvPr>
+        </p:nvSpPr>
+        <p:spPr>
+          <a:xfrm>
+            <a:off x="498474" y="1634067"/>
+            <a:ext cx="7556313" cy="4144963"/>
+          </a:xfrm>
+        </p:spPr>
+        <p:txBody>
+          <a:bodyPr>
+            <a:normAutofit/>
+          </a:bodyPr>
+          <a:lstStyle/>
+          <a:p>
+            <a:r>
+              <a:rPr lang="en-US" sz="2800" dirty="0" smtClean="0"/>
+              <a:t>System properties are used by default</a:t>
+            </a:r>
+          </a:p>
+          <a:p>
+            <a:pPr lvl="1"/>
+            <a:r>
+              <a:rPr lang="en-US" sz="2800" dirty="0" smtClean="0"/>
+              <a:t>Easy to override </a:t>
+            </a:r>
+            <a:r>
+              <a:rPr lang="en-US" sz="2800" dirty="0" err="1" smtClean="0"/>
+              <a:t>config</a:t>
+            </a:r>
+            <a:r>
+              <a:rPr lang="en-US" sz="2800" dirty="0" smtClean="0"/>
+              <a:t> values in scripts</a:t>
+            </a:r>
+            <a:endParaRPr lang="en-US" dirty="0" smtClean="0"/>
+          </a:p>
+          <a:p>
+            <a:r>
+              <a:rPr lang="en-US" sz="2800" dirty="0" smtClean="0"/>
+              <a:t>Reference environment variables</a:t>
+            </a:r>
+          </a:p>
+          <a:p>
+            <a:endParaRPr lang="en-US" dirty="0"/>
+          </a:p>
+          <a:p>
+            <a:endParaRPr lang="en-US" dirty="0" smtClean="0"/>
+          </a:p>
+          <a:p>
+            <a:pPr lvl="1"/>
+            <a:r>
+              <a:rPr lang="en-US" sz="2800" dirty="0" smtClean="0"/>
+              <a:t>Would override </a:t>
+            </a:r>
+            <a:r>
+              <a:rPr lang="en-US" sz="2800" dirty="0" err="1" smtClean="0">
+                <a:latin typeface="Consolas"/>
+                <a:cs typeface="Consolas"/>
+              </a:rPr>
+              <a:t>basedir</a:t>
+            </a:r>
+            <a:r>
+              <a:rPr lang="en-US" sz="2800" dirty="0" smtClean="0"/>
+              <a:t> if set</a:t>
+            </a:r>
+            <a:endParaRPr lang="en-US" sz="2800" dirty="0"/>
           </a:p>
         </p:txBody>
       </p:sp>
@@ -15093,8 +15535,8 @@
         </p:nvSpPr>
         <p:spPr>
           <a:xfrm>
-            <a:off x="498474" y="1200460"/>
-            <a:ext cx="7955157" cy="4308872"/>
+            <a:off x="866404" y="3397606"/>
+            <a:ext cx="6163277" cy="954107"/>
           </a:xfrm>
           <a:prstGeom prst="rect">
             <a:avLst/>
@@ -15108,221 +15550,74 @@
           <a:lstStyle/>
           <a:p>
             <a:r>
+              <a:rPr lang="en-US" sz="2800" dirty="0" err="1">
+                <a:latin typeface="Consolas"/>
+                <a:cs typeface="Consolas"/>
+              </a:rPr>
+              <a:t>b</a:t>
+            </a:r>
+            <a:r>
+              <a:rPr lang="en-US" sz="2800" dirty="0" err="1" smtClean="0">
+                <a:latin typeface="Consolas"/>
+                <a:cs typeface="Consolas"/>
+              </a:rPr>
+              <a:t>asedir</a:t>
+            </a:r>
+            <a:r>
               <a:rPr lang="en-US" sz="2800" dirty="0" smtClean="0">
                 <a:latin typeface="Consolas"/>
                 <a:cs typeface="Consolas"/>
               </a:rPr>
-              <a:t># Loads all </a:t>
+              <a:t> = "/foo/bar/</a:t>
             </a:r>
             <a:r>
               <a:rPr lang="en-US" sz="2800" dirty="0" err="1" smtClean="0">
                 <a:latin typeface="Consolas"/>
                 <a:cs typeface="Consolas"/>
               </a:rPr>
-              <a:t>application.conf</a:t>
+              <a:t>baz</a:t>
             </a:r>
             <a:r>
               <a:rPr lang="en-US" sz="2800" dirty="0" smtClean="0">
                 <a:latin typeface="Consolas"/>
                 <a:cs typeface="Consolas"/>
               </a:rPr>
-              <a:t> in the </a:t>
-            </a:r>
-          </a:p>
-          <a:p>
+              <a:t>"</a:t>
+            </a:r>
+          </a:p>
+          <a:p>
+            <a:r>
+              <a:rPr lang="en-US" sz="2800" dirty="0" err="1">
+                <a:latin typeface="Consolas"/>
+                <a:cs typeface="Consolas"/>
+              </a:rPr>
+              <a:t>b</a:t>
+            </a:r>
+            <a:r>
+              <a:rPr lang="en-US" sz="2800" dirty="0" err="1" smtClean="0">
+                <a:latin typeface="Consolas"/>
+                <a:cs typeface="Consolas"/>
+              </a:rPr>
+              <a:t>asedir</a:t>
+            </a:r>
             <a:r>
               <a:rPr lang="en-US" sz="2800" dirty="0" smtClean="0">
                 <a:latin typeface="Consolas"/>
                 <a:cs typeface="Consolas"/>
               </a:rPr>
-              <a:t># </a:t>
-            </a:r>
-            <a:r>
-              <a:rPr lang="en-US" sz="2800" dirty="0" err="1" smtClean="0">
-                <a:latin typeface="Consolas"/>
-                <a:cs typeface="Consolas"/>
-              </a:rPr>
-              <a:t>classpath</a:t>
-            </a:r>
-            <a:endParaRPr lang="en-US" sz="2800" dirty="0" smtClean="0">
+              <a:t> = ${?BASEDIR_OVERRIDE}</a:t>
+            </a:r>
+            <a:endParaRPr lang="en-US" sz="2800" dirty="0">
               <a:latin typeface="Consolas"/>
               <a:cs typeface="Consolas"/>
             </a:endParaRPr>
           </a:p>
-          <a:p>
-            <a:r>
-              <a:rPr lang="en-US" sz="2800" dirty="0" err="1" smtClean="0">
-                <a:latin typeface="Consolas"/>
-                <a:cs typeface="Consolas"/>
-              </a:rPr>
-              <a:t>Config</a:t>
-            </a:r>
-            <a:r>
-              <a:rPr lang="en-US" sz="2800" dirty="0" smtClean="0">
-                <a:latin typeface="Consolas"/>
-                <a:cs typeface="Consolas"/>
-              </a:rPr>
-              <a:t> </a:t>
-            </a:r>
-            <a:r>
-              <a:rPr lang="en-US" sz="2800" dirty="0" err="1" smtClean="0">
-                <a:latin typeface="Consolas"/>
-                <a:cs typeface="Consolas"/>
-              </a:rPr>
-              <a:t>config</a:t>
-            </a:r>
-            <a:r>
-              <a:rPr lang="en-US" sz="2800" dirty="0" smtClean="0">
-                <a:latin typeface="Consolas"/>
-                <a:cs typeface="Consolas"/>
-              </a:rPr>
-              <a:t> = </a:t>
-            </a:r>
-            <a:r>
-              <a:rPr lang="en-US" sz="2800" dirty="0" err="1" smtClean="0">
-                <a:latin typeface="Consolas"/>
-                <a:cs typeface="Consolas"/>
-              </a:rPr>
-              <a:t>ConfigFactory.load</a:t>
-            </a:r>
-            <a:r>
-              <a:rPr lang="en-US" sz="2800" dirty="0" smtClean="0">
-                <a:latin typeface="Consolas"/>
-                <a:cs typeface="Consolas"/>
-              </a:rPr>
-              <a:t>()</a:t>
-            </a:r>
-          </a:p>
-          <a:p>
-            <a:endParaRPr lang="en-US" sz="2800" dirty="0" smtClean="0">
-              <a:latin typeface="Consolas"/>
-              <a:cs typeface="Consolas"/>
-            </a:endParaRPr>
-          </a:p>
-          <a:p>
-            <a:r>
-              <a:rPr lang="en-US" sz="2800" dirty="0" smtClean="0">
-                <a:latin typeface="Consolas"/>
-                <a:cs typeface="Consolas"/>
-              </a:rPr>
-              <a:t>String username =</a:t>
-            </a:r>
-          </a:p>
-          <a:p>
-            <a:r>
-              <a:rPr lang="en-US" sz="2800" dirty="0" smtClean="0">
-                <a:latin typeface="Consolas"/>
-                <a:cs typeface="Consolas"/>
-              </a:rPr>
-              <a:t>  </a:t>
-            </a:r>
-            <a:r>
-              <a:rPr lang="en-US" sz="2800" dirty="0" err="1" smtClean="0">
-                <a:latin typeface="Consolas"/>
-                <a:cs typeface="Consolas"/>
-              </a:rPr>
-              <a:t>config.getString</a:t>
-            </a:r>
-            <a:r>
-              <a:rPr lang="en-US" sz="2800" dirty="0" smtClean="0">
-                <a:latin typeface="Consolas"/>
-                <a:cs typeface="Consolas"/>
-              </a:rPr>
-              <a:t>("</a:t>
-            </a:r>
-            <a:r>
-              <a:rPr lang="en-US" sz="2800" dirty="0" err="1" smtClean="0">
-                <a:latin typeface="Consolas"/>
-                <a:cs typeface="Consolas"/>
-              </a:rPr>
-              <a:t>database.username</a:t>
-            </a:r>
-            <a:r>
-              <a:rPr lang="en-US" sz="2800" dirty="0" smtClean="0">
-                <a:latin typeface="Consolas"/>
-                <a:cs typeface="Consolas"/>
-              </a:rPr>
-              <a:t>")</a:t>
-            </a:r>
-          </a:p>
-          <a:p>
-            <a:endParaRPr lang="en-US" sz="2800" dirty="0" smtClean="0">
-              <a:latin typeface="Consolas"/>
-              <a:cs typeface="Consolas"/>
-            </a:endParaRPr>
-          </a:p>
-          <a:p>
-            <a:r>
-              <a:rPr lang="en-US" sz="2800" dirty="0" err="1" smtClean="0">
-                <a:latin typeface="Consolas"/>
-                <a:cs typeface="Consolas"/>
-              </a:rPr>
-              <a:t>int</a:t>
-            </a:r>
-            <a:r>
-              <a:rPr lang="en-US" sz="2800" dirty="0" smtClean="0">
-                <a:latin typeface="Consolas"/>
-                <a:cs typeface="Consolas"/>
-              </a:rPr>
-              <a:t> connections = </a:t>
-            </a:r>
-          </a:p>
-          <a:p>
-            <a:r>
-              <a:rPr lang="en-US" sz="2800" dirty="0">
-                <a:latin typeface="Consolas"/>
-                <a:cs typeface="Consolas"/>
-              </a:rPr>
-              <a:t> </a:t>
-            </a:r>
-            <a:r>
-              <a:rPr lang="en-US" sz="2800" dirty="0" smtClean="0">
-                <a:latin typeface="Consolas"/>
-                <a:cs typeface="Consolas"/>
-              </a:rPr>
-              <a:t> </a:t>
-            </a:r>
-            <a:r>
-              <a:rPr lang="en-US" sz="2800" dirty="0" err="1" smtClean="0">
-                <a:latin typeface="Consolas"/>
-                <a:cs typeface="Consolas"/>
-              </a:rPr>
-              <a:t>config.getInt</a:t>
-            </a:r>
-            <a:r>
-              <a:rPr lang="en-US" sz="2800" dirty="0" smtClean="0">
-                <a:latin typeface="Consolas"/>
-                <a:cs typeface="Consolas"/>
-              </a:rPr>
-              <a:t>("</a:t>
-            </a:r>
-            <a:r>
-              <a:rPr lang="en-US" sz="2800" dirty="0" err="1" smtClean="0">
-                <a:latin typeface="Consolas"/>
-                <a:cs typeface="Consolas"/>
-              </a:rPr>
-              <a:t>database.connections</a:t>
-            </a:r>
-            <a:r>
-              <a:rPr lang="en-US" sz="2800" dirty="0" smtClean="0">
-                <a:latin typeface="Consolas"/>
-                <a:cs typeface="Consolas"/>
-              </a:rPr>
-              <a:t>")</a:t>
-            </a:r>
-          </a:p>
-          <a:p>
-            <a:endParaRPr lang="en-US" sz="2200" dirty="0">
-              <a:latin typeface="Consolas"/>
-              <a:cs typeface="Consolas"/>
-            </a:endParaRPr>
-          </a:p>
         </p:txBody>
       </p:sp>
     </p:spTree>
     <p:extLst>
       <p:ext uri="{BB962C8B-B14F-4D97-AF65-F5344CB8AC3E}">
-        <p14:creationId xmlns:p14="http://schemas.microsoft.com/office/powerpoint/2010/main" val="2811183408"/>
+        <p14:creationId xmlns:p14="http://schemas.microsoft.com/office/powerpoint/2010/main" val="3348223655"/>
       </p:ext>
     </p:extLst>
   </p:cSld>
@@ -15373,7 +15668,7 @@
           <a:p>
             <a:r>
               <a:rPr lang="en-US" dirty="0" smtClean="0"/>
-              <a:t>API Examples</a:t>
+              <a:t>API examples</a:t>
             </a:r>
             <a:endParaRPr lang="en-US" dirty="0"/>
           </a:p>
@@ -15381,14 +15676,14 @@
       </p:sp>
       <p:sp>
         <p:nvSpPr>
-          <p:cNvPr id="6" name="TextBox 5"/>
+          <p:cNvPr id="4" name="TextBox 3"/>
           <p:cNvSpPr txBox="1"/>
           <p:nvPr/>
         </p:nvSpPr>
         <p:spPr>
           <a:xfrm>
-            <a:off x="498474" y="1272757"/>
-            <a:ext cx="8145298" cy="4832093"/>
+            <a:off x="498474" y="1200460"/>
+            <a:ext cx="7955157" cy="4308872"/>
           </a:xfrm>
           <a:prstGeom prst="rect">
             <a:avLst/>
@@ -15402,135 +15697,41 @@
           <a:lstStyle/>
           <a:p>
             <a:r>
-              <a:rPr lang="en-US" sz="2800" dirty="0">
+              <a:rPr lang="en-US" sz="2800" dirty="0" smtClean="0">
+                <a:latin typeface="Consolas"/>
+                <a:cs typeface="Consolas"/>
+              </a:rPr>
+              <a:t># Loads all </a:t>
+            </a:r>
+            <a:r>
+              <a:rPr lang="en-US" sz="2800" dirty="0" err="1" smtClean="0">
+                <a:latin typeface="Consolas"/>
+                <a:cs typeface="Consolas"/>
+              </a:rPr>
+              <a:t>application.conf</a:t>
+            </a:r>
+            <a:r>
+              <a:rPr lang="en-US" sz="2800" dirty="0" smtClean="0">
+                <a:latin typeface="Consolas"/>
+                <a:cs typeface="Consolas"/>
+              </a:rPr>
+              <a:t> in the </a:t>
+            </a:r>
+          </a:p>
+          <a:p>
+            <a:r>
+              <a:rPr lang="en-US" sz="2800" dirty="0" smtClean="0">
                 <a:latin typeface="Consolas"/>
                 <a:cs typeface="Consolas"/>
               </a:rPr>
               <a:t># </a:t>
             </a:r>
             <a:r>
-              <a:rPr lang="en-US" sz="2800" dirty="0" smtClean="0">
-                <a:latin typeface="Consolas"/>
-                <a:cs typeface="Consolas"/>
-              </a:rPr>
-              <a:t>Values are </a:t>
-            </a:r>
-            <a:r>
-              <a:rPr lang="en-US" sz="2800" dirty="0">
-                <a:latin typeface="Consolas"/>
-                <a:cs typeface="Consolas"/>
-              </a:rPr>
-              <a:t>like </a:t>
-            </a:r>
-            <a:r>
-              <a:rPr lang="en-US" sz="2800" dirty="0" smtClean="0">
-                <a:latin typeface="Consolas"/>
-                <a:cs typeface="Consolas"/>
-              </a:rPr>
-              <a:t>"15s", "5 minutes"</a:t>
-            </a:r>
-            <a:endParaRPr lang="en-US" sz="2800" dirty="0">
-              <a:latin typeface="Consolas"/>
-              <a:cs typeface="Consolas"/>
-            </a:endParaRPr>
-          </a:p>
-          <a:p>
-            <a:r>
-              <a:rPr lang="en-US" sz="2800" dirty="0">
-                <a:latin typeface="Consolas"/>
-                <a:cs typeface="Consolas"/>
-              </a:rPr>
-              <a:t>Duration timeout = </a:t>
-            </a:r>
-          </a:p>
-          <a:p>
-            <a:r>
-              <a:rPr lang="en-US" sz="2800" dirty="0" smtClean="0">
-                <a:latin typeface="Consolas"/>
-                <a:cs typeface="Consolas"/>
-              </a:rPr>
-              <a:t>  </a:t>
-            </a:r>
-            <a:r>
               <a:rPr lang="en-US" sz="2800" dirty="0" err="1" smtClean="0">
                 <a:latin typeface="Consolas"/>
                 <a:cs typeface="Consolas"/>
               </a:rPr>
-              <a:t>config.getDuration</a:t>
-            </a:r>
-            <a:r>
-              <a:rPr lang="en-US" sz="2800" dirty="0" smtClean="0">
-                <a:latin typeface="Consolas"/>
-                <a:cs typeface="Consolas"/>
-              </a:rPr>
-              <a:t>("</a:t>
-            </a:r>
-            <a:r>
-              <a:rPr lang="en-US" sz="2800" dirty="0" err="1" smtClean="0">
-                <a:latin typeface="Consolas"/>
-                <a:cs typeface="Consolas"/>
-              </a:rPr>
-              <a:t>database.timeout</a:t>
-            </a:r>
-            <a:r>
-              <a:rPr lang="en-US" sz="2800" dirty="0" smtClean="0">
-                <a:latin typeface="Consolas"/>
-                <a:cs typeface="Consolas"/>
-              </a:rPr>
-              <a:t>")</a:t>
-            </a:r>
-            <a:endParaRPr lang="en-US" sz="2800" dirty="0">
-              <a:latin typeface="Consolas"/>
-              <a:cs typeface="Consolas"/>
-            </a:endParaRPr>
-          </a:p>
-          <a:p>
-            <a:endParaRPr lang="en-US" sz="2800" dirty="0">
-              <a:latin typeface="Consolas"/>
-              <a:cs typeface="Consolas"/>
-            </a:endParaRPr>
-          </a:p>
-          <a:p>
-            <a:r>
-              <a:rPr lang="en-US" sz="2800" dirty="0">
-                <a:latin typeface="Consolas"/>
-                <a:cs typeface="Consolas"/>
-              </a:rPr>
-              <a:t># </a:t>
-            </a:r>
-            <a:r>
-              <a:rPr lang="en-US" sz="2800" dirty="0" smtClean="0">
-                <a:latin typeface="Consolas"/>
-                <a:cs typeface="Consolas"/>
-              </a:rPr>
-              <a:t>Values are </a:t>
-            </a:r>
-            <a:r>
-              <a:rPr lang="en-US" sz="2800" dirty="0">
-                <a:latin typeface="Consolas"/>
-                <a:cs typeface="Consolas"/>
-              </a:rPr>
-              <a:t>like </a:t>
-            </a:r>
-            <a:r>
-              <a:rPr lang="en-US" sz="2800" dirty="0" smtClean="0">
-                <a:latin typeface="Consolas"/>
-                <a:cs typeface="Consolas"/>
-              </a:rPr>
-              <a:t>"100m", "2 gigs"</a:t>
-            </a:r>
-            <a:endParaRPr lang="en-US" sz="2800" dirty="0">
-              <a:latin typeface="Consolas"/>
-              <a:cs typeface="Consolas"/>
-            </a:endParaRPr>
-          </a:p>
-          <a:p>
-            <a:r>
-              <a:rPr lang="en-US" sz="2800" dirty="0">
-                <a:latin typeface="Consolas"/>
-                <a:cs typeface="Consolas"/>
-              </a:rPr>
-              <a:t>long size = </a:t>
+              <a:t>classpath</a:t>
             </a:r>
             <a:endParaRPr lang="en-US" sz="2800" dirty="0" smtClean="0">
               <a:latin typeface="Consolas"/>
@@ -15539,48 +15740,47 @@
           </a:p>
           <a:p>
             <a:r>
-              <a:rPr lang="en-US" sz="2800" dirty="0">
+              <a:rPr lang="en-US" sz="2800" dirty="0" err="1" smtClean="0">
+                <a:latin typeface="Consolas"/>
+                <a:cs typeface="Consolas"/>
+              </a:rPr>
+              <a:t>Config</a:t>
+            </a:r>
+            <a:r>
+              <a:rPr lang="en-US" sz="2800" dirty="0" smtClean="0">
                 <a:latin typeface="Consolas"/>
                 <a:cs typeface="Consolas"/>
               </a:rPr>
               <a:t> </a:t>
             </a:r>
             <a:r>
+              <a:rPr lang="en-US" sz="2800" dirty="0" err="1" smtClean="0">
+                <a:latin typeface="Consolas"/>
+                <a:cs typeface="Consolas"/>
+              </a:rPr>
+              <a:t>config</a:t>
+            </a:r>
+            <a:r>
               <a:rPr lang="en-US" sz="2800" dirty="0" smtClean="0">
                 <a:latin typeface="Consolas"/>
                 <a:cs typeface="Consolas"/>
               </a:rPr>
-              <a:t> </a:t>
+              <a:t> = </a:t>
             </a:r>
             <a:r>
               <a:rPr lang="en-US" sz="2800" dirty="0" err="1" smtClean="0">
                 <a:latin typeface="Consolas"/>
                 <a:cs typeface="Consolas"/>
               </a:rPr>
-              <a:t>config.getBytes</a:t>
+              <a:t>ConfigFactory.load</a:t>
             </a:r>
             <a:r>
               <a:rPr lang="en-US" sz="2800" dirty="0" smtClean="0">
                 <a:latin typeface="Consolas"/>
                 <a:cs typeface="Consolas"/>
               </a:rPr>
-              <a:t>("</a:t>
-            </a:r>
-            <a:r>
-              <a:rPr lang="en-US" sz="2800" dirty="0" err="1" smtClean="0">
-                <a:latin typeface="Consolas"/>
-                <a:cs typeface="Consolas"/>
-              </a:rPr>
-              <a:t>cache.size</a:t>
-            </a:r>
-            <a:r>
-              <a:rPr lang="en-US" sz="2800" dirty="0" smtClean="0">
-                <a:latin typeface="Consolas"/>
-                <a:cs typeface="Consolas"/>
-              </a:rPr>
-              <a:t>")</a:t>
-            </a:r>
-            <a:endParaRPr lang="en-US" sz="2800" dirty="0"/>
+              <a:t>()</a:t>
+            </a:r>
           </a:p>
           <a:p>
             <a:endParaRPr lang="en-US" sz="2800" dirty="0" smtClean="0">
@@ -15594,7 +15794,7 @@
                 <a:latin typeface="Consolas"/>
                 <a:cs typeface="Consolas"/>
               </a:rPr>
-              <a:t># A list of values</a:t>
+              <a:t>String username =</a:t>
             </a:r>
           </a:p>
           <a:p>
@@ -15603,63 +15803,115 @@
                 <a:latin typeface="Consolas"/>
                 <a:cs typeface="Consolas"/>
               </a:rPr>
-              <a:t>List&lt;String&gt; brokers =  </a:t>
-            </a:r>
-          </a:p>
-          <a:p>
-            <a:r>
-              <a:rPr lang="en-US" sz="2800" dirty="0">
-                <a:latin typeface="Consolas"/>
-                <a:cs typeface="Consolas"/>
-              </a:rPr>
-              <a:t> </a:t>
+              <a:t>  </a:t>
+            </a:r>
+            <a:r>
+              <a:rPr lang="en-US" sz="2800" dirty="0" err="1" smtClean="0">
+                <a:latin typeface="Consolas"/>
+                <a:cs typeface="Consolas"/>
+              </a:rPr>
+              <a:t>config.getString</a:t>
             </a:r>
             <a:r>
               <a:rPr lang="en-US" sz="2800" dirty="0" smtClean="0">
                 <a:latin typeface="Consolas"/>
                 <a:cs typeface="Consolas"/>
               </a:rPr>
-              <a:t> </a:t>
+              <a:t>("</a:t>
             </a:r>
             <a:r>
               <a:rPr lang="en-US" sz="2800" dirty="0" err="1" smtClean="0">
                 <a:latin typeface="Consolas"/>
                 <a:cs typeface="Consolas"/>
               </a:rPr>
-              <a:t>config.getStringList</a:t>
+              <a:t>database.username</a:t>
             </a:r>
             <a:r>
               <a:rPr lang="en-US" sz="2800" dirty="0" smtClean="0">
                 <a:latin typeface="Consolas"/>
                 <a:cs typeface="Consolas"/>
               </a:rPr>
-              <a:t>("</a:t>
-            </a:r>
-            <a:r>
-              <a:rPr lang="en-US" sz="2800" dirty="0" err="1" smtClean="0">
-                <a:latin typeface="Consolas"/>
-                <a:cs typeface="Consolas"/>
-              </a:rPr>
-              <a:t>jms.brokers</a:t>
-            </a:r>
-            <a:r>
-              <a:rPr lang="en-US" sz="2800" dirty="0" smtClean="0">
-                <a:latin typeface="Consolas"/>
-                <a:cs typeface="Consolas"/>
-              </a:rPr>
               <a:t>")</a:t>
             </a:r>
-            <a:endParaRPr lang="en-US" sz="2800" dirty="0">
+          </a:p>
+          <a:p>
+            <a:endParaRPr lang="en-US" sz="2800" dirty="0" smtClean="0">
               <a:latin typeface="Consolas"/>
               <a:cs typeface="Consolas"/>
             </a:endParaRPr>
           </a:p>
+          <a:p>
+            <a:r>
+              <a:rPr lang="en-US" sz="2800" dirty="0" err="1" smtClean="0">
+                <a:latin typeface="Consolas"/>
+                <a:cs typeface="Consolas"/>
+              </a:rPr>
+              <a:t>int</a:t>
+            </a:r>
+            <a:r>
+              <a:rPr lang="en-US" sz="2800" dirty="0" smtClean="0">
+                <a:latin typeface="Consolas"/>
+                <a:cs typeface="Consolas"/>
+              </a:rPr>
+              <a:t> connections = </a:t>
+            </a:r>
+          </a:p>
+          <a:p>
+            <a:r>
+              <a:rPr lang="en-US" sz="2800" dirty="0">
+                <a:latin typeface="Consolas"/>
+                <a:cs typeface="Consolas"/>
+              </a:rPr>
+              <a:t> </a:t>
+            </a:r>
+            <a:r>
+              <a:rPr lang="en-US" sz="2800" dirty="0" smtClean="0">
+                <a:latin typeface="Consolas"/>
+                <a:cs typeface="Consolas"/>
+              </a:rPr>
+              <a:t> </a:t>
+            </a:r>
+            <a:r>
+              <a:rPr lang="en-US" sz="2800" dirty="0" err="1" smtClean="0">
+                <a:latin typeface="Consolas"/>
+                <a:cs typeface="Consolas"/>
+              </a:rPr>
+              <a:t>config.getInt</a:t>
+            </a:r>
+            <a:r>
+              <a:rPr lang="en-US" sz="2800" dirty="0" smtClean="0">
+                <a:latin typeface="Consolas"/>
+                <a:cs typeface="Consolas"/>
+              </a:rPr>
+              <a:t>("</a:t>
+            </a:r>
+            <a:r>
+              <a:rPr lang="en-US" sz="2800" dirty="0" err="1" smtClean="0">
+                <a:latin typeface="Consolas"/>
+                <a:cs typeface="Consolas"/>
+              </a:rPr>
+              <a:t>database.connections</a:t>
+            </a:r>
+            <a:r>
+              <a:rPr lang="en-US" sz="2800" dirty="0" smtClean="0">
+                <a:latin typeface="Consolas"/>
+                <a:cs typeface="Consolas"/>
+              </a:rPr>
+              <a:t>")</a:t>
+            </a:r>
+          </a:p>
+          <a:p>
+            <a:endParaRPr lang="en-US" sz="2200" dirty="0">
+              <a:latin typeface="Consolas"/>
+              <a:cs typeface="Consolas"/>
+            </a:endParaRPr>
+          </a:p>
         </p:txBody>
       </p:sp>
     </p:spTree>
     <p:extLst>
       <p:ext uri="{BB962C8B-B14F-4D97-AF65-F5344CB8AC3E}">
-        <p14:creationId xmlns:p14="http://schemas.microsoft.com/office/powerpoint/2010/main" val="2140859450"/>
+        <p14:creationId xmlns:p14="http://schemas.microsoft.com/office/powerpoint/2010/main" val="2811183408"/>
       </p:ext>
     </p:extLst>
   </p:cSld>
